--- a/Database normalization.pptx
+++ b/Database normalization.pptx
@@ -4,18 +4,23 @@
   <p:sldMasterIdLst>
     <p:sldMasterId id="2147483712" r:id="rId4"/>
   </p:sldMasterIdLst>
+  <p:notesMasterIdLst>
+    <p:notesMasterId r:id="rId18"/>
+  </p:notesMasterIdLst>
   <p:sldIdLst>
     <p:sldId id="257" r:id="rId5"/>
     <p:sldId id="259" r:id="rId6"/>
-    <p:sldId id="260" r:id="rId7"/>
-    <p:sldId id="261" r:id="rId8"/>
-    <p:sldId id="265" r:id="rId9"/>
-    <p:sldId id="266" r:id="rId10"/>
-    <p:sldId id="262" r:id="rId11"/>
-    <p:sldId id="267" r:id="rId12"/>
-    <p:sldId id="268" r:id="rId13"/>
-    <p:sldId id="263" r:id="rId14"/>
-    <p:sldId id="264" r:id="rId15"/>
+    <p:sldId id="269" r:id="rId7"/>
+    <p:sldId id="260" r:id="rId8"/>
+    <p:sldId id="261" r:id="rId9"/>
+    <p:sldId id="265" r:id="rId10"/>
+    <p:sldId id="266" r:id="rId11"/>
+    <p:sldId id="262" r:id="rId12"/>
+    <p:sldId id="267" r:id="rId13"/>
+    <p:sldId id="268" r:id="rId14"/>
+    <p:sldId id="273" r:id="rId15"/>
+    <p:sldId id="275" r:id="rId16"/>
+    <p:sldId id="274" r:id="rId17"/>
   </p:sldIdLst>
   <p:sldSz cx="12192000" cy="6858000"/>
   <p:notesSz cx="6858000" cy="9144000"/>
@@ -291,6 +296,1386 @@
 </pc:chgInfo>
 </file>
 
+<file path=ppt/notesMasters/notesMaster1.xml><?xml version="1.0" encoding="utf-8"?>
+<p:notesMaster xmlns:a="http://schemas.openxmlformats.org/drawingml/2006/main" xmlns:r="http://schemas.openxmlformats.org/officeDocument/2006/relationships" xmlns:p="http://schemas.openxmlformats.org/presentationml/2006/main">
+  <p:cSld>
+    <p:bg>
+      <p:bgRef idx="1001">
+        <a:schemeClr val="bg1"/>
+      </p:bgRef>
+    </p:bg>
+    <p:spTree>
+      <p:nvGrpSpPr>
+        <p:cNvPr id="1" name=""/>
+        <p:cNvGrpSpPr/>
+        <p:nvPr/>
+      </p:nvGrpSpPr>
+      <p:grpSpPr>
+        <a:xfrm>
+          <a:off x="0" y="0"/>
+          <a:ext cx="0" cy="0"/>
+          <a:chOff x="0" y="0"/>
+          <a:chExt cx="0" cy="0"/>
+        </a:xfrm>
+      </p:grpSpPr>
+      <p:sp>
+        <p:nvSpPr>
+          <p:cNvPr id="2" name="Header Placeholder 1"/>
+          <p:cNvSpPr>
+            <a:spLocks noGrp="1"/>
+          </p:cNvSpPr>
+          <p:nvPr>
+            <p:ph type="hdr" sz="quarter"/>
+          </p:nvPr>
+        </p:nvSpPr>
+        <p:spPr>
+          <a:xfrm>
+            <a:off x="0" y="0"/>
+            <a:ext cx="2971800" cy="458788"/>
+          </a:xfrm>
+          <a:prstGeom prst="rect">
+            <a:avLst/>
+          </a:prstGeom>
+        </p:spPr>
+        <p:txBody>
+          <a:bodyPr vert="horz" lIns="91440" tIns="45720" rIns="91440" bIns="45720" rtlCol="0"/>
+          <a:lstStyle>
+            <a:lvl1pPr algn="l">
+              <a:defRPr sz="1200"/>
+            </a:lvl1pPr>
+          </a:lstStyle>
+          <a:p>
+            <a:endParaRPr lang="en-US"/>
+          </a:p>
+        </p:txBody>
+      </p:sp>
+      <p:sp>
+        <p:nvSpPr>
+          <p:cNvPr id="3" name="Date Placeholder 2"/>
+          <p:cNvSpPr>
+            <a:spLocks noGrp="1"/>
+          </p:cNvSpPr>
+          <p:nvPr>
+            <p:ph type="dt" idx="1"/>
+          </p:nvPr>
+        </p:nvSpPr>
+        <p:spPr>
+          <a:xfrm>
+            <a:off x="3884613" y="0"/>
+            <a:ext cx="2971800" cy="458788"/>
+          </a:xfrm>
+          <a:prstGeom prst="rect">
+            <a:avLst/>
+          </a:prstGeom>
+        </p:spPr>
+        <p:txBody>
+          <a:bodyPr vert="horz" lIns="91440" tIns="45720" rIns="91440" bIns="45720" rtlCol="0"/>
+          <a:lstStyle>
+            <a:lvl1pPr algn="r">
+              <a:defRPr sz="1200"/>
+            </a:lvl1pPr>
+          </a:lstStyle>
+          <a:p>
+            <a:fld id="{CB4871F8-C8A8-4E08-BDD2-E7791E6862DE}" type="datetimeFigureOut">
+              <a:rPr lang="en-US" smtClean="0"/>
+              <a:t>12/9/2023</a:t>
+            </a:fld>
+            <a:endParaRPr lang="en-US"/>
+          </a:p>
+        </p:txBody>
+      </p:sp>
+      <p:sp>
+        <p:nvSpPr>
+          <p:cNvPr id="4" name="Slide Image Placeholder 3"/>
+          <p:cNvSpPr>
+            <a:spLocks noGrp="1" noRot="1" noChangeAspect="1"/>
+          </p:cNvSpPr>
+          <p:nvPr>
+            <p:ph type="sldImg" idx="2"/>
+          </p:nvPr>
+        </p:nvSpPr>
+        <p:spPr>
+          <a:xfrm>
+            <a:off x="685800" y="1143000"/>
+            <a:ext cx="5486400" cy="3086100"/>
+          </a:xfrm>
+          <a:prstGeom prst="rect">
+            <a:avLst/>
+          </a:prstGeom>
+          <a:noFill/>
+          <a:ln w="12700">
+            <a:solidFill>
+              <a:prstClr val="black"/>
+            </a:solidFill>
+          </a:ln>
+        </p:spPr>
+        <p:txBody>
+          <a:bodyPr vert="horz" lIns="91440" tIns="45720" rIns="91440" bIns="45720" rtlCol="0" anchor="ctr"/>
+          <a:lstStyle/>
+          <a:p>
+            <a:endParaRPr lang="en-US"/>
+          </a:p>
+        </p:txBody>
+      </p:sp>
+      <p:sp>
+        <p:nvSpPr>
+          <p:cNvPr id="5" name="Notes Placeholder 4"/>
+          <p:cNvSpPr>
+            <a:spLocks noGrp="1"/>
+          </p:cNvSpPr>
+          <p:nvPr>
+            <p:ph type="body" sz="quarter" idx="3"/>
+          </p:nvPr>
+        </p:nvSpPr>
+        <p:spPr>
+          <a:xfrm>
+            <a:off x="685800" y="4400550"/>
+            <a:ext cx="5486400" cy="3600450"/>
+          </a:xfrm>
+          <a:prstGeom prst="rect">
+            <a:avLst/>
+          </a:prstGeom>
+        </p:spPr>
+        <p:txBody>
+          <a:bodyPr vert="horz" lIns="91440" tIns="45720" rIns="91440" bIns="45720" rtlCol="0"/>
+          <a:lstStyle/>
+          <a:p>
+            <a:pPr lvl="0"/>
+            <a:r>
+              <a:rPr lang="en-US"/>
+              <a:t>Click to edit Master text styles</a:t>
+            </a:r>
+          </a:p>
+          <a:p>
+            <a:pPr lvl="1"/>
+            <a:r>
+              <a:rPr lang="en-US"/>
+              <a:t>Second level</a:t>
+            </a:r>
+          </a:p>
+          <a:p>
+            <a:pPr lvl="2"/>
+            <a:r>
+              <a:rPr lang="en-US"/>
+              <a:t>Third level</a:t>
+            </a:r>
+          </a:p>
+          <a:p>
+            <a:pPr lvl="3"/>
+            <a:r>
+              <a:rPr lang="en-US"/>
+              <a:t>Fourth level</a:t>
+            </a:r>
+          </a:p>
+          <a:p>
+            <a:pPr lvl="4"/>
+            <a:r>
+              <a:rPr lang="en-US"/>
+              <a:t>Fifth level</a:t>
+            </a:r>
+          </a:p>
+        </p:txBody>
+      </p:sp>
+      <p:sp>
+        <p:nvSpPr>
+          <p:cNvPr id="6" name="Footer Placeholder 5"/>
+          <p:cNvSpPr>
+            <a:spLocks noGrp="1"/>
+          </p:cNvSpPr>
+          <p:nvPr>
+            <p:ph type="ftr" sz="quarter" idx="4"/>
+          </p:nvPr>
+        </p:nvSpPr>
+        <p:spPr>
+          <a:xfrm>
+            <a:off x="0" y="8685213"/>
+            <a:ext cx="2971800" cy="458787"/>
+          </a:xfrm>
+          <a:prstGeom prst="rect">
+            <a:avLst/>
+          </a:prstGeom>
+        </p:spPr>
+        <p:txBody>
+          <a:bodyPr vert="horz" lIns="91440" tIns="45720" rIns="91440" bIns="45720" rtlCol="0" anchor="b"/>
+          <a:lstStyle>
+            <a:lvl1pPr algn="l">
+              <a:defRPr sz="1200"/>
+            </a:lvl1pPr>
+          </a:lstStyle>
+          <a:p>
+            <a:endParaRPr lang="en-US"/>
+          </a:p>
+        </p:txBody>
+      </p:sp>
+      <p:sp>
+        <p:nvSpPr>
+          <p:cNvPr id="7" name="Slide Number Placeholder 6"/>
+          <p:cNvSpPr>
+            <a:spLocks noGrp="1"/>
+          </p:cNvSpPr>
+          <p:nvPr>
+            <p:ph type="sldNum" sz="quarter" idx="5"/>
+          </p:nvPr>
+        </p:nvSpPr>
+        <p:spPr>
+          <a:xfrm>
+            <a:off x="3884613" y="8685213"/>
+            <a:ext cx="2971800" cy="458787"/>
+          </a:xfrm>
+          <a:prstGeom prst="rect">
+            <a:avLst/>
+          </a:prstGeom>
+        </p:spPr>
+        <p:txBody>
+          <a:bodyPr vert="horz" lIns="91440" tIns="45720" rIns="91440" bIns="45720" rtlCol="0" anchor="b"/>
+          <a:lstStyle>
+            <a:lvl1pPr algn="r">
+              <a:defRPr sz="1200"/>
+            </a:lvl1pPr>
+          </a:lstStyle>
+          <a:p>
+            <a:fld id="{39048538-52D2-4017-9712-719F2ECD93E9}" type="slidenum">
+              <a:rPr lang="en-US" smtClean="0"/>
+              <a:t>‹#›</a:t>
+            </a:fld>
+            <a:endParaRPr lang="en-US"/>
+          </a:p>
+        </p:txBody>
+      </p:sp>
+    </p:spTree>
+    <p:extLst>
+      <p:ext uri="{BB962C8B-B14F-4D97-AF65-F5344CB8AC3E}">
+        <p14:creationId xmlns:p14="http://schemas.microsoft.com/office/powerpoint/2010/main" val="2704150303"/>
+      </p:ext>
+    </p:extLst>
+  </p:cSld>
+  <p:clrMap bg1="lt1" tx1="dk1" bg2="lt2" tx2="dk2" accent1="accent1" accent2="accent2" accent3="accent3" accent4="accent4" accent5="accent5" accent6="accent6" hlink="hlink" folHlink="folHlink"/>
+  <p:notesStyle>
+    <a:lvl1pPr marL="0" algn="l" defTabSz="914400" rtl="0" eaLnBrk="1" latinLnBrk="0" hangingPunct="1">
+      <a:defRPr sz="1200" kern="1200">
+        <a:solidFill>
+          <a:schemeClr val="tx1"/>
+        </a:solidFill>
+        <a:latin typeface="+mn-lt"/>
+        <a:ea typeface="+mn-ea"/>
+        <a:cs typeface="+mn-cs"/>
+      </a:defRPr>
+    </a:lvl1pPr>
+    <a:lvl2pPr marL="457200" algn="l" defTabSz="914400" rtl="0" eaLnBrk="1" latinLnBrk="0" hangingPunct="1">
+      <a:defRPr sz="1200" kern="1200">
+        <a:solidFill>
+          <a:schemeClr val="tx1"/>
+        </a:solidFill>
+        <a:latin typeface="+mn-lt"/>
+        <a:ea typeface="+mn-ea"/>
+        <a:cs typeface="+mn-cs"/>
+      </a:defRPr>
+    </a:lvl2pPr>
+    <a:lvl3pPr marL="914400" algn="l" defTabSz="914400" rtl="0" eaLnBrk="1" latinLnBrk="0" hangingPunct="1">
+      <a:defRPr sz="1200" kern="1200">
+        <a:solidFill>
+          <a:schemeClr val="tx1"/>
+        </a:solidFill>
+        <a:latin typeface="+mn-lt"/>
+        <a:ea typeface="+mn-ea"/>
+        <a:cs typeface="+mn-cs"/>
+      </a:defRPr>
+    </a:lvl3pPr>
+    <a:lvl4pPr marL="1371600" algn="l" defTabSz="914400" rtl="0" eaLnBrk="1" latinLnBrk="0" hangingPunct="1">
+      <a:defRPr sz="1200" kern="1200">
+        <a:solidFill>
+          <a:schemeClr val="tx1"/>
+        </a:solidFill>
+        <a:latin typeface="+mn-lt"/>
+        <a:ea typeface="+mn-ea"/>
+        <a:cs typeface="+mn-cs"/>
+      </a:defRPr>
+    </a:lvl4pPr>
+    <a:lvl5pPr marL="1828800" algn="l" defTabSz="914400" rtl="0" eaLnBrk="1" latinLnBrk="0" hangingPunct="1">
+      <a:defRPr sz="1200" kern="1200">
+        <a:solidFill>
+          <a:schemeClr val="tx1"/>
+        </a:solidFill>
+        <a:latin typeface="+mn-lt"/>
+        <a:ea typeface="+mn-ea"/>
+        <a:cs typeface="+mn-cs"/>
+      </a:defRPr>
+    </a:lvl5pPr>
+    <a:lvl6pPr marL="2286000" algn="l" defTabSz="914400" rtl="0" eaLnBrk="1" latinLnBrk="0" hangingPunct="1">
+      <a:defRPr sz="1200" kern="1200">
+        <a:solidFill>
+          <a:schemeClr val="tx1"/>
+        </a:solidFill>
+        <a:latin typeface="+mn-lt"/>
+        <a:ea typeface="+mn-ea"/>
+        <a:cs typeface="+mn-cs"/>
+      </a:defRPr>
+    </a:lvl6pPr>
+    <a:lvl7pPr marL="2743200" algn="l" defTabSz="914400" rtl="0" eaLnBrk="1" latinLnBrk="0" hangingPunct="1">
+      <a:defRPr sz="1200" kern="1200">
+        <a:solidFill>
+          <a:schemeClr val="tx1"/>
+        </a:solidFill>
+        <a:latin typeface="+mn-lt"/>
+        <a:ea typeface="+mn-ea"/>
+        <a:cs typeface="+mn-cs"/>
+      </a:defRPr>
+    </a:lvl7pPr>
+    <a:lvl8pPr marL="3200400" algn="l" defTabSz="914400" rtl="0" eaLnBrk="1" latinLnBrk="0" hangingPunct="1">
+      <a:defRPr sz="1200" kern="1200">
+        <a:solidFill>
+          <a:schemeClr val="tx1"/>
+        </a:solidFill>
+        <a:latin typeface="+mn-lt"/>
+        <a:ea typeface="+mn-ea"/>
+        <a:cs typeface="+mn-cs"/>
+      </a:defRPr>
+    </a:lvl8pPr>
+    <a:lvl9pPr marL="3657600" algn="l" defTabSz="914400" rtl="0" eaLnBrk="1" latinLnBrk="0" hangingPunct="1">
+      <a:defRPr sz="1200" kern="1200">
+        <a:solidFill>
+          <a:schemeClr val="tx1"/>
+        </a:solidFill>
+        <a:latin typeface="+mn-lt"/>
+        <a:ea typeface="+mn-ea"/>
+        <a:cs typeface="+mn-cs"/>
+      </a:defRPr>
+    </a:lvl9pPr>
+  </p:notesStyle>
+</p:notesMaster>
+</file>
+
+<file path=ppt/notesSlides/notesSlide1.xml><?xml version="1.0" encoding="utf-8"?>
+<p:notes xmlns:a="http://schemas.openxmlformats.org/drawingml/2006/main" xmlns:r="http://schemas.openxmlformats.org/officeDocument/2006/relationships" xmlns:p="http://schemas.openxmlformats.org/presentationml/2006/main">
+  <p:cSld>
+    <p:spTree>
+      <p:nvGrpSpPr>
+        <p:cNvPr id="1" name=""/>
+        <p:cNvGrpSpPr/>
+        <p:nvPr/>
+      </p:nvGrpSpPr>
+      <p:grpSpPr>
+        <a:xfrm>
+          <a:off x="0" y="0"/>
+          <a:ext cx="0" cy="0"/>
+          <a:chOff x="0" y="0"/>
+          <a:chExt cx="0" cy="0"/>
+        </a:xfrm>
+      </p:grpSpPr>
+      <p:sp>
+        <p:nvSpPr>
+          <p:cNvPr id="2" name="Slide Image Placeholder 1"/>
+          <p:cNvSpPr>
+            <a:spLocks noGrp="1" noRot="1" noChangeAspect="1"/>
+          </p:cNvSpPr>
+          <p:nvPr>
+            <p:ph type="sldImg"/>
+          </p:nvPr>
+        </p:nvSpPr>
+        <p:spPr/>
+      </p:sp>
+      <p:sp>
+        <p:nvSpPr>
+          <p:cNvPr id="3" name="Notes Placeholder 2"/>
+          <p:cNvSpPr>
+            <a:spLocks noGrp="1"/>
+          </p:cNvSpPr>
+          <p:nvPr>
+            <p:ph type="body" idx="1"/>
+          </p:nvPr>
+        </p:nvSpPr>
+        <p:spPr/>
+        <p:txBody>
+          <a:bodyPr/>
+          <a:lstStyle/>
+          <a:p>
+            <a:endParaRPr lang="en-US" dirty="0"/>
+          </a:p>
+        </p:txBody>
+      </p:sp>
+      <p:sp>
+        <p:nvSpPr>
+          <p:cNvPr id="4" name="Slide Number Placeholder 3"/>
+          <p:cNvSpPr>
+            <a:spLocks noGrp="1"/>
+          </p:cNvSpPr>
+          <p:nvPr>
+            <p:ph type="sldNum" sz="quarter" idx="5"/>
+          </p:nvPr>
+        </p:nvSpPr>
+        <p:spPr/>
+        <p:txBody>
+          <a:bodyPr/>
+          <a:lstStyle/>
+          <a:p>
+            <a:fld id="{488A4615-6366-4BE4-BC13-1269826C44D6}" type="slidenum">
+              <a:rPr lang="en-US" smtClean="0"/>
+              <a:t>1</a:t>
+            </a:fld>
+            <a:endParaRPr lang="en-US"/>
+          </a:p>
+        </p:txBody>
+      </p:sp>
+    </p:spTree>
+    <p:extLst>
+      <p:ext uri="{BB962C8B-B14F-4D97-AF65-F5344CB8AC3E}">
+        <p14:creationId xmlns:p14="http://schemas.microsoft.com/office/powerpoint/2010/main" val="3007604232"/>
+      </p:ext>
+    </p:extLst>
+  </p:cSld>
+  <p:clrMapOvr>
+    <a:masterClrMapping/>
+  </p:clrMapOvr>
+</p:notes>
+</file>
+
+<file path=ppt/notesSlides/notesSlide10.xml><?xml version="1.0" encoding="utf-8"?>
+<p:notes xmlns:a="http://schemas.openxmlformats.org/drawingml/2006/main" xmlns:r="http://schemas.openxmlformats.org/officeDocument/2006/relationships" xmlns:p="http://schemas.openxmlformats.org/presentationml/2006/main">
+  <p:cSld>
+    <p:spTree>
+      <p:nvGrpSpPr>
+        <p:cNvPr id="1" name=""/>
+        <p:cNvGrpSpPr/>
+        <p:nvPr/>
+      </p:nvGrpSpPr>
+      <p:grpSpPr>
+        <a:xfrm>
+          <a:off x="0" y="0"/>
+          <a:ext cx="0" cy="0"/>
+          <a:chOff x="0" y="0"/>
+          <a:chExt cx="0" cy="0"/>
+        </a:xfrm>
+      </p:grpSpPr>
+      <p:sp>
+        <p:nvSpPr>
+          <p:cNvPr id="2" name="Slide Image Placeholder 1"/>
+          <p:cNvSpPr>
+            <a:spLocks noGrp="1" noRot="1" noChangeAspect="1"/>
+          </p:cNvSpPr>
+          <p:nvPr>
+            <p:ph type="sldImg"/>
+          </p:nvPr>
+        </p:nvSpPr>
+        <p:spPr/>
+      </p:sp>
+      <p:sp>
+        <p:nvSpPr>
+          <p:cNvPr id="3" name="Notes Placeholder 2"/>
+          <p:cNvSpPr>
+            <a:spLocks noGrp="1"/>
+          </p:cNvSpPr>
+          <p:nvPr>
+            <p:ph type="body" idx="1"/>
+          </p:nvPr>
+        </p:nvSpPr>
+        <p:spPr/>
+        <p:txBody>
+          <a:bodyPr/>
+          <a:lstStyle/>
+          <a:p>
+            <a:endParaRPr lang="en-US" dirty="0"/>
+          </a:p>
+        </p:txBody>
+      </p:sp>
+      <p:sp>
+        <p:nvSpPr>
+          <p:cNvPr id="4" name="Slide Number Placeholder 3"/>
+          <p:cNvSpPr>
+            <a:spLocks noGrp="1"/>
+          </p:cNvSpPr>
+          <p:nvPr>
+            <p:ph type="sldNum" sz="quarter" idx="5"/>
+          </p:nvPr>
+        </p:nvSpPr>
+        <p:spPr/>
+        <p:txBody>
+          <a:bodyPr/>
+          <a:lstStyle/>
+          <a:p>
+            <a:fld id="{488A4615-6366-4BE4-BC13-1269826C44D6}" type="slidenum">
+              <a:rPr lang="en-US" smtClean="0"/>
+              <a:t>11</a:t>
+            </a:fld>
+            <a:endParaRPr lang="en-US"/>
+          </a:p>
+        </p:txBody>
+      </p:sp>
+    </p:spTree>
+    <p:extLst>
+      <p:ext uri="{BB962C8B-B14F-4D97-AF65-F5344CB8AC3E}">
+        <p14:creationId xmlns:p14="http://schemas.microsoft.com/office/powerpoint/2010/main" val="3112748423"/>
+      </p:ext>
+    </p:extLst>
+  </p:cSld>
+  <p:clrMapOvr>
+    <a:masterClrMapping/>
+  </p:clrMapOvr>
+</p:notes>
+</file>
+
+<file path=ppt/notesSlides/notesSlide2.xml><?xml version="1.0" encoding="utf-8"?>
+<p:notes xmlns:a="http://schemas.openxmlformats.org/drawingml/2006/main" xmlns:r="http://schemas.openxmlformats.org/officeDocument/2006/relationships" xmlns:p="http://schemas.openxmlformats.org/presentationml/2006/main">
+  <p:cSld>
+    <p:spTree>
+      <p:nvGrpSpPr>
+        <p:cNvPr id="1" name=""/>
+        <p:cNvGrpSpPr/>
+        <p:nvPr/>
+      </p:nvGrpSpPr>
+      <p:grpSpPr>
+        <a:xfrm>
+          <a:off x="0" y="0"/>
+          <a:ext cx="0" cy="0"/>
+          <a:chOff x="0" y="0"/>
+          <a:chExt cx="0" cy="0"/>
+        </a:xfrm>
+      </p:grpSpPr>
+      <p:sp>
+        <p:nvSpPr>
+          <p:cNvPr id="2" name="Slide Image Placeholder 1"/>
+          <p:cNvSpPr>
+            <a:spLocks noGrp="1" noRot="1" noChangeAspect="1"/>
+          </p:cNvSpPr>
+          <p:nvPr>
+            <p:ph type="sldImg"/>
+          </p:nvPr>
+        </p:nvSpPr>
+        <p:spPr/>
+      </p:sp>
+      <p:sp>
+        <p:nvSpPr>
+          <p:cNvPr id="3" name="Notes Placeholder 2"/>
+          <p:cNvSpPr>
+            <a:spLocks noGrp="1"/>
+          </p:cNvSpPr>
+          <p:nvPr>
+            <p:ph type="body" idx="1"/>
+          </p:nvPr>
+        </p:nvSpPr>
+        <p:spPr/>
+        <p:txBody>
+          <a:bodyPr/>
+          <a:lstStyle/>
+          <a:p>
+            <a:pPr marL="0" marR="0" lvl="0" indent="0" algn="r" defTabSz="914400" rtl="0" eaLnBrk="1" fontAlgn="auto" latinLnBrk="0" hangingPunct="1">
+              <a:lnSpc>
+                <a:spcPct val="100000"/>
+              </a:lnSpc>
+              <a:spcBef>
+                <a:spcPts val="0"/>
+              </a:spcBef>
+              <a:spcAft>
+                <a:spcPts val="0"/>
+              </a:spcAft>
+              <a:buClrTx/>
+              <a:buSzTx/>
+              <a:buFontTx/>
+              <a:buNone/>
+              <a:tabLst/>
+              <a:defRPr/>
+            </a:pPr>
+            <a:r>
+              <a:rPr lang="he-IL" dirty="0"/>
+              <a:t>בשיעורי </a:t>
+            </a:r>
+            <a:r>
+              <a:rPr lang="he-IL" dirty="0" err="1"/>
+              <a:t>דיבי</a:t>
+            </a:r>
+            <a:r>
+              <a:rPr lang="he-IL" dirty="0"/>
+              <a:t> למדנו כיצד לנהל את המידע שנמצא במסד הנתונים, באמצעות שאילתות,</a:t>
+            </a:r>
+          </a:p>
+          <a:p>
+            <a:pPr marL="0" marR="0" lvl="0" indent="0" algn="r" defTabSz="914400" rtl="0" eaLnBrk="1" fontAlgn="auto" latinLnBrk="0" hangingPunct="1">
+              <a:lnSpc>
+                <a:spcPct val="100000"/>
+              </a:lnSpc>
+              <a:spcBef>
+                <a:spcPts val="0"/>
+              </a:spcBef>
+              <a:spcAft>
+                <a:spcPts val="0"/>
+              </a:spcAft>
+              <a:buClrTx/>
+              <a:buSzTx/>
+              <a:buFontTx/>
+              <a:buNone/>
+              <a:tabLst/>
+              <a:defRPr/>
+            </a:pPr>
+            <a:r>
+              <a:rPr lang="he-IL" dirty="0"/>
+              <a:t>אבל מהי הצורה הנכונה לשמור מידע בדאטה </a:t>
+            </a:r>
+            <a:r>
+              <a:rPr lang="he-IL" dirty="0" err="1"/>
+              <a:t>בייס</a:t>
+            </a:r>
+            <a:r>
+              <a:rPr lang="he-IL" dirty="0"/>
+              <a:t>? כמה טבלאות נצטרך כדי לשמור, איזה נתונים יהיו בתוך כל טבלה. </a:t>
+            </a:r>
+          </a:p>
+          <a:p>
+            <a:pPr marL="0" marR="0" lvl="0" indent="0" algn="r" defTabSz="914400" rtl="0" eaLnBrk="1" fontAlgn="auto" latinLnBrk="0" hangingPunct="1">
+              <a:lnSpc>
+                <a:spcPct val="100000"/>
+              </a:lnSpc>
+              <a:spcBef>
+                <a:spcPts val="0"/>
+              </a:spcBef>
+              <a:spcAft>
+                <a:spcPts val="0"/>
+              </a:spcAft>
+              <a:buClrTx/>
+              <a:buSzTx/>
+              <a:buFontTx/>
+              <a:buNone/>
+              <a:tabLst/>
+              <a:defRPr/>
+            </a:pPr>
+            <a:r>
+              <a:rPr lang="he-IL" dirty="0"/>
+              <a:t>המושג מתייחס לשמירה של המידע במסד הנתונים </a:t>
+            </a:r>
+            <a:r>
+              <a:rPr lang="he-IL" dirty="0" err="1"/>
+              <a:t>הרלציוני</a:t>
+            </a:r>
+            <a:r>
+              <a:rPr lang="he-IL" dirty="0"/>
+              <a:t> בצורה הטובה יעילה ביותר.</a:t>
+            </a:r>
+          </a:p>
+          <a:p>
+            <a:pPr algn="r"/>
+            <a:endParaRPr lang="he-IL" dirty="0"/>
+          </a:p>
+          <a:p>
+            <a:pPr algn="r"/>
+            <a:endParaRPr lang="en-US" dirty="0"/>
+          </a:p>
+        </p:txBody>
+      </p:sp>
+      <p:sp>
+        <p:nvSpPr>
+          <p:cNvPr id="4" name="Slide Number Placeholder 3"/>
+          <p:cNvSpPr>
+            <a:spLocks noGrp="1"/>
+          </p:cNvSpPr>
+          <p:nvPr>
+            <p:ph type="sldNum" sz="quarter" idx="5"/>
+          </p:nvPr>
+        </p:nvSpPr>
+        <p:spPr/>
+        <p:txBody>
+          <a:bodyPr/>
+          <a:lstStyle/>
+          <a:p>
+            <a:fld id="{488A4615-6366-4BE4-BC13-1269826C44D6}" type="slidenum">
+              <a:rPr lang="en-US" smtClean="0"/>
+              <a:t>2</a:t>
+            </a:fld>
+            <a:endParaRPr lang="en-US"/>
+          </a:p>
+        </p:txBody>
+      </p:sp>
+    </p:spTree>
+    <p:extLst>
+      <p:ext uri="{BB962C8B-B14F-4D97-AF65-F5344CB8AC3E}">
+        <p14:creationId xmlns:p14="http://schemas.microsoft.com/office/powerpoint/2010/main" val="2506472180"/>
+      </p:ext>
+    </p:extLst>
+  </p:cSld>
+  <p:clrMapOvr>
+    <a:masterClrMapping/>
+  </p:clrMapOvr>
+</p:notes>
+</file>
+
+<file path=ppt/notesSlides/notesSlide3.xml><?xml version="1.0" encoding="utf-8"?>
+<p:notes xmlns:a="http://schemas.openxmlformats.org/drawingml/2006/main" xmlns:r="http://schemas.openxmlformats.org/officeDocument/2006/relationships" xmlns:p="http://schemas.openxmlformats.org/presentationml/2006/main">
+  <p:cSld>
+    <p:spTree>
+      <p:nvGrpSpPr>
+        <p:cNvPr id="1" name=""/>
+        <p:cNvGrpSpPr/>
+        <p:nvPr/>
+      </p:nvGrpSpPr>
+      <p:grpSpPr>
+        <a:xfrm>
+          <a:off x="0" y="0"/>
+          <a:ext cx="0" cy="0"/>
+          <a:chOff x="0" y="0"/>
+          <a:chExt cx="0" cy="0"/>
+        </a:xfrm>
+      </p:grpSpPr>
+      <p:sp>
+        <p:nvSpPr>
+          <p:cNvPr id="2" name="Slide Image Placeholder 1"/>
+          <p:cNvSpPr>
+            <a:spLocks noGrp="1" noRot="1" noChangeAspect="1"/>
+          </p:cNvSpPr>
+          <p:nvPr>
+            <p:ph type="sldImg"/>
+          </p:nvPr>
+        </p:nvSpPr>
+        <p:spPr/>
+      </p:sp>
+      <p:sp>
+        <p:nvSpPr>
+          <p:cNvPr id="3" name="Notes Placeholder 2"/>
+          <p:cNvSpPr>
+            <a:spLocks noGrp="1"/>
+          </p:cNvSpPr>
+          <p:nvPr>
+            <p:ph type="body" idx="1"/>
+          </p:nvPr>
+        </p:nvSpPr>
+        <p:spPr/>
+        <p:txBody>
+          <a:bodyPr/>
+          <a:lstStyle/>
+          <a:p>
+            <a:r>
+              <a:rPr lang="he-IL" dirty="0"/>
+              <a:t>סטים של חוקים שמגדירים לנו איך הדאטה </a:t>
+            </a:r>
+            <a:r>
+              <a:rPr lang="he-IL" dirty="0" err="1"/>
+              <a:t>בייס</a:t>
+            </a:r>
+            <a:r>
+              <a:rPr lang="he-IL" dirty="0"/>
+              <a:t> צריך להראות, היום ניגע ב1ת2ת3.</a:t>
+            </a:r>
+            <a:endParaRPr lang="en-US" dirty="0"/>
+          </a:p>
+        </p:txBody>
+      </p:sp>
+      <p:sp>
+        <p:nvSpPr>
+          <p:cNvPr id="4" name="Slide Number Placeholder 3"/>
+          <p:cNvSpPr>
+            <a:spLocks noGrp="1"/>
+          </p:cNvSpPr>
+          <p:nvPr>
+            <p:ph type="sldNum" sz="quarter" idx="5"/>
+          </p:nvPr>
+        </p:nvSpPr>
+        <p:spPr/>
+        <p:txBody>
+          <a:bodyPr/>
+          <a:lstStyle/>
+          <a:p>
+            <a:fld id="{488A4615-6366-4BE4-BC13-1269826C44D6}" type="slidenum">
+              <a:rPr lang="en-US" smtClean="0"/>
+              <a:t>3</a:t>
+            </a:fld>
+            <a:endParaRPr lang="en-US"/>
+          </a:p>
+        </p:txBody>
+      </p:sp>
+    </p:spTree>
+    <p:extLst>
+      <p:ext uri="{BB962C8B-B14F-4D97-AF65-F5344CB8AC3E}">
+        <p14:creationId xmlns:p14="http://schemas.microsoft.com/office/powerpoint/2010/main" val="2051017480"/>
+      </p:ext>
+    </p:extLst>
+  </p:cSld>
+  <p:clrMapOvr>
+    <a:masterClrMapping/>
+  </p:clrMapOvr>
+</p:notes>
+</file>
+
+<file path=ppt/notesSlides/notesSlide4.xml><?xml version="1.0" encoding="utf-8"?>
+<p:notes xmlns:a="http://schemas.openxmlformats.org/drawingml/2006/main" xmlns:r="http://schemas.openxmlformats.org/officeDocument/2006/relationships" xmlns:p="http://schemas.openxmlformats.org/presentationml/2006/main">
+  <p:cSld>
+    <p:spTree>
+      <p:nvGrpSpPr>
+        <p:cNvPr id="1" name=""/>
+        <p:cNvGrpSpPr/>
+        <p:nvPr/>
+      </p:nvGrpSpPr>
+      <p:grpSpPr>
+        <a:xfrm>
+          <a:off x="0" y="0"/>
+          <a:ext cx="0" cy="0"/>
+          <a:chOff x="0" y="0"/>
+          <a:chExt cx="0" cy="0"/>
+        </a:xfrm>
+      </p:grpSpPr>
+      <p:sp>
+        <p:nvSpPr>
+          <p:cNvPr id="2" name="Slide Image Placeholder 1"/>
+          <p:cNvSpPr>
+            <a:spLocks noGrp="1" noRot="1" noChangeAspect="1"/>
+          </p:cNvSpPr>
+          <p:nvPr>
+            <p:ph type="sldImg"/>
+          </p:nvPr>
+        </p:nvSpPr>
+        <p:spPr/>
+      </p:sp>
+      <p:sp>
+        <p:nvSpPr>
+          <p:cNvPr id="3" name="Notes Placeholder 2"/>
+          <p:cNvSpPr>
+            <a:spLocks noGrp="1"/>
+          </p:cNvSpPr>
+          <p:nvPr>
+            <p:ph type="body" idx="1"/>
+          </p:nvPr>
+        </p:nvSpPr>
+        <p:spPr/>
+        <p:txBody>
+          <a:bodyPr/>
+          <a:lstStyle/>
+          <a:p>
+            <a:pPr algn="r"/>
+            <a:r>
+              <a:rPr lang="he-IL" dirty="0"/>
+              <a:t>שניה לפני שנתחיל עם הדוגמאות, צריך להיות סדר </a:t>
+            </a:r>
+            <a:r>
+              <a:rPr lang="he-IL" dirty="0" err="1"/>
+              <a:t>מסויים</a:t>
+            </a:r>
+            <a:r>
+              <a:rPr lang="he-IL" dirty="0"/>
+              <a:t> בדאטה </a:t>
+            </a:r>
+            <a:r>
+              <a:rPr lang="he-IL" dirty="0" err="1"/>
+              <a:t>בייס</a:t>
+            </a:r>
+            <a:r>
+              <a:rPr lang="he-IL" dirty="0"/>
+              <a:t>, צריך שהוא יהיה קל לבצע בו שינויים, קל לגשת למידע.</a:t>
+            </a:r>
+          </a:p>
+          <a:p>
+            <a:pPr algn="r"/>
+            <a:r>
+              <a:rPr lang="he-IL" dirty="0"/>
+              <a:t> </a:t>
+            </a:r>
+            <a:endParaRPr lang="en-US" dirty="0"/>
+          </a:p>
+        </p:txBody>
+      </p:sp>
+      <p:sp>
+        <p:nvSpPr>
+          <p:cNvPr id="4" name="Slide Number Placeholder 3"/>
+          <p:cNvSpPr>
+            <a:spLocks noGrp="1"/>
+          </p:cNvSpPr>
+          <p:nvPr>
+            <p:ph type="sldNum" sz="quarter" idx="5"/>
+          </p:nvPr>
+        </p:nvSpPr>
+        <p:spPr/>
+        <p:txBody>
+          <a:bodyPr/>
+          <a:lstStyle/>
+          <a:p>
+            <a:fld id="{488A4615-6366-4BE4-BC13-1269826C44D6}" type="slidenum">
+              <a:rPr lang="en-US" smtClean="0"/>
+              <a:t>4</a:t>
+            </a:fld>
+            <a:endParaRPr lang="en-US"/>
+          </a:p>
+        </p:txBody>
+      </p:sp>
+    </p:spTree>
+    <p:extLst>
+      <p:ext uri="{BB962C8B-B14F-4D97-AF65-F5344CB8AC3E}">
+        <p14:creationId xmlns:p14="http://schemas.microsoft.com/office/powerpoint/2010/main" val="375510981"/>
+      </p:ext>
+    </p:extLst>
+  </p:cSld>
+  <p:clrMapOvr>
+    <a:masterClrMapping/>
+  </p:clrMapOvr>
+</p:notes>
+</file>
+
+<file path=ppt/notesSlides/notesSlide5.xml><?xml version="1.0" encoding="utf-8"?>
+<p:notes xmlns:a="http://schemas.openxmlformats.org/drawingml/2006/main" xmlns:r="http://schemas.openxmlformats.org/officeDocument/2006/relationships" xmlns:p="http://schemas.openxmlformats.org/presentationml/2006/main">
+  <p:cSld>
+    <p:spTree>
+      <p:nvGrpSpPr>
+        <p:cNvPr id="1" name=""/>
+        <p:cNvGrpSpPr/>
+        <p:nvPr/>
+      </p:nvGrpSpPr>
+      <p:grpSpPr>
+        <a:xfrm>
+          <a:off x="0" y="0"/>
+          <a:ext cx="0" cy="0"/>
+          <a:chOff x="0" y="0"/>
+          <a:chExt cx="0" cy="0"/>
+        </a:xfrm>
+      </p:grpSpPr>
+      <p:sp>
+        <p:nvSpPr>
+          <p:cNvPr id="2" name="Slide Image Placeholder 1"/>
+          <p:cNvSpPr>
+            <a:spLocks noGrp="1" noRot="1" noChangeAspect="1"/>
+          </p:cNvSpPr>
+          <p:nvPr>
+            <p:ph type="sldImg"/>
+          </p:nvPr>
+        </p:nvSpPr>
+        <p:spPr/>
+      </p:sp>
+      <p:sp>
+        <p:nvSpPr>
+          <p:cNvPr id="3" name="Notes Placeholder 2"/>
+          <p:cNvSpPr>
+            <a:spLocks noGrp="1"/>
+          </p:cNvSpPr>
+          <p:nvPr>
+            <p:ph type="body" idx="1"/>
+          </p:nvPr>
+        </p:nvSpPr>
+        <p:spPr/>
+        <p:txBody>
+          <a:bodyPr/>
+          <a:lstStyle/>
+          <a:p>
+            <a:r>
+              <a:rPr lang="he-IL" dirty="0"/>
+              <a:t>צריך להיות לכל טבלה מפתח ראשי</a:t>
+            </a:r>
+          </a:p>
+          <a:p>
+            <a:pPr marL="0" marR="0" lvl="0" indent="0" algn="l" defTabSz="914400" rtl="0" eaLnBrk="1" fontAlgn="auto" latinLnBrk="0" hangingPunct="1">
+              <a:lnSpc>
+                <a:spcPct val="100000"/>
+              </a:lnSpc>
+              <a:spcBef>
+                <a:spcPts val="0"/>
+              </a:spcBef>
+              <a:spcAft>
+                <a:spcPts val="0"/>
+              </a:spcAft>
+              <a:buClrTx/>
+              <a:buSzTx/>
+              <a:buFontTx/>
+              <a:buNone/>
+              <a:tabLst/>
+              <a:defRPr/>
+            </a:pPr>
+            <a:r>
+              <a:rPr lang="he-IL" dirty="0"/>
+              <a:t>סדר הערכים לא משנה</a:t>
+            </a:r>
+          </a:p>
+          <a:p>
+            <a:r>
+              <a:rPr lang="he-IL" dirty="0"/>
+              <a:t>ערכים בטבלה צריכים להיות מבודדים</a:t>
+            </a:r>
+          </a:p>
+        </p:txBody>
+      </p:sp>
+      <p:sp>
+        <p:nvSpPr>
+          <p:cNvPr id="4" name="Slide Number Placeholder 3"/>
+          <p:cNvSpPr>
+            <a:spLocks noGrp="1"/>
+          </p:cNvSpPr>
+          <p:nvPr>
+            <p:ph type="sldNum" sz="quarter" idx="5"/>
+          </p:nvPr>
+        </p:nvSpPr>
+        <p:spPr/>
+        <p:txBody>
+          <a:bodyPr/>
+          <a:lstStyle/>
+          <a:p>
+            <a:fld id="{488A4615-6366-4BE4-BC13-1269826C44D6}" type="slidenum">
+              <a:rPr lang="en-US" smtClean="0"/>
+              <a:t>5</a:t>
+            </a:fld>
+            <a:endParaRPr lang="en-US"/>
+          </a:p>
+        </p:txBody>
+      </p:sp>
+    </p:spTree>
+    <p:extLst>
+      <p:ext uri="{BB962C8B-B14F-4D97-AF65-F5344CB8AC3E}">
+        <p14:creationId xmlns:p14="http://schemas.microsoft.com/office/powerpoint/2010/main" val="2034121065"/>
+      </p:ext>
+    </p:extLst>
+  </p:cSld>
+  <p:clrMapOvr>
+    <a:masterClrMapping/>
+  </p:clrMapOvr>
+</p:notes>
+</file>
+
+<file path=ppt/notesSlides/notesSlide6.xml><?xml version="1.0" encoding="utf-8"?>
+<p:notes xmlns:a="http://schemas.openxmlformats.org/drawingml/2006/main" xmlns:r="http://schemas.openxmlformats.org/officeDocument/2006/relationships" xmlns:p="http://schemas.openxmlformats.org/presentationml/2006/main">
+  <p:cSld>
+    <p:spTree>
+      <p:nvGrpSpPr>
+        <p:cNvPr id="1" name=""/>
+        <p:cNvGrpSpPr/>
+        <p:nvPr/>
+      </p:nvGrpSpPr>
+      <p:grpSpPr>
+        <a:xfrm>
+          <a:off x="0" y="0"/>
+          <a:ext cx="0" cy="0"/>
+          <a:chOff x="0" y="0"/>
+          <a:chExt cx="0" cy="0"/>
+        </a:xfrm>
+      </p:grpSpPr>
+      <p:sp>
+        <p:nvSpPr>
+          <p:cNvPr id="2" name="Slide Image Placeholder 1"/>
+          <p:cNvSpPr>
+            <a:spLocks noGrp="1" noRot="1" noChangeAspect="1"/>
+          </p:cNvSpPr>
+          <p:nvPr>
+            <p:ph type="sldImg"/>
+          </p:nvPr>
+        </p:nvSpPr>
+        <p:spPr/>
+      </p:sp>
+      <p:sp>
+        <p:nvSpPr>
+          <p:cNvPr id="3" name="Notes Placeholder 2"/>
+          <p:cNvSpPr>
+            <a:spLocks noGrp="1"/>
+          </p:cNvSpPr>
+          <p:nvPr>
+            <p:ph type="body" idx="1"/>
+          </p:nvPr>
+        </p:nvSpPr>
+        <p:spPr/>
+        <p:txBody>
+          <a:bodyPr/>
+          <a:lstStyle/>
+          <a:p>
+            <a:r>
+              <a:rPr lang="he-IL" dirty="0"/>
+              <a:t>חדר 217 החליט לבנות דאטה </a:t>
+            </a:r>
+            <a:r>
+              <a:rPr lang="he-IL" dirty="0" err="1"/>
+              <a:t>בייס</a:t>
+            </a:r>
+            <a:r>
+              <a:rPr lang="he-IL" dirty="0"/>
+              <a:t> שיתעד את המאכלים שכל אחד מביא לחדר</a:t>
+            </a:r>
+            <a:endParaRPr lang="en-US" dirty="0"/>
+          </a:p>
+        </p:txBody>
+      </p:sp>
+      <p:sp>
+        <p:nvSpPr>
+          <p:cNvPr id="4" name="Slide Number Placeholder 3"/>
+          <p:cNvSpPr>
+            <a:spLocks noGrp="1"/>
+          </p:cNvSpPr>
+          <p:nvPr>
+            <p:ph type="sldNum" sz="quarter" idx="5"/>
+          </p:nvPr>
+        </p:nvSpPr>
+        <p:spPr/>
+        <p:txBody>
+          <a:bodyPr/>
+          <a:lstStyle/>
+          <a:p>
+            <a:fld id="{488A4615-6366-4BE4-BC13-1269826C44D6}" type="slidenum">
+              <a:rPr lang="en-US" smtClean="0"/>
+              <a:t>6</a:t>
+            </a:fld>
+            <a:endParaRPr lang="en-US"/>
+          </a:p>
+        </p:txBody>
+      </p:sp>
+    </p:spTree>
+    <p:extLst>
+      <p:ext uri="{BB962C8B-B14F-4D97-AF65-F5344CB8AC3E}">
+        <p14:creationId xmlns:p14="http://schemas.microsoft.com/office/powerpoint/2010/main" val="3590362264"/>
+      </p:ext>
+    </p:extLst>
+  </p:cSld>
+  <p:clrMapOvr>
+    <a:masterClrMapping/>
+  </p:clrMapOvr>
+</p:notes>
+</file>
+
+<file path=ppt/notesSlides/notesSlide7.xml><?xml version="1.0" encoding="utf-8"?>
+<p:notes xmlns:a="http://schemas.openxmlformats.org/drawingml/2006/main" xmlns:r="http://schemas.openxmlformats.org/officeDocument/2006/relationships" xmlns:p="http://schemas.openxmlformats.org/presentationml/2006/main">
+  <p:cSld>
+    <p:spTree>
+      <p:nvGrpSpPr>
+        <p:cNvPr id="1" name=""/>
+        <p:cNvGrpSpPr/>
+        <p:nvPr/>
+      </p:nvGrpSpPr>
+      <p:grpSpPr>
+        <a:xfrm>
+          <a:off x="0" y="0"/>
+          <a:ext cx="0" cy="0"/>
+          <a:chOff x="0" y="0"/>
+          <a:chExt cx="0" cy="0"/>
+        </a:xfrm>
+      </p:grpSpPr>
+      <p:sp>
+        <p:nvSpPr>
+          <p:cNvPr id="2" name="Slide Image Placeholder 1"/>
+          <p:cNvSpPr>
+            <a:spLocks noGrp="1" noRot="1" noChangeAspect="1"/>
+          </p:cNvSpPr>
+          <p:nvPr>
+            <p:ph type="sldImg"/>
+          </p:nvPr>
+        </p:nvSpPr>
+        <p:spPr/>
+      </p:sp>
+      <p:sp>
+        <p:nvSpPr>
+          <p:cNvPr id="3" name="Notes Placeholder 2"/>
+          <p:cNvSpPr>
+            <a:spLocks noGrp="1"/>
+          </p:cNvSpPr>
+          <p:nvPr>
+            <p:ph type="body" idx="1"/>
+          </p:nvPr>
+        </p:nvSpPr>
+        <p:spPr/>
+        <p:txBody>
+          <a:bodyPr/>
+          <a:lstStyle/>
+          <a:p>
+            <a:endParaRPr lang="en-US" dirty="0"/>
+          </a:p>
+        </p:txBody>
+      </p:sp>
+      <p:sp>
+        <p:nvSpPr>
+          <p:cNvPr id="4" name="Slide Number Placeholder 3"/>
+          <p:cNvSpPr>
+            <a:spLocks noGrp="1"/>
+          </p:cNvSpPr>
+          <p:nvPr>
+            <p:ph type="sldNum" sz="quarter" idx="5"/>
+          </p:nvPr>
+        </p:nvSpPr>
+        <p:spPr/>
+        <p:txBody>
+          <a:bodyPr/>
+          <a:lstStyle/>
+          <a:p>
+            <a:fld id="{488A4615-6366-4BE4-BC13-1269826C44D6}" type="slidenum">
+              <a:rPr lang="en-US" smtClean="0"/>
+              <a:t>7</a:t>
+            </a:fld>
+            <a:endParaRPr lang="en-US"/>
+          </a:p>
+        </p:txBody>
+      </p:sp>
+    </p:spTree>
+    <p:extLst>
+      <p:ext uri="{BB962C8B-B14F-4D97-AF65-F5344CB8AC3E}">
+        <p14:creationId xmlns:p14="http://schemas.microsoft.com/office/powerpoint/2010/main" val="1982456212"/>
+      </p:ext>
+    </p:extLst>
+  </p:cSld>
+  <p:clrMapOvr>
+    <a:masterClrMapping/>
+  </p:clrMapOvr>
+</p:notes>
+</file>
+
+<file path=ppt/notesSlides/notesSlide8.xml><?xml version="1.0" encoding="utf-8"?>
+<p:notes xmlns:a="http://schemas.openxmlformats.org/drawingml/2006/main" xmlns:r="http://schemas.openxmlformats.org/officeDocument/2006/relationships" xmlns:p="http://schemas.openxmlformats.org/presentationml/2006/main">
+  <p:cSld>
+    <p:spTree>
+      <p:nvGrpSpPr>
+        <p:cNvPr id="1" name=""/>
+        <p:cNvGrpSpPr/>
+        <p:nvPr/>
+      </p:nvGrpSpPr>
+      <p:grpSpPr>
+        <a:xfrm>
+          <a:off x="0" y="0"/>
+          <a:ext cx="0" cy="0"/>
+          <a:chOff x="0" y="0"/>
+          <a:chExt cx="0" cy="0"/>
+        </a:xfrm>
+      </p:grpSpPr>
+      <p:sp>
+        <p:nvSpPr>
+          <p:cNvPr id="2" name="Slide Image Placeholder 1"/>
+          <p:cNvSpPr>
+            <a:spLocks noGrp="1" noRot="1" noChangeAspect="1"/>
+          </p:cNvSpPr>
+          <p:nvPr>
+            <p:ph type="sldImg"/>
+          </p:nvPr>
+        </p:nvSpPr>
+        <p:spPr/>
+      </p:sp>
+      <p:sp>
+        <p:nvSpPr>
+          <p:cNvPr id="3" name="Notes Placeholder 2"/>
+          <p:cNvSpPr>
+            <a:spLocks noGrp="1"/>
+          </p:cNvSpPr>
+          <p:nvPr>
+            <p:ph type="body" idx="1"/>
+          </p:nvPr>
+        </p:nvSpPr>
+        <p:spPr/>
+        <p:txBody>
+          <a:bodyPr/>
+          <a:lstStyle/>
+          <a:p>
+            <a:pPr algn="r"/>
+            <a:r>
+              <a:rPr lang="en-US" dirty="0"/>
+              <a:t> </a:t>
+            </a:r>
+            <a:r>
+              <a:rPr lang="he-IL" dirty="0"/>
+              <a:t>כל מאפיין צריך להיות תלוי במפתח הראשי כולו.</a:t>
+            </a:r>
+            <a:endParaRPr lang="en-US" dirty="0"/>
+          </a:p>
+        </p:txBody>
+      </p:sp>
+      <p:sp>
+        <p:nvSpPr>
+          <p:cNvPr id="4" name="Slide Number Placeholder 3"/>
+          <p:cNvSpPr>
+            <a:spLocks noGrp="1"/>
+          </p:cNvSpPr>
+          <p:nvPr>
+            <p:ph type="sldNum" sz="quarter" idx="5"/>
+          </p:nvPr>
+        </p:nvSpPr>
+        <p:spPr/>
+        <p:txBody>
+          <a:bodyPr/>
+          <a:lstStyle/>
+          <a:p>
+            <a:fld id="{488A4615-6366-4BE4-BC13-1269826C44D6}" type="slidenum">
+              <a:rPr lang="en-US" smtClean="0"/>
+              <a:t>8</a:t>
+            </a:fld>
+            <a:endParaRPr lang="en-US"/>
+          </a:p>
+        </p:txBody>
+      </p:sp>
+    </p:spTree>
+    <p:extLst>
+      <p:ext uri="{BB962C8B-B14F-4D97-AF65-F5344CB8AC3E}">
+        <p14:creationId xmlns:p14="http://schemas.microsoft.com/office/powerpoint/2010/main" val="553876208"/>
+      </p:ext>
+    </p:extLst>
+  </p:cSld>
+  <p:clrMapOvr>
+    <a:masterClrMapping/>
+  </p:clrMapOvr>
+</p:notes>
+</file>
+
+<file path=ppt/notesSlides/notesSlide9.xml><?xml version="1.0" encoding="utf-8"?>
+<p:notes xmlns:a="http://schemas.openxmlformats.org/drawingml/2006/main" xmlns:r="http://schemas.openxmlformats.org/officeDocument/2006/relationships" xmlns:p="http://schemas.openxmlformats.org/presentationml/2006/main">
+  <p:cSld>
+    <p:spTree>
+      <p:nvGrpSpPr>
+        <p:cNvPr id="1" name=""/>
+        <p:cNvGrpSpPr/>
+        <p:nvPr/>
+      </p:nvGrpSpPr>
+      <p:grpSpPr>
+        <a:xfrm>
+          <a:off x="0" y="0"/>
+          <a:ext cx="0" cy="0"/>
+          <a:chOff x="0" y="0"/>
+          <a:chExt cx="0" cy="0"/>
+        </a:xfrm>
+      </p:grpSpPr>
+      <p:sp>
+        <p:nvSpPr>
+          <p:cNvPr id="2" name="Slide Image Placeholder 1"/>
+          <p:cNvSpPr>
+            <a:spLocks noGrp="1" noRot="1" noChangeAspect="1"/>
+          </p:cNvSpPr>
+          <p:nvPr>
+            <p:ph type="sldImg"/>
+          </p:nvPr>
+        </p:nvSpPr>
+        <p:spPr/>
+      </p:sp>
+      <p:sp>
+        <p:nvSpPr>
+          <p:cNvPr id="3" name="Notes Placeholder 2"/>
+          <p:cNvSpPr>
+            <a:spLocks noGrp="1"/>
+          </p:cNvSpPr>
+          <p:nvPr>
+            <p:ph type="body" idx="1"/>
+          </p:nvPr>
+        </p:nvSpPr>
+        <p:spPr/>
+        <p:txBody>
+          <a:bodyPr/>
+          <a:lstStyle/>
+          <a:p>
+            <a:endParaRPr lang="en-US" dirty="0"/>
+          </a:p>
+        </p:txBody>
+      </p:sp>
+      <p:sp>
+        <p:nvSpPr>
+          <p:cNvPr id="4" name="Slide Number Placeholder 3"/>
+          <p:cNvSpPr>
+            <a:spLocks noGrp="1"/>
+          </p:cNvSpPr>
+          <p:nvPr>
+            <p:ph type="sldNum" sz="quarter" idx="5"/>
+          </p:nvPr>
+        </p:nvSpPr>
+        <p:spPr/>
+        <p:txBody>
+          <a:bodyPr/>
+          <a:lstStyle/>
+          <a:p>
+            <a:fld id="{488A4615-6366-4BE4-BC13-1269826C44D6}" type="slidenum">
+              <a:rPr lang="en-US" smtClean="0"/>
+              <a:t>9</a:t>
+            </a:fld>
+            <a:endParaRPr lang="en-US"/>
+          </a:p>
+        </p:txBody>
+      </p:sp>
+    </p:spTree>
+    <p:extLst>
+      <p:ext uri="{BB962C8B-B14F-4D97-AF65-F5344CB8AC3E}">
+        <p14:creationId xmlns:p14="http://schemas.microsoft.com/office/powerpoint/2010/main" val="411094418"/>
+      </p:ext>
+    </p:extLst>
+  </p:cSld>
+  <p:clrMapOvr>
+    <a:masterClrMapping/>
+  </p:clrMapOvr>
+</p:notes>
+</file>
+
 <file path=ppt/slideLayouts/slideLayout1.xml><?xml version="1.0" encoding="utf-8"?>
 <p:sldLayout xmlns:a="http://schemas.openxmlformats.org/drawingml/2006/main" xmlns:r="http://schemas.openxmlformats.org/officeDocument/2006/relationships" xmlns:p="http://schemas.openxmlformats.org/presentationml/2006/main" type="title" preserve="1">
   <p:cSld name="Title Slide">
@@ -529,7 +1914,7 @@
           <a:p>
             <a:fld id="{ED291B17-9318-49DB-B28B-6E5994AE9581}" type="datetime1">
               <a:rPr lang="en-US" smtClean="0"/>
-              <a:t>12/2/2023</a:t>
+              <a:t>12/9/2023</a:t>
             </a:fld>
             <a:endParaRPr lang="en-US" dirty="0"/>
           </a:p>
@@ -732,7 +2117,7 @@
           <a:p>
             <a:fld id="{2CED4963-E985-44C4-B8C4-FDD613B7C2F8}" type="datetime1">
               <a:rPr lang="en-US" smtClean="0"/>
-              <a:t>12/2/2023</a:t>
+              <a:t>12/9/2023</a:t>
             </a:fld>
             <a:endParaRPr lang="en-US" dirty="0"/>
           </a:p>
@@ -1094,7 +2479,7 @@
           <a:p>
             <a:fld id="{ED291B17-9318-49DB-B28B-6E5994AE9581}" type="datetime1">
               <a:rPr lang="en-US" smtClean="0"/>
-              <a:t>12/2/2023</a:t>
+              <a:t>12/9/2023</a:t>
             </a:fld>
             <a:endParaRPr lang="en-US" dirty="0"/>
           </a:p>
@@ -1292,7 +2677,7 @@
           <a:p>
             <a:fld id="{78DD82B9-B8EE-4375-B6FF-88FA6ABB15D9}" type="datetime1">
               <a:rPr lang="en-US" smtClean="0"/>
-              <a:t>12/2/2023</a:t>
+              <a:t>12/9/2023</a:t>
             </a:fld>
             <a:endParaRPr lang="en-US" dirty="0"/>
           </a:p>
@@ -1604,7 +2989,7 @@
           <a:p>
             <a:fld id="{B2497495-0637-405E-AE64-5CC7506D51F5}" type="datetime1">
               <a:rPr lang="en-US" smtClean="0"/>
-              <a:t>12/2/2023</a:t>
+              <a:t>12/9/2023</a:t>
             </a:fld>
             <a:endParaRPr lang="en-US" dirty="0"/>
           </a:p>
@@ -1857,7 +3242,7 @@
           <a:p>
             <a:fld id="{7BFFD690-9426-415D-8B65-26881E07B2D4}" type="datetime1">
               <a:rPr lang="en-US" smtClean="0"/>
-              <a:t>12/2/2023</a:t>
+              <a:t>12/9/2023</a:t>
             </a:fld>
             <a:endParaRPr lang="en-US" dirty="0"/>
           </a:p>
@@ -2279,7 +3664,7 @@
           <a:p>
             <a:fld id="{04C4989A-474C-40DE-95B9-011C28B71673}" type="datetime1">
               <a:rPr lang="en-US" smtClean="0"/>
-              <a:t>12/2/2023</a:t>
+              <a:t>12/9/2023</a:t>
             </a:fld>
             <a:endParaRPr lang="en-US" dirty="0"/>
           </a:p>
@@ -2402,7 +3787,7 @@
           <a:p>
             <a:fld id="{5DB4ED54-5B5E-4A04-93D3-5772E3CE3818}" type="datetime1">
               <a:rPr lang="en-US" smtClean="0"/>
-              <a:t>12/2/2023</a:t>
+              <a:t>12/9/2023</a:t>
             </a:fld>
             <a:endParaRPr lang="en-US" dirty="0"/>
           </a:p>
@@ -2497,7 +3882,7 @@
           <a:p>
             <a:fld id="{4EDE50D6-574B-40AF-946F-D52A04ADE379}" type="datetime1">
               <a:rPr lang="en-US" smtClean="0"/>
-              <a:t>12/2/2023</a:t>
+              <a:t>12/9/2023</a:t>
             </a:fld>
             <a:endParaRPr lang="en-US" dirty="0"/>
           </a:p>
@@ -2874,7 +4259,7 @@
           <a:p>
             <a:fld id="{D82884F1-FFEA-405F-9602-3DCA865EDA4E}" type="datetime1">
               <a:rPr lang="en-US" smtClean="0"/>
-              <a:t>12/2/2023</a:t>
+              <a:t>12/9/2023</a:t>
             </a:fld>
             <a:endParaRPr lang="en-US" dirty="0"/>
           </a:p>
@@ -3167,7 +4552,7 @@
           <a:p>
             <a:fld id="{7E18DB4A-8810-4A10-AD5C-D5E2C667F5B3}" type="datetime1">
               <a:rPr lang="en-US" smtClean="0"/>
-              <a:t>12/2/2023</a:t>
+              <a:t>12/9/2023</a:t>
             </a:fld>
             <a:endParaRPr lang="en-US" dirty="0"/>
           </a:p>
@@ -3382,7 +4767,7 @@
           <a:p>
             <a:fld id="{ED291B17-9318-49DB-B28B-6E5994AE9581}" type="datetime1">
               <a:rPr lang="en-US" smtClean="0"/>
-              <a:t>12/2/2023</a:t>
+              <a:t>12/9/2023</a:t>
             </a:fld>
             <a:endParaRPr lang="en-US" dirty="0"/>
           </a:p>
@@ -4000,14 +5385,6 @@
 <file path=ppt/slides/slide1.xml><?xml version="1.0" encoding="utf-8"?>
 <p:sld xmlns:a="http://schemas.openxmlformats.org/drawingml/2006/main" xmlns:r="http://schemas.openxmlformats.org/officeDocument/2006/relationships" xmlns:p="http://schemas.openxmlformats.org/presentationml/2006/main">
   <p:cSld>
-    <p:bg>
-      <p:bgPr>
-        <a:solidFill>
-          <a:schemeClr val="bg1"/>
-        </a:solidFill>
-        <a:effectLst/>
-      </p:bgPr>
-    </p:bg>
     <p:spTree>
       <p:nvGrpSpPr>
         <p:cNvPr id="1" name=""/>
@@ -4022,66 +5399,6 @@
           <a:chExt cx="0" cy="0"/>
         </a:xfrm>
       </p:grpSpPr>
-      <p:sp useBgFill="1">
-        <p:nvSpPr>
-          <p:cNvPr id="18" name="Rectangle 17">
-            <a:extLst>
-              <a:ext uri="{FF2B5EF4-FFF2-40B4-BE49-F238E27FC236}">
-                <a16:creationId xmlns:a16="http://schemas.microsoft.com/office/drawing/2014/main" id="{D6D7A0BC-0046-4CAA-8E7F-DCAFE511EA0E}"/>
-              </a:ext>
-              <a:ext uri="{C183D7F6-B498-43B3-948B-1728B52AA6E4}">
-                <adec:decorative xmlns:adec="http://schemas.microsoft.com/office/drawing/2017/decorative" val="1"/>
-              </a:ext>
-            </a:extLst>
-          </p:cNvPr>
-          <p:cNvSpPr>
-            <a:spLocks noGrp="1" noRot="1" noChangeAspect="1" noMove="1" noResize="1" noEditPoints="1" noAdjustHandles="1" noChangeArrowheads="1" noChangeShapeType="1" noTextEdit="1"/>
-          </p:cNvSpPr>
-          <p:nvPr>
-            <p:extLst>
-              <p:ext uri="{386F3935-93C4-4BCD-93E2-E3B085C9AB24}">
-                <p16:designElem xmlns:p16="http://schemas.microsoft.com/office/powerpoint/2015/main" val="1"/>
-              </p:ext>
-            </p:extLst>
-          </p:nvPr>
-        </p:nvSpPr>
-        <p:spPr>
-          <a:xfrm>
-            <a:off x="0" y="0"/>
-            <a:ext cx="12192000" cy="6858000"/>
-          </a:xfrm>
-          <a:prstGeom prst="rect">
-            <a:avLst/>
-          </a:prstGeom>
-          <a:ln>
-            <a:noFill/>
-          </a:ln>
-        </p:spPr>
-        <p:style>
-          <a:lnRef idx="2">
-            <a:schemeClr val="accent1">
-              <a:shade val="50000"/>
-            </a:schemeClr>
-          </a:lnRef>
-          <a:fillRef idx="1">
-            <a:schemeClr val="accent1"/>
-          </a:fillRef>
-          <a:effectRef idx="0">
-            <a:schemeClr val="accent1"/>
-          </a:effectRef>
-          <a:fontRef idx="minor">
-            <a:schemeClr val="lt1"/>
-          </a:fontRef>
-        </p:style>
-        <p:txBody>
-          <a:bodyPr rtlCol="0" anchor="ctr"/>
-          <a:lstStyle/>
-          <a:p>
-            <a:pPr algn="ctr"/>
-            <a:endParaRPr lang="en-US" dirty="0"/>
-          </a:p>
-        </p:txBody>
-      </p:sp>
       <p:sp>
         <p:nvSpPr>
           <p:cNvPr id="2" name="Title 1">
@@ -4111,192 +5428,9 @@
           <a:lstStyle/>
           <a:p>
             <a:r>
-              <a:rPr lang="en-US" dirty="0"/>
+              <a:rPr lang="en-US" sz="4400" dirty="0"/>
               <a:t>Database normalization</a:t>
             </a:r>
-          </a:p>
-        </p:txBody>
-      </p:sp>
-      <p:sp>
-        <p:nvSpPr>
-          <p:cNvPr id="20" name="Rectangle 19">
-            <a:extLst>
-              <a:ext uri="{FF2B5EF4-FFF2-40B4-BE49-F238E27FC236}">
-                <a16:creationId xmlns:a16="http://schemas.microsoft.com/office/drawing/2014/main" id="{E7C6334F-6411-41EC-AD7D-179EDD8B58CB}"/>
-              </a:ext>
-              <a:ext uri="{C183D7F6-B498-43B3-948B-1728B52AA6E4}">
-                <adec:decorative xmlns:adec="http://schemas.microsoft.com/office/drawing/2017/decorative" val="1"/>
-              </a:ext>
-            </a:extLst>
-          </p:cNvPr>
-          <p:cNvSpPr>
-            <a:spLocks noGrp="1" noRot="1" noChangeAspect="1" noMove="1" noResize="1" noEditPoints="1" noAdjustHandles="1" noChangeArrowheads="1" noChangeShapeType="1" noTextEdit="1"/>
-          </p:cNvSpPr>
-          <p:nvPr>
-            <p:extLst>
-              <p:ext uri="{386F3935-93C4-4BCD-93E2-E3B085C9AB24}">
-                <p16:designElem xmlns:p16="http://schemas.microsoft.com/office/powerpoint/2015/main" val="1"/>
-              </p:ext>
-            </p:extLst>
-          </p:nvPr>
-        </p:nvSpPr>
-        <p:spPr>
-          <a:xfrm>
-            <a:off x="446534" y="457200"/>
-            <a:ext cx="3703320" cy="94997"/>
-          </a:xfrm>
-          <a:prstGeom prst="rect">
-            <a:avLst/>
-          </a:prstGeom>
-          <a:solidFill>
-            <a:srgbClr val="465359"/>
-          </a:solidFill>
-          <a:ln>
-            <a:noFill/>
-          </a:ln>
-          <a:effectLst/>
-        </p:spPr>
-        <p:style>
-          <a:lnRef idx="1">
-            <a:schemeClr val="accent1"/>
-          </a:lnRef>
-          <a:fillRef idx="3">
-            <a:schemeClr val="accent1"/>
-          </a:fillRef>
-          <a:effectRef idx="2">
-            <a:schemeClr val="accent1"/>
-          </a:effectRef>
-          <a:fontRef idx="minor">
-            <a:schemeClr val="lt1"/>
-          </a:fontRef>
-        </p:style>
-        <p:txBody>
-          <a:bodyPr/>
-          <a:lstStyle/>
-          <a:p>
-            <a:endParaRPr lang="en-US"/>
-          </a:p>
-        </p:txBody>
-      </p:sp>
-      <p:sp>
-        <p:nvSpPr>
-          <p:cNvPr id="22" name="Rectangle 21">
-            <a:extLst>
-              <a:ext uri="{FF2B5EF4-FFF2-40B4-BE49-F238E27FC236}">
-                <a16:creationId xmlns:a16="http://schemas.microsoft.com/office/drawing/2014/main" id="{E6B02CEE-3AF8-4349-9B3E-8970E6DF62B3}"/>
-              </a:ext>
-              <a:ext uri="{C183D7F6-B498-43B3-948B-1728B52AA6E4}">
-                <adec:decorative xmlns:adec="http://schemas.microsoft.com/office/drawing/2017/decorative" val="1"/>
-              </a:ext>
-            </a:extLst>
-          </p:cNvPr>
-          <p:cNvSpPr>
-            <a:spLocks noGrp="1" noRot="1" noChangeAspect="1" noMove="1" noResize="1" noEditPoints="1" noAdjustHandles="1" noChangeArrowheads="1" noChangeShapeType="1" noTextEdit="1"/>
-          </p:cNvSpPr>
-          <p:nvPr>
-            <p:extLst>
-              <p:ext uri="{386F3935-93C4-4BCD-93E2-E3B085C9AB24}">
-                <p16:designElem xmlns:p16="http://schemas.microsoft.com/office/powerpoint/2015/main" val="1"/>
-              </p:ext>
-            </p:extLst>
-          </p:nvPr>
-        </p:nvSpPr>
-        <p:spPr>
-          <a:xfrm>
-            <a:off x="4241830" y="457200"/>
-            <a:ext cx="3703320" cy="91440"/>
-          </a:xfrm>
-          <a:prstGeom prst="rect">
-            <a:avLst/>
-          </a:prstGeom>
-          <a:solidFill>
-            <a:schemeClr val="accent1"/>
-          </a:solidFill>
-          <a:ln>
-            <a:noFill/>
-          </a:ln>
-          <a:effectLst/>
-        </p:spPr>
-        <p:style>
-          <a:lnRef idx="1">
-            <a:schemeClr val="accent1"/>
-          </a:lnRef>
-          <a:fillRef idx="3">
-            <a:schemeClr val="accent1"/>
-          </a:fillRef>
-          <a:effectRef idx="2">
-            <a:schemeClr val="accent1"/>
-          </a:effectRef>
-          <a:fontRef idx="minor">
-            <a:schemeClr val="lt1"/>
-          </a:fontRef>
-        </p:style>
-        <p:txBody>
-          <a:bodyPr/>
-          <a:lstStyle/>
-          <a:p>
-            <a:endParaRPr lang="en-US"/>
-          </a:p>
-        </p:txBody>
-      </p:sp>
-      <p:sp>
-        <p:nvSpPr>
-          <p:cNvPr id="24" name="Rectangle 23">
-            <a:extLst>
-              <a:ext uri="{FF2B5EF4-FFF2-40B4-BE49-F238E27FC236}">
-                <a16:creationId xmlns:a16="http://schemas.microsoft.com/office/drawing/2014/main" id="{AAA01CF0-3FB5-44EB-B7DE-F2E86374C2FB}"/>
-              </a:ext>
-              <a:ext uri="{C183D7F6-B498-43B3-948B-1728B52AA6E4}">
-                <adec:decorative xmlns:adec="http://schemas.microsoft.com/office/drawing/2017/decorative" val="1"/>
-              </a:ext>
-            </a:extLst>
-          </p:cNvPr>
-          <p:cNvSpPr>
-            <a:spLocks noGrp="1" noRot="1" noChangeAspect="1" noMove="1" noResize="1" noEditPoints="1" noAdjustHandles="1" noChangeArrowheads="1" noChangeShapeType="1" noTextEdit="1"/>
-          </p:cNvSpPr>
-          <p:nvPr>
-            <p:extLst>
-              <p:ext uri="{386F3935-93C4-4BCD-93E2-E3B085C9AB24}">
-                <p16:designElem xmlns:p16="http://schemas.microsoft.com/office/powerpoint/2015/main" val="1"/>
-              </p:ext>
-            </p:extLst>
-          </p:nvPr>
-        </p:nvSpPr>
-        <p:spPr>
-          <a:xfrm>
-            <a:off x="8042147" y="453643"/>
-            <a:ext cx="3703320" cy="98554"/>
-          </a:xfrm>
-          <a:prstGeom prst="rect">
-            <a:avLst/>
-          </a:prstGeom>
-          <a:solidFill>
-            <a:srgbClr val="969FA7"/>
-          </a:solidFill>
-          <a:ln>
-            <a:noFill/>
-          </a:ln>
-          <a:effectLst/>
-        </p:spPr>
-        <p:style>
-          <a:lnRef idx="1">
-            <a:schemeClr val="accent1"/>
-          </a:lnRef>
-          <a:fillRef idx="3">
-            <a:schemeClr val="accent1"/>
-          </a:fillRef>
-          <a:effectRef idx="2">
-            <a:schemeClr val="accent1"/>
-          </a:effectRef>
-          <a:fontRef idx="minor">
-            <a:schemeClr val="lt1"/>
-          </a:fontRef>
-        </p:style>
-        <p:txBody>
-          <a:bodyPr/>
-          <a:lstStyle/>
-          <a:p>
-            <a:endParaRPr lang="en-US"/>
           </a:p>
         </p:txBody>
       </p:sp>
@@ -4315,7 +5449,7 @@
           <p:nvPr/>
         </p:nvPicPr>
         <p:blipFill rotWithShape="1">
-          <a:blip r:embed="rId2">
+          <a:blip r:embed="rId3">
             <a:extLst>
               <a:ext uri="{28A0092B-C50C-407E-A947-70E740481C1C}">
                 <a14:useLocalDpi xmlns:a14="http://schemas.microsoft.com/office/drawing/2010/main" val="0"/>
@@ -4335,31 +5469,6 @@
           </a:prstGeom>
         </p:spPr>
       </p:pic>
-      <p:sp>
-        <p:nvSpPr>
-          <p:cNvPr id="5" name="Subtitle 4">
-            <a:extLst>
-              <a:ext uri="{FF2B5EF4-FFF2-40B4-BE49-F238E27FC236}">
-                <a16:creationId xmlns:a16="http://schemas.microsoft.com/office/drawing/2014/main" id="{44F3543D-6BDA-130C-FA5F-9C0ACA9D1692}"/>
-              </a:ext>
-            </a:extLst>
-          </p:cNvPr>
-          <p:cNvSpPr>
-            <a:spLocks noGrp="1"/>
-          </p:cNvSpPr>
-          <p:nvPr>
-            <p:ph type="subTitle" idx="1"/>
-          </p:nvPr>
-        </p:nvSpPr>
-        <p:spPr/>
-        <p:txBody>
-          <a:bodyPr/>
-          <a:lstStyle/>
-          <a:p>
-            <a:endParaRPr lang="en-US" dirty="0"/>
-          </a:p>
-        </p:txBody>
-      </p:sp>
     </p:spTree>
     <p:extLst>
       <p:ext uri="{BB962C8B-B14F-4D97-AF65-F5344CB8AC3E}">
@@ -4370,6 +5479,14 @@
   <p:clrMapOvr>
     <a:masterClrMapping/>
   </p:clrMapOvr>
+  <mc:AlternateContent xmlns:mc="http://schemas.openxmlformats.org/markup-compatibility/2006">
+    <mc:Choice xmlns:p14="http://schemas.microsoft.com/office/powerpoint/2010/main" Requires="p14">
+      <p:transition spd="slow" p14:dur="2000" advTm="1558"/>
+    </mc:Choice>
+    <mc:Fallback>
+      <p:transition spd="slow" advTm="1558"/>
+    </mc:Fallback>
+  </mc:AlternateContent>
 </p:sld>
 </file>
 
@@ -4395,7 +5512,7 @@
           <p:cNvPr id="2" name="Title 1">
             <a:extLst>
               <a:ext uri="{FF2B5EF4-FFF2-40B4-BE49-F238E27FC236}">
-                <a16:creationId xmlns:a16="http://schemas.microsoft.com/office/drawing/2014/main" id="{4208B7E8-7BBA-3702-5A3A-1A730538EBF8}"/>
+                <a16:creationId xmlns:a16="http://schemas.microsoft.com/office/drawing/2014/main" id="{2451AFB2-9829-951F-CB93-C13F2C09B532}"/>
               </a:ext>
             </a:extLst>
           </p:cNvPr>
@@ -4415,771 +5532,6 @@
           <a:p>
             <a:r>
               <a:rPr lang="en-US" sz="3600" dirty="0"/>
-              <a:t>Third normal form (3NF)</a:t>
-            </a:r>
-          </a:p>
-        </p:txBody>
-      </p:sp>
-      <p:sp>
-        <p:nvSpPr>
-          <p:cNvPr id="3" name="Content Placeholder 2">
-            <a:extLst>
-              <a:ext uri="{FF2B5EF4-FFF2-40B4-BE49-F238E27FC236}">
-                <a16:creationId xmlns:a16="http://schemas.microsoft.com/office/drawing/2014/main" id="{E202E3EF-8C4A-6908-2E1E-05C21C28249F}"/>
-              </a:ext>
-            </a:extLst>
-          </p:cNvPr>
-          <p:cNvSpPr>
-            <a:spLocks noGrp="1"/>
-          </p:cNvSpPr>
-          <p:nvPr>
-            <p:ph idx="1"/>
-          </p:nvPr>
-        </p:nvSpPr>
-        <p:spPr/>
-        <p:txBody>
-          <a:bodyPr/>
-          <a:lstStyle/>
-          <a:p>
-            <a:pPr marL="742950" lvl="1" indent="-285750"/>
-            <a:r>
-              <a:rPr lang="en-US" sz="3200" b="0" i="0" dirty="0">
-                <a:solidFill>
-                  <a:schemeClr val="tx1"/>
-                </a:solidFill>
-                <a:effectLst/>
-                <a:latin typeface="Söhne"/>
-              </a:rPr>
-              <a:t>No non-prime attribute should be dependent </a:t>
-            </a:r>
-          </a:p>
-          <a:p>
-            <a:pPr marL="457200" lvl="1" indent="0">
-              <a:buNone/>
-            </a:pPr>
-            <a:r>
-              <a:rPr lang="en-US" sz="3200" b="0" i="0" dirty="0">
-                <a:solidFill>
-                  <a:schemeClr val="tx1"/>
-                </a:solidFill>
-                <a:effectLst/>
-                <a:latin typeface="Söhne"/>
-              </a:rPr>
-              <a:t>   on another non-prime attribute.</a:t>
-            </a:r>
-          </a:p>
-          <a:p>
-            <a:pPr marL="0" indent="0">
-              <a:buNone/>
-            </a:pPr>
-            <a:br>
-              <a:rPr lang="en-US" dirty="0"/>
-            </a:br>
-            <a:endParaRPr lang="en-US" dirty="0"/>
-          </a:p>
-        </p:txBody>
-      </p:sp>
-    </p:spTree>
-    <p:extLst>
-      <p:ext uri="{BB962C8B-B14F-4D97-AF65-F5344CB8AC3E}">
-        <p14:creationId xmlns:p14="http://schemas.microsoft.com/office/powerpoint/2010/main" val="1954311415"/>
-      </p:ext>
-    </p:extLst>
-  </p:cSld>
-  <p:clrMapOvr>
-    <a:masterClrMapping/>
-  </p:clrMapOvr>
-</p:sld>
-</file>
-
-<file path=ppt/slides/slide11.xml><?xml version="1.0" encoding="utf-8"?>
-<p:sld xmlns:a="http://schemas.openxmlformats.org/drawingml/2006/main" xmlns:r="http://schemas.openxmlformats.org/officeDocument/2006/relationships" xmlns:p="http://schemas.openxmlformats.org/presentationml/2006/main">
-  <p:cSld>
-    <p:spTree>
-      <p:nvGrpSpPr>
-        <p:cNvPr id="1" name=""/>
-        <p:cNvGrpSpPr/>
-        <p:nvPr/>
-      </p:nvGrpSpPr>
-      <p:grpSpPr>
-        <a:xfrm>
-          <a:off x="0" y="0"/>
-          <a:ext cx="0" cy="0"/>
-          <a:chOff x="0" y="0"/>
-          <a:chExt cx="0" cy="0"/>
-        </a:xfrm>
-      </p:grpSpPr>
-      <p:sp>
-        <p:nvSpPr>
-          <p:cNvPr id="2" name="Title 1">
-            <a:extLst>
-              <a:ext uri="{FF2B5EF4-FFF2-40B4-BE49-F238E27FC236}">
-                <a16:creationId xmlns:a16="http://schemas.microsoft.com/office/drawing/2014/main" id="{10A7F672-2CC9-0693-BC71-6F8CDC21E0D7}"/>
-              </a:ext>
-            </a:extLst>
-          </p:cNvPr>
-          <p:cNvSpPr>
-            <a:spLocks noGrp="1"/>
-          </p:cNvSpPr>
-          <p:nvPr>
-            <p:ph type="title"/>
-          </p:nvPr>
-        </p:nvSpPr>
-        <p:spPr/>
-        <p:txBody>
-          <a:bodyPr>
-            <a:normAutofit/>
-          </a:bodyPr>
-          <a:lstStyle/>
-          <a:p>
-            <a:r>
-              <a:rPr lang="en-US" sz="3200" dirty="0"/>
-              <a:t>Oracle </a:t>
-            </a:r>
-            <a:r>
-              <a:rPr lang="en-US" sz="3200" dirty="0" err="1"/>
-              <a:t>db</a:t>
-            </a:r>
-            <a:endParaRPr lang="en-US" sz="3200" dirty="0"/>
-          </a:p>
-        </p:txBody>
-      </p:sp>
-      <p:sp>
-        <p:nvSpPr>
-          <p:cNvPr id="3" name="Content Placeholder 2">
-            <a:extLst>
-              <a:ext uri="{FF2B5EF4-FFF2-40B4-BE49-F238E27FC236}">
-                <a16:creationId xmlns:a16="http://schemas.microsoft.com/office/drawing/2014/main" id="{18C77BBB-1F6E-7646-8DEA-E870E68411AB}"/>
-              </a:ext>
-            </a:extLst>
-          </p:cNvPr>
-          <p:cNvSpPr>
-            <a:spLocks noGrp="1"/>
-          </p:cNvSpPr>
-          <p:nvPr>
-            <p:ph idx="1"/>
-          </p:nvPr>
-        </p:nvSpPr>
-        <p:spPr/>
-        <p:txBody>
-          <a:bodyPr/>
-          <a:lstStyle/>
-          <a:p>
-            <a:endParaRPr lang="en-US" dirty="0"/>
-          </a:p>
-        </p:txBody>
-      </p:sp>
-    </p:spTree>
-    <p:extLst>
-      <p:ext uri="{BB962C8B-B14F-4D97-AF65-F5344CB8AC3E}">
-        <p14:creationId xmlns:p14="http://schemas.microsoft.com/office/powerpoint/2010/main" val="3147013058"/>
-      </p:ext>
-    </p:extLst>
-  </p:cSld>
-  <p:clrMapOvr>
-    <a:masterClrMapping/>
-  </p:clrMapOvr>
-</p:sld>
-</file>
-
-<file path=ppt/slides/slide2.xml><?xml version="1.0" encoding="utf-8"?>
-<p:sld xmlns:a="http://schemas.openxmlformats.org/drawingml/2006/main" xmlns:r="http://schemas.openxmlformats.org/officeDocument/2006/relationships" xmlns:p="http://schemas.openxmlformats.org/presentationml/2006/main">
-  <p:cSld>
-    <p:spTree>
-      <p:nvGrpSpPr>
-        <p:cNvPr id="1" name=""/>
-        <p:cNvGrpSpPr/>
-        <p:nvPr/>
-      </p:nvGrpSpPr>
-      <p:grpSpPr>
-        <a:xfrm>
-          <a:off x="0" y="0"/>
-          <a:ext cx="0" cy="0"/>
-          <a:chOff x="0" y="0"/>
-          <a:chExt cx="0" cy="0"/>
-        </a:xfrm>
-      </p:grpSpPr>
-      <p:sp>
-        <p:nvSpPr>
-          <p:cNvPr id="2" name="Title 1">
-            <a:extLst>
-              <a:ext uri="{FF2B5EF4-FFF2-40B4-BE49-F238E27FC236}">
-                <a16:creationId xmlns:a16="http://schemas.microsoft.com/office/drawing/2014/main" id="{677E5AF0-B6AB-8779-238A-D1EBCCF3B043}"/>
-              </a:ext>
-            </a:extLst>
-          </p:cNvPr>
-          <p:cNvSpPr>
-            <a:spLocks noGrp="1"/>
-          </p:cNvSpPr>
-          <p:nvPr>
-            <p:ph type="title"/>
-          </p:nvPr>
-        </p:nvSpPr>
-        <p:spPr/>
-        <p:txBody>
-          <a:bodyPr/>
-          <a:lstStyle/>
-          <a:p>
-            <a:r>
-              <a:rPr lang="en-US" dirty="0"/>
-              <a:t>What is database normalization?</a:t>
-            </a:r>
-          </a:p>
-        </p:txBody>
-      </p:sp>
-      <p:sp>
-        <p:nvSpPr>
-          <p:cNvPr id="3" name="Content Placeholder 2">
-            <a:extLst>
-              <a:ext uri="{FF2B5EF4-FFF2-40B4-BE49-F238E27FC236}">
-                <a16:creationId xmlns:a16="http://schemas.microsoft.com/office/drawing/2014/main" id="{CCE8AE26-9346-AEB8-0849-B021F597D0E3}"/>
-              </a:ext>
-            </a:extLst>
-          </p:cNvPr>
-          <p:cNvSpPr>
-            <a:spLocks noGrp="1"/>
-          </p:cNvSpPr>
-          <p:nvPr>
-            <p:ph idx="1"/>
-          </p:nvPr>
-        </p:nvSpPr>
-        <p:spPr/>
-        <p:txBody>
-          <a:bodyPr/>
-          <a:lstStyle/>
-          <a:p>
-            <a:endParaRPr lang="en-US" dirty="0"/>
-          </a:p>
-        </p:txBody>
-      </p:sp>
-    </p:spTree>
-    <p:extLst>
-      <p:ext uri="{BB962C8B-B14F-4D97-AF65-F5344CB8AC3E}">
-        <p14:creationId xmlns:p14="http://schemas.microsoft.com/office/powerpoint/2010/main" val="3412919490"/>
-      </p:ext>
-    </p:extLst>
-  </p:cSld>
-  <p:clrMapOvr>
-    <a:masterClrMapping/>
-  </p:clrMapOvr>
-</p:sld>
-</file>
-
-<file path=ppt/slides/slide3.xml><?xml version="1.0" encoding="utf-8"?>
-<p:sld xmlns:a="http://schemas.openxmlformats.org/drawingml/2006/main" xmlns:r="http://schemas.openxmlformats.org/officeDocument/2006/relationships" xmlns:p="http://schemas.openxmlformats.org/presentationml/2006/main">
-  <p:cSld>
-    <p:spTree>
-      <p:nvGrpSpPr>
-        <p:cNvPr id="1" name=""/>
-        <p:cNvGrpSpPr/>
-        <p:nvPr/>
-      </p:nvGrpSpPr>
-      <p:grpSpPr>
-        <a:xfrm>
-          <a:off x="0" y="0"/>
-          <a:ext cx="0" cy="0"/>
-          <a:chOff x="0" y="0"/>
-          <a:chExt cx="0" cy="0"/>
-        </a:xfrm>
-      </p:grpSpPr>
-      <p:sp>
-        <p:nvSpPr>
-          <p:cNvPr id="2" name="Title 1">
-            <a:extLst>
-              <a:ext uri="{FF2B5EF4-FFF2-40B4-BE49-F238E27FC236}">
-                <a16:creationId xmlns:a16="http://schemas.microsoft.com/office/drawing/2014/main" id="{E6394761-7A46-3751-3680-8CF55245F9E0}"/>
-              </a:ext>
-            </a:extLst>
-          </p:cNvPr>
-          <p:cNvSpPr>
-            <a:spLocks noGrp="1"/>
-          </p:cNvSpPr>
-          <p:nvPr>
-            <p:ph type="title"/>
-          </p:nvPr>
-        </p:nvSpPr>
-        <p:spPr/>
-        <p:txBody>
-          <a:bodyPr/>
-          <a:lstStyle/>
-          <a:p>
-            <a:r>
-              <a:rPr lang="en-US" dirty="0"/>
-              <a:t>Why do we need database normalization</a:t>
-            </a:r>
-          </a:p>
-        </p:txBody>
-      </p:sp>
-      <p:sp>
-        <p:nvSpPr>
-          <p:cNvPr id="3" name="Content Placeholder 2">
-            <a:extLst>
-              <a:ext uri="{FF2B5EF4-FFF2-40B4-BE49-F238E27FC236}">
-                <a16:creationId xmlns:a16="http://schemas.microsoft.com/office/drawing/2014/main" id="{259FC36D-21DB-3065-3C97-469C66AAEA48}"/>
-              </a:ext>
-            </a:extLst>
-          </p:cNvPr>
-          <p:cNvSpPr>
-            <a:spLocks noGrp="1"/>
-          </p:cNvSpPr>
-          <p:nvPr>
-            <p:ph idx="1"/>
-          </p:nvPr>
-        </p:nvSpPr>
-        <p:spPr/>
-        <p:txBody>
-          <a:bodyPr/>
-          <a:lstStyle/>
-          <a:p>
-            <a:endParaRPr lang="en-US" dirty="0"/>
-          </a:p>
-        </p:txBody>
-      </p:sp>
-    </p:spTree>
-    <p:extLst>
-      <p:ext uri="{BB962C8B-B14F-4D97-AF65-F5344CB8AC3E}">
-        <p14:creationId xmlns:p14="http://schemas.microsoft.com/office/powerpoint/2010/main" val="228755143"/>
-      </p:ext>
-    </p:extLst>
-  </p:cSld>
-  <p:clrMapOvr>
-    <a:masterClrMapping/>
-  </p:clrMapOvr>
-</p:sld>
-</file>
-
-<file path=ppt/slides/slide4.xml><?xml version="1.0" encoding="utf-8"?>
-<p:sld xmlns:a="http://schemas.openxmlformats.org/drawingml/2006/main" xmlns:r="http://schemas.openxmlformats.org/officeDocument/2006/relationships" xmlns:p="http://schemas.openxmlformats.org/presentationml/2006/main">
-  <p:cSld>
-    <p:spTree>
-      <p:nvGrpSpPr>
-        <p:cNvPr id="1" name=""/>
-        <p:cNvGrpSpPr/>
-        <p:nvPr/>
-      </p:nvGrpSpPr>
-      <p:grpSpPr>
-        <a:xfrm>
-          <a:off x="0" y="0"/>
-          <a:ext cx="0" cy="0"/>
-          <a:chOff x="0" y="0"/>
-          <a:chExt cx="0" cy="0"/>
-        </a:xfrm>
-      </p:grpSpPr>
-      <p:sp>
-        <p:nvSpPr>
-          <p:cNvPr id="2" name="Title 1">
-            <a:extLst>
-              <a:ext uri="{FF2B5EF4-FFF2-40B4-BE49-F238E27FC236}">
-                <a16:creationId xmlns:a16="http://schemas.microsoft.com/office/drawing/2014/main" id="{032F083B-7725-14A4-CE35-B49E0399927A}"/>
-              </a:ext>
-            </a:extLst>
-          </p:cNvPr>
-          <p:cNvSpPr>
-            <a:spLocks noGrp="1"/>
-          </p:cNvSpPr>
-          <p:nvPr>
-            <p:ph type="title"/>
-          </p:nvPr>
-        </p:nvSpPr>
-        <p:spPr/>
-        <p:txBody>
-          <a:bodyPr>
-            <a:normAutofit/>
-          </a:bodyPr>
-          <a:lstStyle/>
-          <a:p>
-            <a:r>
-              <a:rPr lang="en-US" sz="3600" dirty="0"/>
-              <a:t>First normal form (1nf)</a:t>
-            </a:r>
-          </a:p>
-        </p:txBody>
-      </p:sp>
-      <p:sp>
-        <p:nvSpPr>
-          <p:cNvPr id="3" name="Content Placeholder 2">
-            <a:extLst>
-              <a:ext uri="{FF2B5EF4-FFF2-40B4-BE49-F238E27FC236}">
-                <a16:creationId xmlns:a16="http://schemas.microsoft.com/office/drawing/2014/main" id="{35FB38F5-6130-927C-C90C-BC9E06F465F4}"/>
-              </a:ext>
-            </a:extLst>
-          </p:cNvPr>
-          <p:cNvSpPr>
-            <a:spLocks noGrp="1"/>
-          </p:cNvSpPr>
-          <p:nvPr>
-            <p:ph idx="1"/>
-          </p:nvPr>
-        </p:nvSpPr>
-        <p:spPr>
-          <a:xfrm>
-            <a:off x="1030897" y="2363349"/>
-            <a:ext cx="11029615" cy="3634486"/>
-          </a:xfrm>
-        </p:spPr>
-        <p:txBody>
-          <a:bodyPr/>
-          <a:lstStyle/>
-          <a:p>
-            <a:pPr algn="l">
-              <a:buFont typeface="Arial" panose="020B0604020202020204" pitchFamily="34" charset="0"/>
-              <a:buChar char="•"/>
-            </a:pPr>
-            <a:r>
-              <a:rPr lang="en-US" sz="3200" dirty="0">
-                <a:solidFill>
-                  <a:schemeClr val="tx1"/>
-                </a:solidFill>
-                <a:latin typeface="Söhne"/>
-              </a:rPr>
-              <a:t>Remove duplicate columns in the table. </a:t>
-            </a:r>
-          </a:p>
-          <a:p>
-            <a:pPr algn="l">
-              <a:buFont typeface="Arial" panose="020B0604020202020204" pitchFamily="34" charset="0"/>
-              <a:buChar char="•"/>
-            </a:pPr>
-            <a:r>
-              <a:rPr lang="en-US" sz="3200" b="0" i="0" dirty="0">
-                <a:solidFill>
-                  <a:schemeClr val="tx1"/>
-                </a:solidFill>
-                <a:effectLst/>
-                <a:latin typeface="Söhne"/>
-              </a:rPr>
-              <a:t>uniquely identify rows with a primary key.</a:t>
-            </a:r>
-          </a:p>
-          <a:p>
-            <a:pPr algn="l">
-              <a:buFont typeface="Arial" panose="020B0604020202020204" pitchFamily="34" charset="0"/>
-              <a:buChar char="•"/>
-            </a:pPr>
-            <a:r>
-              <a:rPr lang="en-US" sz="3200" b="0" i="0" dirty="0">
-                <a:solidFill>
-                  <a:schemeClr val="tx1"/>
-                </a:solidFill>
-                <a:effectLst/>
-                <a:latin typeface="Söhne"/>
-              </a:rPr>
-              <a:t>Values in each column must be indivisible.</a:t>
-            </a:r>
-          </a:p>
-          <a:p>
-            <a:endParaRPr lang="en-US" dirty="0"/>
-          </a:p>
-        </p:txBody>
-      </p:sp>
-    </p:spTree>
-    <p:extLst>
-      <p:ext uri="{BB962C8B-B14F-4D97-AF65-F5344CB8AC3E}">
-        <p14:creationId xmlns:p14="http://schemas.microsoft.com/office/powerpoint/2010/main" val="2397092219"/>
-      </p:ext>
-    </p:extLst>
-  </p:cSld>
-  <p:clrMapOvr>
-    <a:masterClrMapping/>
-  </p:clrMapOvr>
-</p:sld>
-</file>
-
-<file path=ppt/slides/slide5.xml><?xml version="1.0" encoding="utf-8"?>
-<p:sld xmlns:a="http://schemas.openxmlformats.org/drawingml/2006/main" xmlns:r="http://schemas.openxmlformats.org/officeDocument/2006/relationships" xmlns:p="http://schemas.openxmlformats.org/presentationml/2006/main">
-  <p:cSld>
-    <p:spTree>
-      <p:nvGrpSpPr>
-        <p:cNvPr id="1" name=""/>
-        <p:cNvGrpSpPr/>
-        <p:nvPr/>
-      </p:nvGrpSpPr>
-      <p:grpSpPr>
-        <a:xfrm>
-          <a:off x="0" y="0"/>
-          <a:ext cx="0" cy="0"/>
-          <a:chOff x="0" y="0"/>
-          <a:chExt cx="0" cy="0"/>
-        </a:xfrm>
-      </p:grpSpPr>
-      <p:sp>
-        <p:nvSpPr>
-          <p:cNvPr id="2" name="Title 1">
-            <a:extLst>
-              <a:ext uri="{FF2B5EF4-FFF2-40B4-BE49-F238E27FC236}">
-                <a16:creationId xmlns:a16="http://schemas.microsoft.com/office/drawing/2014/main" id="{974754DB-2B06-8A30-ACB1-5D4B8BF23EFF}"/>
-              </a:ext>
-            </a:extLst>
-          </p:cNvPr>
-          <p:cNvSpPr>
-            <a:spLocks noGrp="1"/>
-          </p:cNvSpPr>
-          <p:nvPr>
-            <p:ph type="title"/>
-          </p:nvPr>
-        </p:nvSpPr>
-        <p:spPr/>
-        <p:txBody>
-          <a:bodyPr/>
-          <a:lstStyle/>
-          <a:p>
-            <a:r>
-              <a:rPr lang="en-US" dirty="0"/>
-              <a:t>217 food table</a:t>
-            </a:r>
-          </a:p>
-        </p:txBody>
-      </p:sp>
-      <p:graphicFrame>
-        <p:nvGraphicFramePr>
-          <p:cNvPr id="4" name="Content Placeholder 3">
-            <a:extLst>
-              <a:ext uri="{FF2B5EF4-FFF2-40B4-BE49-F238E27FC236}">
-                <a16:creationId xmlns:a16="http://schemas.microsoft.com/office/drawing/2014/main" id="{D180CA28-57C7-D275-C24A-76693E73ED69}"/>
-              </a:ext>
-            </a:extLst>
-          </p:cNvPr>
-          <p:cNvGraphicFramePr>
-            <a:graphicFrameLocks noGrp="1"/>
-          </p:cNvGraphicFramePr>
-          <p:nvPr>
-            <p:ph idx="1"/>
-            <p:extLst>
-              <p:ext uri="{D42A27DB-BD31-4B8C-83A1-F6EECF244321}">
-                <p14:modId xmlns:p14="http://schemas.microsoft.com/office/powerpoint/2010/main" val="277945899"/>
-              </p:ext>
-            </p:extLst>
-          </p:nvPr>
-        </p:nvGraphicFramePr>
-        <p:xfrm>
-          <a:off x="1855357" y="2760306"/>
-          <a:ext cx="7353300" cy="1594954"/>
-        </p:xfrm>
-        <a:graphic>
-          <a:graphicData uri="http://schemas.openxmlformats.org/drawingml/2006/table">
-            <a:tbl>
-              <a:tblPr firstRow="1" bandRow="1">
-                <a:tableStyleId>{5C22544A-7EE6-4342-B048-85BDC9FD1C3A}</a:tableStyleId>
-              </a:tblPr>
-              <a:tblGrid>
-                <a:gridCol w="3668518">
-                  <a:extLst>
-                    <a:ext uri="{9D8B030D-6E8A-4147-A177-3AD203B41FA5}">
-                      <a16:colId xmlns:a16="http://schemas.microsoft.com/office/drawing/2014/main" val="3499784174"/>
-                    </a:ext>
-                  </a:extLst>
-                </a:gridCol>
-                <a:gridCol w="3684782">
-                  <a:extLst>
-                    <a:ext uri="{9D8B030D-6E8A-4147-A177-3AD203B41FA5}">
-                      <a16:colId xmlns:a16="http://schemas.microsoft.com/office/drawing/2014/main" val="4208762380"/>
-                    </a:ext>
-                  </a:extLst>
-                </a:gridCol>
-              </a:tblGrid>
-              <a:tr h="425576">
-                <a:tc>
-                  <a:txBody>
-                    <a:bodyPr/>
-                    <a:lstStyle/>
-                    <a:p>
-                      <a:r>
-                        <a:rPr lang="en-US" dirty="0"/>
-                        <a:t>Name</a:t>
-                      </a:r>
-                    </a:p>
-                  </a:txBody>
-                  <a:tcPr/>
-                </a:tc>
-                <a:tc>
-                  <a:txBody>
-                    <a:bodyPr/>
-                    <a:lstStyle/>
-                    <a:p>
-                      <a:r>
-                        <a:rPr lang="en-US" dirty="0"/>
-                        <a:t>Food and Quantity</a:t>
-                      </a:r>
-                    </a:p>
-                  </a:txBody>
-                  <a:tcPr/>
-                </a:tc>
-                <a:extLst>
-                  <a:ext uri="{0D108BD9-81ED-4DB2-BD59-A6C34878D82A}">
-                    <a16:rowId xmlns:a16="http://schemas.microsoft.com/office/drawing/2014/main" val="3477049431"/>
-                  </a:ext>
-                </a:extLst>
-              </a:tr>
-              <a:tr h="395071">
-                <a:tc>
-                  <a:txBody>
-                    <a:bodyPr/>
-                    <a:lstStyle/>
-                    <a:p>
-                      <a:r>
-                        <a:rPr lang="en-US" dirty="0"/>
-                        <a:t>Amit </a:t>
-                      </a:r>
-                      <a:r>
-                        <a:rPr lang="en-US" dirty="0" err="1"/>
-                        <a:t>Moisi</a:t>
-                      </a:r>
-                      <a:endParaRPr lang="en-US" dirty="0"/>
-                    </a:p>
-                  </a:txBody>
-                  <a:tcPr/>
-                </a:tc>
-                <a:tc>
-                  <a:txBody>
-                    <a:bodyPr/>
-                    <a:lstStyle/>
-                    <a:p>
-                      <a:r>
-                        <a:rPr lang="en-US" dirty="0"/>
-                        <a:t>3 Pizzas, 20 cookies, 2 cakes</a:t>
-                      </a:r>
-                    </a:p>
-                  </a:txBody>
-                  <a:tcPr/>
-                </a:tc>
-                <a:extLst>
-                  <a:ext uri="{0D108BD9-81ED-4DB2-BD59-A6C34878D82A}">
-                    <a16:rowId xmlns:a16="http://schemas.microsoft.com/office/drawing/2014/main" val="2387999232"/>
-                  </a:ext>
-                </a:extLst>
-              </a:tr>
-              <a:tr h="408547">
-                <a:tc>
-                  <a:txBody>
-                    <a:bodyPr/>
-                    <a:lstStyle/>
-                    <a:p>
-                      <a:r>
-                        <a:rPr lang="en-US" dirty="0"/>
-                        <a:t>Eli </a:t>
-                      </a:r>
-                      <a:r>
-                        <a:rPr lang="en-US" dirty="0" err="1"/>
-                        <a:t>Ephraty</a:t>
-                      </a:r>
-                      <a:endParaRPr lang="en-US" dirty="0"/>
-                    </a:p>
-                  </a:txBody>
-                  <a:tcPr/>
-                </a:tc>
-                <a:tc>
-                  <a:txBody>
-                    <a:bodyPr/>
-                    <a:lstStyle/>
-                    <a:p>
-                      <a:r>
-                        <a:rPr lang="en-US" dirty="0"/>
-                        <a:t>50 schnitzels</a:t>
-                      </a:r>
-                    </a:p>
-                  </a:txBody>
-                  <a:tcPr/>
-                </a:tc>
-                <a:extLst>
-                  <a:ext uri="{0D108BD9-81ED-4DB2-BD59-A6C34878D82A}">
-                    <a16:rowId xmlns:a16="http://schemas.microsoft.com/office/drawing/2014/main" val="994476310"/>
-                  </a:ext>
-                </a:extLst>
-              </a:tr>
-              <a:tr h="337279">
-                <a:tc>
-                  <a:txBody>
-                    <a:bodyPr/>
-                    <a:lstStyle/>
-                    <a:p>
-                      <a:r>
-                        <a:rPr lang="en-US" dirty="0" err="1"/>
-                        <a:t>Nuriel</a:t>
-                      </a:r>
-                      <a:r>
-                        <a:rPr lang="en-US" dirty="0"/>
-                        <a:t> Levi</a:t>
-                      </a:r>
-                    </a:p>
-                  </a:txBody>
-                  <a:tcPr/>
-                </a:tc>
-                <a:tc>
-                  <a:txBody>
-                    <a:bodyPr/>
-                    <a:lstStyle/>
-                    <a:p>
-                      <a:r>
-                        <a:rPr lang="en-US" dirty="0"/>
-                        <a:t>10 schnitzels, 5 Doritos</a:t>
-                      </a:r>
-                    </a:p>
-                  </a:txBody>
-                  <a:tcPr/>
-                </a:tc>
-                <a:extLst>
-                  <a:ext uri="{0D108BD9-81ED-4DB2-BD59-A6C34878D82A}">
-                    <a16:rowId xmlns:a16="http://schemas.microsoft.com/office/drawing/2014/main" val="3326236706"/>
-                  </a:ext>
-                </a:extLst>
-              </a:tr>
-            </a:tbl>
-          </a:graphicData>
-        </a:graphic>
-      </p:graphicFrame>
-    </p:spTree>
-    <p:extLst>
-      <p:ext uri="{BB962C8B-B14F-4D97-AF65-F5344CB8AC3E}">
-        <p14:creationId xmlns:p14="http://schemas.microsoft.com/office/powerpoint/2010/main" val="642841765"/>
-      </p:ext>
-    </p:extLst>
-  </p:cSld>
-  <p:clrMapOvr>
-    <a:masterClrMapping/>
-  </p:clrMapOvr>
-</p:sld>
-</file>
-
-<file path=ppt/slides/slide6.xml><?xml version="1.0" encoding="utf-8"?>
-<p:sld xmlns:a="http://schemas.openxmlformats.org/drawingml/2006/main" xmlns:r="http://schemas.openxmlformats.org/officeDocument/2006/relationships" xmlns:p="http://schemas.openxmlformats.org/presentationml/2006/main">
-  <p:cSld>
-    <p:spTree>
-      <p:nvGrpSpPr>
-        <p:cNvPr id="1" name=""/>
-        <p:cNvGrpSpPr/>
-        <p:nvPr/>
-      </p:nvGrpSpPr>
-      <p:grpSpPr>
-        <a:xfrm>
-          <a:off x="0" y="0"/>
-          <a:ext cx="0" cy="0"/>
-          <a:chOff x="0" y="0"/>
-          <a:chExt cx="0" cy="0"/>
-        </a:xfrm>
-      </p:grpSpPr>
-      <p:sp>
-        <p:nvSpPr>
-          <p:cNvPr id="2" name="Title 1">
-            <a:extLst>
-              <a:ext uri="{FF2B5EF4-FFF2-40B4-BE49-F238E27FC236}">
-                <a16:creationId xmlns:a16="http://schemas.microsoft.com/office/drawing/2014/main" id="{2451AFB2-9829-951F-CB93-C13F2C09B532}"/>
-              </a:ext>
-            </a:extLst>
-          </p:cNvPr>
-          <p:cNvSpPr>
-            <a:spLocks noGrp="1"/>
-          </p:cNvSpPr>
-          <p:nvPr>
-            <p:ph type="title"/>
-          </p:nvPr>
-        </p:nvSpPr>
-        <p:spPr/>
-        <p:txBody>
-          <a:bodyPr/>
-          <a:lstStyle/>
-          <a:p>
-            <a:r>
-              <a:rPr lang="en-US" dirty="0"/>
               <a:t>Corrected Tables</a:t>
             </a:r>
           </a:p>
@@ -5201,1219 +5553,14 @@
             <p:ph idx="1"/>
             <p:extLst>
               <p:ext uri="{D42A27DB-BD31-4B8C-83A1-F6EECF244321}">
-                <p14:modId xmlns:p14="http://schemas.microsoft.com/office/powerpoint/2010/main" val="2865917239"/>
-              </p:ext>
-            </p:extLst>
-          </p:nvPr>
-        </p:nvGraphicFramePr>
-        <p:xfrm>
-          <a:off x="2192469" y="2731307"/>
-          <a:ext cx="7353300" cy="3046035"/>
-        </p:xfrm>
-        <a:graphic>
-          <a:graphicData uri="http://schemas.openxmlformats.org/drawingml/2006/table">
-            <a:tbl>
-              <a:tblPr firstRow="1" bandRow="1">
-                <a:tableStyleId>{5C22544A-7EE6-4342-B048-85BDC9FD1C3A}</a:tableStyleId>
-              </a:tblPr>
-              <a:tblGrid>
-                <a:gridCol w="2451100">
-                  <a:extLst>
-                    <a:ext uri="{9D8B030D-6E8A-4147-A177-3AD203B41FA5}">
-                      <a16:colId xmlns:a16="http://schemas.microsoft.com/office/drawing/2014/main" val="1899796358"/>
-                    </a:ext>
-                  </a:extLst>
-                </a:gridCol>
-                <a:gridCol w="2451100">
-                  <a:extLst>
-                    <a:ext uri="{9D8B030D-6E8A-4147-A177-3AD203B41FA5}">
-                      <a16:colId xmlns:a16="http://schemas.microsoft.com/office/drawing/2014/main" val="2870855517"/>
-                    </a:ext>
-                  </a:extLst>
-                </a:gridCol>
-                <a:gridCol w="2451100">
-                  <a:extLst>
-                    <a:ext uri="{9D8B030D-6E8A-4147-A177-3AD203B41FA5}">
-                      <a16:colId xmlns:a16="http://schemas.microsoft.com/office/drawing/2014/main" val="995034559"/>
-                    </a:ext>
-                  </a:extLst>
-                </a:gridCol>
-              </a:tblGrid>
-              <a:tr h="586608">
-                <a:tc>
-                  <a:txBody>
-                    <a:bodyPr/>
-                    <a:lstStyle/>
-                    <a:p>
-                      <a:r>
-                        <a:rPr lang="en-US" dirty="0"/>
-                        <a:t>Name</a:t>
-                      </a:r>
-                    </a:p>
-                  </a:txBody>
-                  <a:tcPr/>
-                </a:tc>
-                <a:tc>
-                  <a:txBody>
-                    <a:bodyPr/>
-                    <a:lstStyle/>
-                    <a:p>
-                      <a:r>
-                        <a:rPr lang="en-US" dirty="0"/>
-                        <a:t>food</a:t>
-                      </a:r>
-                    </a:p>
-                  </a:txBody>
-                  <a:tcPr/>
-                </a:tc>
-                <a:tc>
-                  <a:txBody>
-                    <a:bodyPr/>
-                    <a:lstStyle/>
-                    <a:p>
-                      <a:r>
-                        <a:rPr lang="en-US" dirty="0"/>
-                        <a:t>Quantity</a:t>
-                      </a:r>
-                    </a:p>
-                  </a:txBody>
-                  <a:tcPr/>
-                </a:tc>
-                <a:extLst>
-                  <a:ext uri="{0D108BD9-81ED-4DB2-BD59-A6C34878D82A}">
-                    <a16:rowId xmlns:a16="http://schemas.microsoft.com/office/drawing/2014/main" val="2329181652"/>
-                  </a:ext>
-                </a:extLst>
-              </a:tr>
-              <a:tr h="366588">
-                <a:tc>
-                  <a:txBody>
-                    <a:bodyPr/>
-                    <a:lstStyle/>
-                    <a:p>
-                      <a:r>
-                        <a:rPr lang="en-US" dirty="0"/>
-                        <a:t>Amit </a:t>
-                      </a:r>
-                      <a:r>
-                        <a:rPr lang="en-US" dirty="0" err="1"/>
-                        <a:t>Moisi</a:t>
-                      </a:r>
-                      <a:endParaRPr lang="en-US" dirty="0"/>
-                    </a:p>
-                  </a:txBody>
-                  <a:tcPr/>
-                </a:tc>
-                <a:tc>
-                  <a:txBody>
-                    <a:bodyPr/>
-                    <a:lstStyle/>
-                    <a:p>
-                      <a:r>
-                        <a:rPr lang="en-US" dirty="0"/>
-                        <a:t>Pizza</a:t>
-                      </a:r>
-                    </a:p>
-                  </a:txBody>
-                  <a:tcPr/>
-                </a:tc>
-                <a:tc>
-                  <a:txBody>
-                    <a:bodyPr/>
-                    <a:lstStyle/>
-                    <a:p>
-                      <a:r>
-                        <a:rPr lang="en-US" dirty="0"/>
-                        <a:t>3</a:t>
-                      </a:r>
-                    </a:p>
-                  </a:txBody>
-                  <a:tcPr/>
-                </a:tc>
-                <a:extLst>
-                  <a:ext uri="{0D108BD9-81ED-4DB2-BD59-A6C34878D82A}">
-                    <a16:rowId xmlns:a16="http://schemas.microsoft.com/office/drawing/2014/main" val="3463929210"/>
-                  </a:ext>
-                </a:extLst>
-              </a:tr>
-              <a:tr h="394057">
-                <a:tc>
-                  <a:txBody>
-                    <a:bodyPr/>
-                    <a:lstStyle/>
-                    <a:p>
-                      <a:pPr marL="0" marR="0" lvl="0" indent="0" algn="l" defTabSz="457200" rtl="0" eaLnBrk="1" fontAlgn="auto" latinLnBrk="0" hangingPunct="1">
-                        <a:lnSpc>
-                          <a:spcPct val="100000"/>
-                        </a:lnSpc>
-                        <a:spcBef>
-                          <a:spcPts val="0"/>
-                        </a:spcBef>
-                        <a:spcAft>
-                          <a:spcPts val="0"/>
-                        </a:spcAft>
-                        <a:buClrTx/>
-                        <a:buSzTx/>
-                        <a:buFontTx/>
-                        <a:buNone/>
-                        <a:tabLst/>
-                        <a:defRPr/>
-                      </a:pPr>
-                      <a:r>
-                        <a:rPr lang="en-US" dirty="0"/>
-                        <a:t>Amit </a:t>
-                      </a:r>
-                      <a:r>
-                        <a:rPr lang="en-US" dirty="0" err="1"/>
-                        <a:t>Moisi</a:t>
-                      </a:r>
-                      <a:endParaRPr lang="en-US" dirty="0"/>
-                    </a:p>
-                  </a:txBody>
-                  <a:tcPr/>
-                </a:tc>
-                <a:tc>
-                  <a:txBody>
-                    <a:bodyPr/>
-                    <a:lstStyle/>
-                    <a:p>
-                      <a:r>
-                        <a:rPr lang="en-US" dirty="0"/>
-                        <a:t>cookies</a:t>
-                      </a:r>
-                    </a:p>
-                  </a:txBody>
-                  <a:tcPr/>
-                </a:tc>
-                <a:tc>
-                  <a:txBody>
-                    <a:bodyPr/>
-                    <a:lstStyle/>
-                    <a:p>
-                      <a:r>
-                        <a:rPr lang="en-US" dirty="0"/>
-                        <a:t>20</a:t>
-                      </a:r>
-                    </a:p>
-                  </a:txBody>
-                  <a:tcPr/>
-                </a:tc>
-                <a:extLst>
-                  <a:ext uri="{0D108BD9-81ED-4DB2-BD59-A6C34878D82A}">
-                    <a16:rowId xmlns:a16="http://schemas.microsoft.com/office/drawing/2014/main" val="745115785"/>
-                  </a:ext>
-                </a:extLst>
-              </a:tr>
-              <a:tr h="366588">
-                <a:tc>
-                  <a:txBody>
-                    <a:bodyPr/>
-                    <a:lstStyle/>
-                    <a:p>
-                      <a:pPr marL="0" marR="0" lvl="0" indent="0" algn="l" defTabSz="457200" rtl="0" eaLnBrk="1" fontAlgn="auto" latinLnBrk="0" hangingPunct="1">
-                        <a:lnSpc>
-                          <a:spcPct val="100000"/>
-                        </a:lnSpc>
-                        <a:spcBef>
-                          <a:spcPts val="0"/>
-                        </a:spcBef>
-                        <a:spcAft>
-                          <a:spcPts val="0"/>
-                        </a:spcAft>
-                        <a:buClrTx/>
-                        <a:buSzTx/>
-                        <a:buFontTx/>
-                        <a:buNone/>
-                        <a:tabLst/>
-                        <a:defRPr/>
-                      </a:pPr>
-                      <a:r>
-                        <a:rPr lang="en-US" dirty="0"/>
-                        <a:t>Amit </a:t>
-                      </a:r>
-                      <a:r>
-                        <a:rPr lang="en-US" dirty="0" err="1"/>
-                        <a:t>Moisi</a:t>
-                      </a:r>
-                      <a:endParaRPr lang="en-US" dirty="0"/>
-                    </a:p>
-                  </a:txBody>
-                  <a:tcPr/>
-                </a:tc>
-                <a:tc>
-                  <a:txBody>
-                    <a:bodyPr/>
-                    <a:lstStyle/>
-                    <a:p>
-                      <a:r>
-                        <a:rPr lang="en-US" dirty="0"/>
-                        <a:t>cake</a:t>
-                      </a:r>
-                    </a:p>
-                  </a:txBody>
-                  <a:tcPr/>
-                </a:tc>
-                <a:tc>
-                  <a:txBody>
-                    <a:bodyPr/>
-                    <a:lstStyle/>
-                    <a:p>
-                      <a:r>
-                        <a:rPr lang="en-US" dirty="0"/>
-                        <a:t>2</a:t>
-                      </a:r>
-                    </a:p>
-                  </a:txBody>
-                  <a:tcPr/>
-                </a:tc>
-                <a:extLst>
-                  <a:ext uri="{0D108BD9-81ED-4DB2-BD59-A6C34878D82A}">
-                    <a16:rowId xmlns:a16="http://schemas.microsoft.com/office/drawing/2014/main" val="2131333335"/>
-                  </a:ext>
-                </a:extLst>
-              </a:tr>
-              <a:tr h="418944">
-                <a:tc>
-                  <a:txBody>
-                    <a:bodyPr/>
-                    <a:lstStyle/>
-                    <a:p>
-                      <a:r>
-                        <a:rPr lang="en-US" dirty="0"/>
-                        <a:t>Eli </a:t>
-                      </a:r>
-                      <a:r>
-                        <a:rPr lang="en-US" dirty="0" err="1"/>
-                        <a:t>Ephraty</a:t>
-                      </a:r>
-                      <a:endParaRPr lang="en-US" dirty="0"/>
-                    </a:p>
-                  </a:txBody>
-                  <a:tcPr/>
-                </a:tc>
-                <a:tc>
-                  <a:txBody>
-                    <a:bodyPr/>
-                    <a:lstStyle/>
-                    <a:p>
-                      <a:r>
-                        <a:rPr lang="en-US" dirty="0"/>
-                        <a:t>schnitzels</a:t>
-                      </a:r>
-                    </a:p>
-                  </a:txBody>
-                  <a:tcPr/>
-                </a:tc>
-                <a:tc>
-                  <a:txBody>
-                    <a:bodyPr/>
-                    <a:lstStyle/>
-                    <a:p>
-                      <a:r>
-                        <a:rPr lang="en-US" dirty="0"/>
-                        <a:t>50</a:t>
-                      </a:r>
-                    </a:p>
-                  </a:txBody>
-                  <a:tcPr/>
-                </a:tc>
-                <a:extLst>
-                  <a:ext uri="{0D108BD9-81ED-4DB2-BD59-A6C34878D82A}">
-                    <a16:rowId xmlns:a16="http://schemas.microsoft.com/office/drawing/2014/main" val="1307833599"/>
-                  </a:ext>
-                </a:extLst>
-              </a:tr>
-              <a:tr h="547357">
-                <a:tc>
-                  <a:txBody>
-                    <a:bodyPr/>
-                    <a:lstStyle/>
-                    <a:p>
-                      <a:r>
-                        <a:rPr lang="en-US" dirty="0" err="1"/>
-                        <a:t>Nuriel</a:t>
-                      </a:r>
-                      <a:r>
-                        <a:rPr lang="en-US" dirty="0"/>
-                        <a:t> Levi</a:t>
-                      </a:r>
-                    </a:p>
-                  </a:txBody>
-                  <a:tcPr/>
-                </a:tc>
-                <a:tc>
-                  <a:txBody>
-                    <a:bodyPr/>
-                    <a:lstStyle/>
-                    <a:p>
-                      <a:r>
-                        <a:rPr lang="en-US" dirty="0"/>
-                        <a:t>schnitzels</a:t>
-                      </a:r>
-                    </a:p>
-                  </a:txBody>
-                  <a:tcPr/>
-                </a:tc>
-                <a:tc>
-                  <a:txBody>
-                    <a:bodyPr/>
-                    <a:lstStyle/>
-                    <a:p>
-                      <a:r>
-                        <a:rPr lang="en-US" dirty="0"/>
-                        <a:t>10</a:t>
-                      </a:r>
-                    </a:p>
-                  </a:txBody>
-                  <a:tcPr/>
-                </a:tc>
-                <a:extLst>
-                  <a:ext uri="{0D108BD9-81ED-4DB2-BD59-A6C34878D82A}">
-                    <a16:rowId xmlns:a16="http://schemas.microsoft.com/office/drawing/2014/main" val="1749861965"/>
-                  </a:ext>
-                </a:extLst>
-              </a:tr>
-              <a:tr h="365893">
-                <a:tc>
-                  <a:txBody>
-                    <a:bodyPr/>
-                    <a:lstStyle/>
-                    <a:p>
-                      <a:r>
-                        <a:rPr lang="en-US" dirty="0" err="1"/>
-                        <a:t>Nuriel</a:t>
-                      </a:r>
-                      <a:r>
-                        <a:rPr lang="en-US" dirty="0"/>
-                        <a:t> Levi</a:t>
-                      </a:r>
-                    </a:p>
-                  </a:txBody>
-                  <a:tcPr/>
-                </a:tc>
-                <a:tc>
-                  <a:txBody>
-                    <a:bodyPr/>
-                    <a:lstStyle/>
-                    <a:p>
-                      <a:r>
-                        <a:rPr lang="en-US" dirty="0"/>
-                        <a:t>Doritos</a:t>
-                      </a:r>
-                    </a:p>
-                  </a:txBody>
-                  <a:tcPr/>
-                </a:tc>
-                <a:tc>
-                  <a:txBody>
-                    <a:bodyPr/>
-                    <a:lstStyle/>
-                    <a:p>
-                      <a:r>
-                        <a:rPr lang="en-US" dirty="0"/>
-                        <a:t>5</a:t>
-                      </a:r>
-                    </a:p>
-                  </a:txBody>
-                  <a:tcPr/>
-                </a:tc>
-                <a:extLst>
-                  <a:ext uri="{0D108BD9-81ED-4DB2-BD59-A6C34878D82A}">
-                    <a16:rowId xmlns:a16="http://schemas.microsoft.com/office/drawing/2014/main" val="4189430941"/>
-                  </a:ext>
-                </a:extLst>
-              </a:tr>
-            </a:tbl>
-          </a:graphicData>
-        </a:graphic>
-      </p:graphicFrame>
-    </p:spTree>
-    <p:extLst>
-      <p:ext uri="{BB962C8B-B14F-4D97-AF65-F5344CB8AC3E}">
-        <p14:creationId xmlns:p14="http://schemas.microsoft.com/office/powerpoint/2010/main" val="627221190"/>
-      </p:ext>
-    </p:extLst>
-  </p:cSld>
-  <p:clrMapOvr>
-    <a:masterClrMapping/>
-  </p:clrMapOvr>
-</p:sld>
-</file>
-
-<file path=ppt/slides/slide7.xml><?xml version="1.0" encoding="utf-8"?>
-<p:sld xmlns:a="http://schemas.openxmlformats.org/drawingml/2006/main" xmlns:r="http://schemas.openxmlformats.org/officeDocument/2006/relationships" xmlns:p="http://schemas.openxmlformats.org/presentationml/2006/main">
-  <p:cSld>
-    <p:spTree>
-      <p:nvGrpSpPr>
-        <p:cNvPr id="1" name=""/>
-        <p:cNvGrpSpPr/>
-        <p:nvPr/>
-      </p:nvGrpSpPr>
-      <p:grpSpPr>
-        <a:xfrm>
-          <a:off x="0" y="0"/>
-          <a:ext cx="0" cy="0"/>
-          <a:chOff x="0" y="0"/>
-          <a:chExt cx="0" cy="0"/>
-        </a:xfrm>
-      </p:grpSpPr>
-      <p:sp>
-        <p:nvSpPr>
-          <p:cNvPr id="2" name="Title 1">
-            <a:extLst>
-              <a:ext uri="{FF2B5EF4-FFF2-40B4-BE49-F238E27FC236}">
-                <a16:creationId xmlns:a16="http://schemas.microsoft.com/office/drawing/2014/main" id="{65121245-042B-99A1-D7D3-6131A7FE131A}"/>
-              </a:ext>
-            </a:extLst>
-          </p:cNvPr>
-          <p:cNvSpPr>
-            <a:spLocks noGrp="1"/>
-          </p:cNvSpPr>
-          <p:nvPr>
-            <p:ph type="title"/>
-          </p:nvPr>
-        </p:nvSpPr>
-        <p:spPr/>
-        <p:txBody>
-          <a:bodyPr>
-            <a:normAutofit/>
-          </a:bodyPr>
-          <a:lstStyle/>
-          <a:p>
-            <a:r>
-              <a:rPr lang="en-US" sz="3600" dirty="0"/>
-              <a:t>Second normal form (2nf)</a:t>
-            </a:r>
-          </a:p>
-        </p:txBody>
-      </p:sp>
-      <p:sp>
-        <p:nvSpPr>
-          <p:cNvPr id="3" name="Content Placeholder 2">
-            <a:extLst>
-              <a:ext uri="{FF2B5EF4-FFF2-40B4-BE49-F238E27FC236}">
-                <a16:creationId xmlns:a16="http://schemas.microsoft.com/office/drawing/2014/main" id="{1FB65F55-19C7-F411-8ED4-1521299A0C1D}"/>
-              </a:ext>
-            </a:extLst>
-          </p:cNvPr>
-          <p:cNvSpPr>
-            <a:spLocks noGrp="1"/>
-          </p:cNvSpPr>
-          <p:nvPr>
-            <p:ph idx="1"/>
-          </p:nvPr>
-        </p:nvSpPr>
-        <p:spPr>
-          <a:xfrm>
-            <a:off x="581193" y="2048556"/>
-            <a:ext cx="11029615" cy="3634486"/>
-          </a:xfrm>
-        </p:spPr>
-        <p:txBody>
-          <a:bodyPr>
-            <a:normAutofit/>
-          </a:bodyPr>
-          <a:lstStyle/>
-          <a:p>
-            <a:pPr algn="l">
-              <a:buFont typeface="Arial" panose="020B0604020202020204" pitchFamily="34" charset="0"/>
-              <a:buChar char="•"/>
-            </a:pPr>
-            <a:r>
-              <a:rPr lang="en-US" sz="3200" dirty="0">
-                <a:solidFill>
-                  <a:schemeClr val="tx1"/>
-                </a:solidFill>
-                <a:latin typeface="Söhne"/>
-              </a:rPr>
-              <a:t>Meet the conditions of 1NF.</a:t>
-            </a:r>
-          </a:p>
-          <a:p>
-            <a:pPr algn="l">
-              <a:buFont typeface="Arial" panose="020B0604020202020204" pitchFamily="34" charset="0"/>
-              <a:buChar char="•"/>
-            </a:pPr>
-            <a:r>
-              <a:rPr lang="en-US" sz="3200" b="0" i="0" dirty="0">
-                <a:solidFill>
-                  <a:schemeClr val="tx1"/>
-                </a:solidFill>
-                <a:effectLst/>
-                <a:latin typeface="Söhne"/>
-              </a:rPr>
-              <a:t>Each non-key attribute must depend </a:t>
-            </a:r>
-          </a:p>
-          <a:p>
-            <a:pPr marL="0" indent="0" algn="l">
-              <a:buNone/>
-            </a:pPr>
-            <a:r>
-              <a:rPr lang="en-US" sz="3200" b="0" i="0" dirty="0">
-                <a:solidFill>
-                  <a:schemeClr val="tx1"/>
-                </a:solidFill>
-                <a:effectLst/>
-                <a:latin typeface="Söhne"/>
-              </a:rPr>
-              <a:t>   on the entire primary key.</a:t>
-            </a:r>
-          </a:p>
-        </p:txBody>
-      </p:sp>
-    </p:spTree>
-    <p:extLst>
-      <p:ext uri="{BB962C8B-B14F-4D97-AF65-F5344CB8AC3E}">
-        <p14:creationId xmlns:p14="http://schemas.microsoft.com/office/powerpoint/2010/main" val="4260873383"/>
-      </p:ext>
-    </p:extLst>
-  </p:cSld>
-  <p:clrMapOvr>
-    <a:masterClrMapping/>
-  </p:clrMapOvr>
-</p:sld>
-</file>
-
-<file path=ppt/slides/slide8.xml><?xml version="1.0" encoding="utf-8"?>
-<p:sld xmlns:a="http://schemas.openxmlformats.org/drawingml/2006/main" xmlns:r="http://schemas.openxmlformats.org/officeDocument/2006/relationships" xmlns:p="http://schemas.openxmlformats.org/presentationml/2006/main">
-  <p:cSld>
-    <p:spTree>
-      <p:nvGrpSpPr>
-        <p:cNvPr id="1" name=""/>
-        <p:cNvGrpSpPr/>
-        <p:nvPr/>
-      </p:nvGrpSpPr>
-      <p:grpSpPr>
-        <a:xfrm>
-          <a:off x="0" y="0"/>
-          <a:ext cx="0" cy="0"/>
-          <a:chOff x="0" y="0"/>
-          <a:chExt cx="0" cy="0"/>
-        </a:xfrm>
-      </p:grpSpPr>
-      <p:graphicFrame>
-        <p:nvGraphicFramePr>
-          <p:cNvPr id="4" name="Content Placeholder 3">
-            <a:extLst>
-              <a:ext uri="{FF2B5EF4-FFF2-40B4-BE49-F238E27FC236}">
-                <a16:creationId xmlns:a16="http://schemas.microsoft.com/office/drawing/2014/main" id="{E48C6BB0-7154-77A2-D9CC-E4F46CBB04E1}"/>
-              </a:ext>
-            </a:extLst>
-          </p:cNvPr>
-          <p:cNvGraphicFramePr>
-            <a:graphicFrameLocks noGrp="1"/>
-          </p:cNvGraphicFramePr>
-          <p:nvPr>
-            <p:ph idx="1"/>
-            <p:extLst>
-              <p:ext uri="{D42A27DB-BD31-4B8C-83A1-F6EECF244321}">
-                <p14:modId xmlns:p14="http://schemas.microsoft.com/office/powerpoint/2010/main" val="674872244"/>
-              </p:ext>
-            </p:extLst>
-          </p:nvPr>
-        </p:nvGraphicFramePr>
-        <p:xfrm>
-          <a:off x="1787731" y="1906848"/>
-          <a:ext cx="8143252" cy="3557067"/>
-        </p:xfrm>
-        <a:graphic>
-          <a:graphicData uri="http://schemas.openxmlformats.org/drawingml/2006/table">
-            <a:tbl>
-              <a:tblPr firstRow="1" bandRow="1">
-                <a:tableStyleId>{5C22544A-7EE6-4342-B048-85BDC9FD1C3A}</a:tableStyleId>
-              </a:tblPr>
-              <a:tblGrid>
-                <a:gridCol w="2035813">
-                  <a:extLst>
-                    <a:ext uri="{9D8B030D-6E8A-4147-A177-3AD203B41FA5}">
-                      <a16:colId xmlns:a16="http://schemas.microsoft.com/office/drawing/2014/main" val="258617867"/>
-                    </a:ext>
-                  </a:extLst>
-                </a:gridCol>
-                <a:gridCol w="2035813">
-                  <a:extLst>
-                    <a:ext uri="{9D8B030D-6E8A-4147-A177-3AD203B41FA5}">
-                      <a16:colId xmlns:a16="http://schemas.microsoft.com/office/drawing/2014/main" val="3745361905"/>
-                    </a:ext>
-                  </a:extLst>
-                </a:gridCol>
-                <a:gridCol w="2035813">
-                  <a:extLst>
-                    <a:ext uri="{9D8B030D-6E8A-4147-A177-3AD203B41FA5}">
-                      <a16:colId xmlns:a16="http://schemas.microsoft.com/office/drawing/2014/main" val="1442237631"/>
-                    </a:ext>
-                  </a:extLst>
-                </a:gridCol>
-                <a:gridCol w="2035813">
-                  <a:extLst>
-                    <a:ext uri="{9D8B030D-6E8A-4147-A177-3AD203B41FA5}">
-                      <a16:colId xmlns:a16="http://schemas.microsoft.com/office/drawing/2014/main" val="3584965079"/>
-                    </a:ext>
-                  </a:extLst>
-                </a:gridCol>
-              </a:tblGrid>
-              <a:tr h="685023">
-                <a:tc>
-                  <a:txBody>
-                    <a:bodyPr/>
-                    <a:lstStyle/>
-                    <a:p>
-                      <a:r>
-                        <a:rPr lang="en-US" dirty="0"/>
-                        <a:t>Name</a:t>
-                      </a:r>
-                    </a:p>
-                  </a:txBody>
-                  <a:tcPr/>
-                </a:tc>
-                <a:tc>
-                  <a:txBody>
-                    <a:bodyPr/>
-                    <a:lstStyle/>
-                    <a:p>
-                      <a:r>
-                        <a:rPr lang="en-US" dirty="0"/>
-                        <a:t>Food</a:t>
-                      </a:r>
-                    </a:p>
-                  </a:txBody>
-                  <a:tcPr/>
-                </a:tc>
-                <a:tc>
-                  <a:txBody>
-                    <a:bodyPr/>
-                    <a:lstStyle/>
-                    <a:p>
-                      <a:r>
-                        <a:rPr lang="en-US" dirty="0"/>
-                        <a:t>Quantity</a:t>
-                      </a:r>
-                    </a:p>
-                  </a:txBody>
-                  <a:tcPr/>
-                </a:tc>
-                <a:tc>
-                  <a:txBody>
-                    <a:bodyPr/>
-                    <a:lstStyle/>
-                    <a:p>
-                      <a:r>
-                        <a:rPr lang="en-US" dirty="0"/>
-                        <a:t>Room</a:t>
-                      </a:r>
-                    </a:p>
-                  </a:txBody>
-                  <a:tcPr/>
-                </a:tc>
-                <a:extLst>
-                  <a:ext uri="{0D108BD9-81ED-4DB2-BD59-A6C34878D82A}">
-                    <a16:rowId xmlns:a16="http://schemas.microsoft.com/office/drawing/2014/main" val="1601311021"/>
-                  </a:ext>
-                </a:extLst>
-              </a:tr>
-              <a:tr h="428090">
-                <a:tc>
-                  <a:txBody>
-                    <a:bodyPr/>
-                    <a:lstStyle/>
-                    <a:p>
-                      <a:r>
-                        <a:rPr lang="en-US" dirty="0"/>
-                        <a:t>Amit </a:t>
-                      </a:r>
-                      <a:r>
-                        <a:rPr lang="en-US" dirty="0" err="1"/>
-                        <a:t>Moisi</a:t>
-                      </a:r>
-                      <a:endParaRPr lang="en-US" dirty="0"/>
-                    </a:p>
-                  </a:txBody>
-                  <a:tcPr/>
-                </a:tc>
-                <a:tc>
-                  <a:txBody>
-                    <a:bodyPr/>
-                    <a:lstStyle/>
-                    <a:p>
-                      <a:r>
-                        <a:rPr lang="en-US" dirty="0"/>
-                        <a:t>Pizza</a:t>
-                      </a:r>
-                    </a:p>
-                  </a:txBody>
-                  <a:tcPr/>
-                </a:tc>
-                <a:tc>
-                  <a:txBody>
-                    <a:bodyPr/>
-                    <a:lstStyle/>
-                    <a:p>
-                      <a:r>
-                        <a:rPr lang="en-US" dirty="0"/>
-                        <a:t>3</a:t>
-                      </a:r>
-                    </a:p>
-                  </a:txBody>
-                  <a:tcPr/>
-                </a:tc>
-                <a:tc>
-                  <a:txBody>
-                    <a:bodyPr/>
-                    <a:lstStyle/>
-                    <a:p>
-                      <a:r>
-                        <a:rPr lang="en-US" dirty="0"/>
-                        <a:t>1</a:t>
-                      </a:r>
-                    </a:p>
-                  </a:txBody>
-                  <a:tcPr/>
-                </a:tc>
-                <a:extLst>
-                  <a:ext uri="{0D108BD9-81ED-4DB2-BD59-A6C34878D82A}">
-                    <a16:rowId xmlns:a16="http://schemas.microsoft.com/office/drawing/2014/main" val="1865295418"/>
-                  </a:ext>
-                </a:extLst>
-              </a:tr>
-              <a:tr h="460168">
-                <a:tc>
-                  <a:txBody>
-                    <a:bodyPr/>
-                    <a:lstStyle/>
-                    <a:p>
-                      <a:pPr marL="0" marR="0" lvl="0" indent="0" algn="l" defTabSz="457200" rtl="0" eaLnBrk="1" fontAlgn="auto" latinLnBrk="0" hangingPunct="1">
-                        <a:lnSpc>
-                          <a:spcPct val="100000"/>
-                        </a:lnSpc>
-                        <a:spcBef>
-                          <a:spcPts val="0"/>
-                        </a:spcBef>
-                        <a:spcAft>
-                          <a:spcPts val="0"/>
-                        </a:spcAft>
-                        <a:buClrTx/>
-                        <a:buSzTx/>
-                        <a:buFontTx/>
-                        <a:buNone/>
-                        <a:tabLst/>
-                        <a:defRPr/>
-                      </a:pPr>
-                      <a:r>
-                        <a:rPr lang="en-US" dirty="0"/>
-                        <a:t>Amit </a:t>
-                      </a:r>
-                      <a:r>
-                        <a:rPr lang="en-US" dirty="0" err="1"/>
-                        <a:t>Moisi</a:t>
-                      </a:r>
-                      <a:endParaRPr lang="en-US" dirty="0"/>
-                    </a:p>
-                  </a:txBody>
-                  <a:tcPr/>
-                </a:tc>
-                <a:tc>
-                  <a:txBody>
-                    <a:bodyPr/>
-                    <a:lstStyle/>
-                    <a:p>
-                      <a:r>
-                        <a:rPr lang="en-US" dirty="0"/>
-                        <a:t>cookies</a:t>
-                      </a:r>
-                    </a:p>
-                  </a:txBody>
-                  <a:tcPr/>
-                </a:tc>
-                <a:tc>
-                  <a:txBody>
-                    <a:bodyPr/>
-                    <a:lstStyle/>
-                    <a:p>
-                      <a:r>
-                        <a:rPr lang="en-US" dirty="0"/>
-                        <a:t>20</a:t>
-                      </a:r>
-                    </a:p>
-                  </a:txBody>
-                  <a:tcPr/>
-                </a:tc>
-                <a:tc>
-                  <a:txBody>
-                    <a:bodyPr/>
-                    <a:lstStyle/>
-                    <a:p>
-                      <a:r>
-                        <a:rPr lang="en-US" dirty="0"/>
-                        <a:t>1</a:t>
-                      </a:r>
-                    </a:p>
-                  </a:txBody>
-                  <a:tcPr/>
-                </a:tc>
-                <a:extLst>
-                  <a:ext uri="{0D108BD9-81ED-4DB2-BD59-A6C34878D82A}">
-                    <a16:rowId xmlns:a16="http://schemas.microsoft.com/office/drawing/2014/main" val="2921246740"/>
-                  </a:ext>
-                </a:extLst>
-              </a:tr>
-              <a:tr h="428090">
-                <a:tc>
-                  <a:txBody>
-                    <a:bodyPr/>
-                    <a:lstStyle/>
-                    <a:p>
-                      <a:pPr marL="0" marR="0" lvl="0" indent="0" algn="l" defTabSz="457200" rtl="0" eaLnBrk="1" fontAlgn="auto" latinLnBrk="0" hangingPunct="1">
-                        <a:lnSpc>
-                          <a:spcPct val="100000"/>
-                        </a:lnSpc>
-                        <a:spcBef>
-                          <a:spcPts val="0"/>
-                        </a:spcBef>
-                        <a:spcAft>
-                          <a:spcPts val="0"/>
-                        </a:spcAft>
-                        <a:buClrTx/>
-                        <a:buSzTx/>
-                        <a:buFontTx/>
-                        <a:buNone/>
-                        <a:tabLst/>
-                        <a:defRPr/>
-                      </a:pPr>
-                      <a:r>
-                        <a:rPr lang="en-US" dirty="0"/>
-                        <a:t>Amit </a:t>
-                      </a:r>
-                      <a:r>
-                        <a:rPr lang="en-US" dirty="0" err="1"/>
-                        <a:t>Moisi</a:t>
-                      </a:r>
-                      <a:endParaRPr lang="en-US" dirty="0"/>
-                    </a:p>
-                  </a:txBody>
-                  <a:tcPr/>
-                </a:tc>
-                <a:tc>
-                  <a:txBody>
-                    <a:bodyPr/>
-                    <a:lstStyle/>
-                    <a:p>
-                      <a:r>
-                        <a:rPr lang="en-US" dirty="0"/>
-                        <a:t>cake</a:t>
-                      </a:r>
-                    </a:p>
-                  </a:txBody>
-                  <a:tcPr/>
-                </a:tc>
-                <a:tc>
-                  <a:txBody>
-                    <a:bodyPr/>
-                    <a:lstStyle/>
-                    <a:p>
-                      <a:r>
-                        <a:rPr lang="en-US" dirty="0"/>
-                        <a:t>2</a:t>
-                      </a:r>
-                    </a:p>
-                  </a:txBody>
-                  <a:tcPr/>
-                </a:tc>
-                <a:tc>
-                  <a:txBody>
-                    <a:bodyPr/>
-                    <a:lstStyle/>
-                    <a:p>
-                      <a:r>
-                        <a:rPr lang="en-US" dirty="0"/>
-                        <a:t>1</a:t>
-                      </a:r>
-                    </a:p>
-                  </a:txBody>
-                  <a:tcPr/>
-                </a:tc>
-                <a:extLst>
-                  <a:ext uri="{0D108BD9-81ED-4DB2-BD59-A6C34878D82A}">
-                    <a16:rowId xmlns:a16="http://schemas.microsoft.com/office/drawing/2014/main" val="1929765718"/>
-                  </a:ext>
-                </a:extLst>
-              </a:tr>
-              <a:tr h="489230">
-                <a:tc>
-                  <a:txBody>
-                    <a:bodyPr/>
-                    <a:lstStyle/>
-                    <a:p>
-                      <a:r>
-                        <a:rPr lang="en-US" dirty="0"/>
-                        <a:t>Eli </a:t>
-                      </a:r>
-                      <a:r>
-                        <a:rPr lang="en-US" dirty="0" err="1"/>
-                        <a:t>Ephraty</a:t>
-                      </a:r>
-                      <a:endParaRPr lang="en-US" dirty="0"/>
-                    </a:p>
-                  </a:txBody>
-                  <a:tcPr/>
-                </a:tc>
-                <a:tc>
-                  <a:txBody>
-                    <a:bodyPr/>
-                    <a:lstStyle/>
-                    <a:p>
-                      <a:r>
-                        <a:rPr lang="en-US" dirty="0"/>
-                        <a:t>schnitzels</a:t>
-                      </a:r>
-                    </a:p>
-                  </a:txBody>
-                  <a:tcPr/>
-                </a:tc>
-                <a:tc>
-                  <a:txBody>
-                    <a:bodyPr/>
-                    <a:lstStyle/>
-                    <a:p>
-                      <a:r>
-                        <a:rPr lang="en-US" dirty="0"/>
-                        <a:t>50</a:t>
-                      </a:r>
-                    </a:p>
-                  </a:txBody>
-                  <a:tcPr/>
-                </a:tc>
-                <a:tc>
-                  <a:txBody>
-                    <a:bodyPr/>
-                    <a:lstStyle/>
-                    <a:p>
-                      <a:r>
-                        <a:rPr lang="en-US" dirty="0"/>
-                        <a:t>2</a:t>
-                      </a:r>
-                    </a:p>
-                  </a:txBody>
-                  <a:tcPr/>
-                </a:tc>
-                <a:extLst>
-                  <a:ext uri="{0D108BD9-81ED-4DB2-BD59-A6C34878D82A}">
-                    <a16:rowId xmlns:a16="http://schemas.microsoft.com/office/drawing/2014/main" val="191512471"/>
-                  </a:ext>
-                </a:extLst>
-              </a:tr>
-              <a:tr h="639187">
-                <a:tc>
-                  <a:txBody>
-                    <a:bodyPr/>
-                    <a:lstStyle/>
-                    <a:p>
-                      <a:r>
-                        <a:rPr lang="en-US" dirty="0" err="1"/>
-                        <a:t>Nuriel</a:t>
-                      </a:r>
-                      <a:r>
-                        <a:rPr lang="en-US" dirty="0"/>
-                        <a:t> Levi</a:t>
-                      </a:r>
-                    </a:p>
-                  </a:txBody>
-                  <a:tcPr/>
-                </a:tc>
-                <a:tc>
-                  <a:txBody>
-                    <a:bodyPr/>
-                    <a:lstStyle/>
-                    <a:p>
-                      <a:r>
-                        <a:rPr lang="en-US" dirty="0"/>
-                        <a:t>schnitzels</a:t>
-                      </a:r>
-                    </a:p>
-                  </a:txBody>
-                  <a:tcPr/>
-                </a:tc>
-                <a:tc>
-                  <a:txBody>
-                    <a:bodyPr/>
-                    <a:lstStyle/>
-                    <a:p>
-                      <a:r>
-                        <a:rPr lang="en-US" dirty="0"/>
-                        <a:t>10</a:t>
-                      </a:r>
-                    </a:p>
-                  </a:txBody>
-                  <a:tcPr/>
-                </a:tc>
-                <a:tc>
-                  <a:txBody>
-                    <a:bodyPr/>
-                    <a:lstStyle/>
-                    <a:p>
-                      <a:r>
-                        <a:rPr lang="en-US" dirty="0"/>
-                        <a:t>2</a:t>
-                      </a:r>
-                    </a:p>
-                  </a:txBody>
-                  <a:tcPr/>
-                </a:tc>
-                <a:extLst>
-                  <a:ext uri="{0D108BD9-81ED-4DB2-BD59-A6C34878D82A}">
-                    <a16:rowId xmlns:a16="http://schemas.microsoft.com/office/drawing/2014/main" val="1895864300"/>
-                  </a:ext>
-                </a:extLst>
-              </a:tr>
-              <a:tr h="427279">
-                <a:tc>
-                  <a:txBody>
-                    <a:bodyPr/>
-                    <a:lstStyle/>
-                    <a:p>
-                      <a:r>
-                        <a:rPr lang="en-US" dirty="0" err="1"/>
-                        <a:t>Nuriel</a:t>
-                      </a:r>
-                      <a:r>
-                        <a:rPr lang="en-US" dirty="0"/>
-                        <a:t> Levi</a:t>
-                      </a:r>
-                    </a:p>
-                  </a:txBody>
-                  <a:tcPr/>
-                </a:tc>
-                <a:tc>
-                  <a:txBody>
-                    <a:bodyPr/>
-                    <a:lstStyle/>
-                    <a:p>
-                      <a:r>
-                        <a:rPr lang="en-US" dirty="0"/>
-                        <a:t>Doritos</a:t>
-                      </a:r>
-                    </a:p>
-                  </a:txBody>
-                  <a:tcPr/>
-                </a:tc>
-                <a:tc>
-                  <a:txBody>
-                    <a:bodyPr/>
-                    <a:lstStyle/>
-                    <a:p>
-                      <a:r>
-                        <a:rPr lang="en-US" dirty="0"/>
-                        <a:t>5</a:t>
-                      </a:r>
-                    </a:p>
-                  </a:txBody>
-                  <a:tcPr/>
-                </a:tc>
-                <a:tc>
-                  <a:txBody>
-                    <a:bodyPr/>
-                    <a:lstStyle/>
-                    <a:p>
-                      <a:r>
-                        <a:rPr lang="en-US" dirty="0"/>
-                        <a:t>2</a:t>
-                      </a:r>
-                    </a:p>
-                  </a:txBody>
-                  <a:tcPr/>
-                </a:tc>
-                <a:extLst>
-                  <a:ext uri="{0D108BD9-81ED-4DB2-BD59-A6C34878D82A}">
-                    <a16:rowId xmlns:a16="http://schemas.microsoft.com/office/drawing/2014/main" val="2615553777"/>
-                  </a:ext>
-                </a:extLst>
-              </a:tr>
-            </a:tbl>
-          </a:graphicData>
-        </a:graphic>
-      </p:graphicFrame>
-    </p:spTree>
-    <p:extLst>
-      <p:ext uri="{BB962C8B-B14F-4D97-AF65-F5344CB8AC3E}">
-        <p14:creationId xmlns:p14="http://schemas.microsoft.com/office/powerpoint/2010/main" val="47011166"/>
-      </p:ext>
-    </p:extLst>
-  </p:cSld>
-  <p:clrMapOvr>
-    <a:masterClrMapping/>
-  </p:clrMapOvr>
-</p:sld>
-</file>
-
-<file path=ppt/slides/slide9.xml><?xml version="1.0" encoding="utf-8"?>
-<p:sld xmlns:a="http://schemas.openxmlformats.org/drawingml/2006/main" xmlns:r="http://schemas.openxmlformats.org/officeDocument/2006/relationships" xmlns:p="http://schemas.openxmlformats.org/presentationml/2006/main">
-  <p:cSld>
-    <p:spTree>
-      <p:nvGrpSpPr>
-        <p:cNvPr id="1" name=""/>
-        <p:cNvGrpSpPr/>
-        <p:nvPr/>
-      </p:nvGrpSpPr>
-      <p:grpSpPr>
-        <a:xfrm>
-          <a:off x="0" y="0"/>
-          <a:ext cx="0" cy="0"/>
-          <a:chOff x="0" y="0"/>
-          <a:chExt cx="0" cy="0"/>
-        </a:xfrm>
-      </p:grpSpPr>
-      <p:sp>
-        <p:nvSpPr>
-          <p:cNvPr id="2" name="Title 1">
-            <a:extLst>
-              <a:ext uri="{FF2B5EF4-FFF2-40B4-BE49-F238E27FC236}">
-                <a16:creationId xmlns:a16="http://schemas.microsoft.com/office/drawing/2014/main" id="{2451AFB2-9829-951F-CB93-C13F2C09B532}"/>
-              </a:ext>
-            </a:extLst>
-          </p:cNvPr>
-          <p:cNvSpPr>
-            <a:spLocks noGrp="1"/>
-          </p:cNvSpPr>
-          <p:nvPr>
-            <p:ph type="title"/>
-          </p:nvPr>
-        </p:nvSpPr>
-        <p:spPr/>
-        <p:txBody>
-          <a:bodyPr/>
-          <a:lstStyle/>
-          <a:p>
-            <a:r>
-              <a:rPr lang="en-US" dirty="0"/>
-              <a:t>Corrected Tables</a:t>
-            </a:r>
-          </a:p>
-        </p:txBody>
-      </p:sp>
-      <p:graphicFrame>
-        <p:nvGraphicFramePr>
-          <p:cNvPr id="4" name="Content Placeholder 3">
-            <a:extLst>
-              <a:ext uri="{FF2B5EF4-FFF2-40B4-BE49-F238E27FC236}">
-                <a16:creationId xmlns:a16="http://schemas.microsoft.com/office/drawing/2014/main" id="{8B65DE85-743F-892E-C3B2-B230B95CF824}"/>
-              </a:ext>
-            </a:extLst>
-          </p:cNvPr>
-          <p:cNvGraphicFramePr>
-            <a:graphicFrameLocks noGrp="1"/>
-          </p:cNvGraphicFramePr>
-          <p:nvPr>
-            <p:ph idx="1"/>
-            <p:extLst>
-              <p:ext uri="{D42A27DB-BD31-4B8C-83A1-F6EECF244321}">
-                <p14:modId xmlns:p14="http://schemas.microsoft.com/office/powerpoint/2010/main" val="4211324281"/>
+                <p14:modId xmlns:p14="http://schemas.microsoft.com/office/powerpoint/2010/main" val="4107700403"/>
               </p:ext>
             </p:extLst>
           </p:nvPr>
         </p:nvGraphicFramePr>
         <p:xfrm>
           <a:off x="581191" y="2528939"/>
-          <a:ext cx="4987655" cy="3046035"/>
+          <a:ext cx="4987655" cy="3132187"/>
         </p:xfrm>
         <a:graphic>
           <a:graphicData uri="http://schemas.openxmlformats.org/drawingml/2006/table">
@@ -6451,34 +5598,42 @@
                     <a:lstStyle/>
                     <a:p>
                       <a:r>
+                        <a:rPr lang="en-US" dirty="0">
+                          <a:solidFill>
+                            <a:srgbClr val="FFFF00"/>
+                          </a:solidFill>
+                        </a:rPr>
+                        <a:t>name</a:t>
+                      </a:r>
+                    </a:p>
+                  </a:txBody>
+                  <a:tcPr/>
+                </a:tc>
+                <a:tc>
+                  <a:txBody>
+                    <a:bodyPr/>
+                    <a:lstStyle/>
+                    <a:p>
+                      <a:r>
+                        <a:rPr lang="en-US" dirty="0">
+                          <a:solidFill>
+                            <a:srgbClr val="FFFF00"/>
+                          </a:solidFill>
+                        </a:rPr>
+                        <a:t>food</a:t>
+                      </a:r>
+                    </a:p>
+                  </a:txBody>
+                  <a:tcPr/>
+                </a:tc>
+                <a:tc>
+                  <a:txBody>
+                    <a:bodyPr/>
+                    <a:lstStyle/>
+                    <a:p>
+                      <a:r>
                         <a:rPr lang="en-US" dirty="0"/>
-                        <a:t>Name</a:t>
-                      </a:r>
-                    </a:p>
-                  </a:txBody>
-                  <a:tcPr/>
-                </a:tc>
-                <a:tc>
-                  <a:txBody>
-                    <a:bodyPr/>
-                    <a:lstStyle/>
-                    <a:p>
-                      <a:r>
-                        <a:rPr lang="en-US" dirty="0"/>
-                        <a:t>Food</a:t>
-                      </a:r>
-                    </a:p>
-                  </a:txBody>
-                  <a:tcPr/>
-                </a:tc>
-                <a:tc>
-                  <a:txBody>
-                    <a:bodyPr/>
-                    <a:lstStyle/>
-                    <a:p>
-                      <a:r>
-                        <a:rPr lang="en-US" dirty="0"/>
-                        <a:t>Quantity</a:t>
+                        <a:t>quantity</a:t>
                       </a:r>
                     </a:p>
                   </a:txBody>
@@ -6490,7 +5645,7 @@
                   </a:ext>
                 </a:extLst>
               </a:tr>
-              <a:tr h="366588">
+              <a:tr h="442121">
                 <a:tc>
                   <a:txBody>
                     <a:bodyPr/>
@@ -6498,13 +5653,8 @@
                     <a:p>
                       <a:r>
                         <a:rPr lang="en-US" dirty="0"/>
-                        <a:t>Amit </a:t>
-                      </a:r>
-                      <a:r>
-                        <a:rPr lang="en-US" dirty="0" err="1"/>
-                        <a:t>Moisi</a:t>
-                      </a:r>
-                      <a:endParaRPr lang="en-US" dirty="0"/>
+                        <a:t>Amit</a:t>
+                      </a:r>
                     </a:p>
                   </a:txBody>
                   <a:tcPr/>
@@ -6566,13 +5716,8 @@
                       </a:pPr>
                       <a:r>
                         <a:rPr lang="en-US" dirty="0"/>
-                        <a:t>Amit </a:t>
-                      </a:r>
-                      <a:r>
-                        <a:rPr lang="en-US" dirty="0" err="1"/>
-                        <a:t>Moisi</a:t>
-                      </a:r>
-                      <a:endParaRPr lang="en-US" dirty="0"/>
+                        <a:t>Amit</a:t>
+                      </a:r>
                     </a:p>
                   </a:txBody>
                   <a:tcPr/>
@@ -6634,13 +5779,8 @@
                       </a:pPr>
                       <a:r>
                         <a:rPr lang="en-US" dirty="0"/>
-                        <a:t>Amit </a:t>
-                      </a:r>
-                      <a:r>
-                        <a:rPr lang="en-US" dirty="0" err="1"/>
-                        <a:t>Moisi</a:t>
-                      </a:r>
-                      <a:endParaRPr lang="en-US" dirty="0"/>
+                        <a:t>Amit</a:t>
+                      </a:r>
                     </a:p>
                   </a:txBody>
                   <a:tcPr/>
@@ -6685,13 +5825,8 @@
                     <a:p>
                       <a:r>
                         <a:rPr lang="en-US" dirty="0"/>
-                        <a:t>Eli </a:t>
-                      </a:r>
-                      <a:r>
-                        <a:rPr lang="en-US" dirty="0" err="1"/>
-                        <a:t>Ephraty</a:t>
-                      </a:r>
-                      <a:endParaRPr lang="en-US" dirty="0"/>
+                        <a:t>Eli</a:t>
+                      </a:r>
                     </a:p>
                   </a:txBody>
                   <a:tcPr/>
@@ -6728,19 +5863,15 @@
                   </a:ext>
                 </a:extLst>
               </a:tr>
-              <a:tr h="547357">
-                <a:tc>
-                  <a:txBody>
-                    <a:bodyPr/>
-                    <a:lstStyle/>
-                    <a:p>
-                      <a:r>
-                        <a:rPr lang="en-US" dirty="0" err="1"/>
+              <a:tr h="557976">
+                <a:tc>
+                  <a:txBody>
+                    <a:bodyPr/>
+                    <a:lstStyle/>
+                    <a:p>
+                      <a:r>
+                        <a:rPr lang="en-US" dirty="0"/>
                         <a:t>Nuriel</a:t>
-                      </a:r>
-                      <a:r>
-                        <a:rPr lang="en-US" dirty="0"/>
-                        <a:t> Levi</a:t>
                       </a:r>
                     </a:p>
                   </a:txBody>
@@ -6785,12 +5916,8 @@
                     <a:lstStyle/>
                     <a:p>
                       <a:r>
-                        <a:rPr lang="en-US" dirty="0" err="1"/>
+                        <a:rPr lang="en-US" dirty="0"/>
                         <a:t>Nuriel</a:t>
-                      </a:r>
-                      <a:r>
-                        <a:rPr lang="en-US" dirty="0"/>
-                        <a:t> Levi</a:t>
                       </a:r>
                     </a:p>
                   </a:txBody>
@@ -6847,14 +5974,14 @@
           <p:nvPr>
             <p:extLst>
               <p:ext uri="{D42A27DB-BD31-4B8C-83A1-F6EECF244321}">
-                <p14:modId xmlns:p14="http://schemas.microsoft.com/office/powerpoint/2010/main" val="4096521476"/>
+                <p14:modId xmlns:p14="http://schemas.microsoft.com/office/powerpoint/2010/main" val="2918242149"/>
               </p:ext>
             </p:extLst>
           </p:nvPr>
         </p:nvGraphicFramePr>
         <p:xfrm>
-          <a:off x="6970426" y="2728349"/>
-          <a:ext cx="3744210" cy="1483360"/>
+          <a:off x="6970425" y="2728349"/>
+          <a:ext cx="3372788" cy="1483360"/>
         </p:xfrm>
         <a:graphic>
           <a:graphicData uri="http://schemas.openxmlformats.org/drawingml/2006/table">
@@ -6863,14 +5990,14 @@
                 <a:tableStyleId>{5C22544A-7EE6-4342-B048-85BDC9FD1C3A}</a:tableStyleId>
               </a:tblPr>
               <a:tblGrid>
-                <a:gridCol w="1872105">
+                <a:gridCol w="1686394">
                   <a:extLst>
                     <a:ext uri="{9D8B030D-6E8A-4147-A177-3AD203B41FA5}">
                       <a16:colId xmlns:a16="http://schemas.microsoft.com/office/drawing/2014/main" val="1417872834"/>
                     </a:ext>
                   </a:extLst>
                 </a:gridCol>
-                <a:gridCol w="1872105">
+                <a:gridCol w="1686394">
                   <a:extLst>
                     <a:ext uri="{9D8B030D-6E8A-4147-A177-3AD203B41FA5}">
                       <a16:colId xmlns:a16="http://schemas.microsoft.com/office/drawing/2014/main" val="4202243073"/>
@@ -6885,21 +6012,25 @@
                     <a:lstStyle/>
                     <a:p>
                       <a:r>
+                        <a:rPr lang="en-US" dirty="0">
+                          <a:solidFill>
+                            <a:srgbClr val="FFFF00"/>
+                          </a:solidFill>
+                        </a:rPr>
+                        <a:t>name</a:t>
+                      </a:r>
+                    </a:p>
+                  </a:txBody>
+                  <a:tcPr/>
+                </a:tc>
+                <a:tc>
+                  <a:txBody>
+                    <a:bodyPr/>
+                    <a:lstStyle/>
+                    <a:p>
+                      <a:r>
                         <a:rPr lang="en-US" dirty="0"/>
-                        <a:t>Name</a:t>
-                      </a:r>
-                    </a:p>
-                  </a:txBody>
-                  <a:tcPr/>
-                </a:tc>
-                <a:tc>
-                  <a:txBody>
-                    <a:bodyPr/>
-                    <a:lstStyle/>
-                    <a:p>
-                      <a:r>
-                        <a:rPr lang="en-US" dirty="0"/>
-                        <a:t>Room</a:t>
+                        <a:t>room_number</a:t>
                       </a:r>
                     </a:p>
                   </a:txBody>
@@ -6936,13 +6067,8 @@
                       </a:pPr>
                       <a:r>
                         <a:rPr lang="en-US" dirty="0"/>
-                        <a:t>Amit </a:t>
-                      </a:r>
-                      <a:r>
-                        <a:rPr lang="en-US" dirty="0" err="1"/>
-                        <a:t>Moisi</a:t>
-                      </a:r>
-                      <a:endParaRPr lang="en-US" dirty="0"/>
+                        <a:t>Amit</a:t>
+                      </a:r>
                     </a:p>
                   </a:txBody>
                   <a:tcPr/>
@@ -6991,13 +6117,8 @@
                       </a:pPr>
                       <a:r>
                         <a:rPr lang="en-US" dirty="0"/>
-                        <a:t>Eli </a:t>
-                      </a:r>
-                      <a:r>
-                        <a:rPr lang="en-US" dirty="0" err="1"/>
-                        <a:t>Ephraty</a:t>
-                      </a:r>
-                      <a:endParaRPr lang="en-US" dirty="0"/>
+                        <a:t>Eli</a:t>
+                      </a:r>
                     </a:p>
                   </a:txBody>
                   <a:tcPr/>
@@ -7045,12 +6166,8 @@
                         <a:defRPr/>
                       </a:pPr>
                       <a:r>
-                        <a:rPr lang="en-US" dirty="0" err="1"/>
+                        <a:rPr lang="en-US" dirty="0"/>
                         <a:t>Nuriel</a:t>
-                      </a:r>
-                      <a:r>
-                        <a:rPr lang="en-US" dirty="0"/>
-                        <a:t> Levi</a:t>
                       </a:r>
                     </a:p>
                   </a:txBody>
@@ -7083,6 +6200,3684 @@
     <p:extLst>
       <p:ext uri="{BB962C8B-B14F-4D97-AF65-F5344CB8AC3E}">
         <p14:creationId xmlns:p14="http://schemas.microsoft.com/office/powerpoint/2010/main" val="1326892818"/>
+      </p:ext>
+    </p:extLst>
+  </p:cSld>
+  <p:clrMapOvr>
+    <a:masterClrMapping/>
+  </p:clrMapOvr>
+</p:sld>
+</file>
+
+<file path=ppt/slides/slide11.xml><?xml version="1.0" encoding="utf-8"?>
+<p:sld xmlns:a="http://schemas.openxmlformats.org/drawingml/2006/main" xmlns:r="http://schemas.openxmlformats.org/officeDocument/2006/relationships" xmlns:p="http://schemas.openxmlformats.org/presentationml/2006/main">
+  <p:cSld>
+    <p:spTree>
+      <p:nvGrpSpPr>
+        <p:cNvPr id="1" name=""/>
+        <p:cNvGrpSpPr/>
+        <p:nvPr/>
+      </p:nvGrpSpPr>
+      <p:grpSpPr>
+        <a:xfrm>
+          <a:off x="0" y="0"/>
+          <a:ext cx="0" cy="0"/>
+          <a:chOff x="0" y="0"/>
+          <a:chExt cx="0" cy="0"/>
+        </a:xfrm>
+      </p:grpSpPr>
+      <p:sp>
+        <p:nvSpPr>
+          <p:cNvPr id="2" name="Title 1">
+            <a:extLst>
+              <a:ext uri="{FF2B5EF4-FFF2-40B4-BE49-F238E27FC236}">
+                <a16:creationId xmlns:a16="http://schemas.microsoft.com/office/drawing/2014/main" id="{10A7F672-2CC9-0693-BC71-6F8CDC21E0D7}"/>
+              </a:ext>
+            </a:extLst>
+          </p:cNvPr>
+          <p:cNvSpPr>
+            <a:spLocks noGrp="1"/>
+          </p:cNvSpPr>
+          <p:nvPr>
+            <p:ph type="title"/>
+          </p:nvPr>
+        </p:nvSpPr>
+        <p:spPr>
+          <a:xfrm>
+            <a:off x="733592" y="180474"/>
+            <a:ext cx="11029616" cy="1188720"/>
+          </a:xfrm>
+        </p:spPr>
+        <p:txBody>
+          <a:bodyPr>
+            <a:normAutofit/>
+          </a:bodyPr>
+          <a:lstStyle/>
+          <a:p>
+            <a:r>
+              <a:rPr lang="en-US" sz="3600" dirty="0"/>
+              <a:t>Oracle EXAMPLE</a:t>
+            </a:r>
+          </a:p>
+        </p:txBody>
+      </p:sp>
+      <p:pic>
+        <p:nvPicPr>
+          <p:cNvPr id="5" name="Picture 4">
+            <a:extLst>
+              <a:ext uri="{FF2B5EF4-FFF2-40B4-BE49-F238E27FC236}">
+                <a16:creationId xmlns:a16="http://schemas.microsoft.com/office/drawing/2014/main" id="{120E41A6-9F27-4396-6D1C-0E44AE75239D}"/>
+              </a:ext>
+            </a:extLst>
+          </p:cNvPr>
+          <p:cNvPicPr>
+            <a:picLocks noChangeAspect="1"/>
+          </p:cNvPicPr>
+          <p:nvPr/>
+        </p:nvPicPr>
+        <p:blipFill>
+          <a:blip r:embed="rId3"/>
+          <a:stretch>
+            <a:fillRect/>
+          </a:stretch>
+        </p:blipFill>
+        <p:spPr>
+          <a:xfrm>
+            <a:off x="1052170" y="1614651"/>
+            <a:ext cx="3058113" cy="5062875"/>
+          </a:xfrm>
+          <a:prstGeom prst="rect">
+            <a:avLst/>
+          </a:prstGeom>
+        </p:spPr>
+      </p:pic>
+      <p:graphicFrame>
+        <p:nvGraphicFramePr>
+          <p:cNvPr id="8" name="Content Placeholder 3">
+            <a:extLst>
+              <a:ext uri="{FF2B5EF4-FFF2-40B4-BE49-F238E27FC236}">
+                <a16:creationId xmlns:a16="http://schemas.microsoft.com/office/drawing/2014/main" id="{A08E90F9-094D-ED49-16BE-BD1AB9649219}"/>
+              </a:ext>
+            </a:extLst>
+          </p:cNvPr>
+          <p:cNvGraphicFramePr>
+            <a:graphicFrameLocks noGrp="1"/>
+          </p:cNvGraphicFramePr>
+          <p:nvPr>
+            <p:ph idx="1"/>
+            <p:extLst>
+              <p:ext uri="{D42A27DB-BD31-4B8C-83A1-F6EECF244321}">
+                <p14:modId xmlns:p14="http://schemas.microsoft.com/office/powerpoint/2010/main" val="2573563847"/>
+              </p:ext>
+            </p:extLst>
+          </p:nvPr>
+        </p:nvGraphicFramePr>
+        <p:xfrm>
+          <a:off x="5250159" y="2445895"/>
+          <a:ext cx="5889671" cy="3587356"/>
+        </p:xfrm>
+        <a:graphic>
+          <a:graphicData uri="http://schemas.openxmlformats.org/drawingml/2006/table">
+            <a:tbl>
+              <a:tblPr firstRow="1" bandRow="1">
+                <a:tableStyleId>{5C22544A-7EE6-4342-B048-85BDC9FD1C3A}</a:tableStyleId>
+              </a:tblPr>
+              <a:tblGrid>
+                <a:gridCol w="1144679">
+                  <a:extLst>
+                    <a:ext uri="{9D8B030D-6E8A-4147-A177-3AD203B41FA5}">
+                      <a16:colId xmlns:a16="http://schemas.microsoft.com/office/drawing/2014/main" val="258617867"/>
+                    </a:ext>
+                  </a:extLst>
+                </a:gridCol>
+                <a:gridCol w="1467870">
+                  <a:extLst>
+                    <a:ext uri="{9D8B030D-6E8A-4147-A177-3AD203B41FA5}">
+                      <a16:colId xmlns:a16="http://schemas.microsoft.com/office/drawing/2014/main" val="3745361905"/>
+                    </a:ext>
+                  </a:extLst>
+                </a:gridCol>
+                <a:gridCol w="1638561">
+                  <a:extLst>
+                    <a:ext uri="{9D8B030D-6E8A-4147-A177-3AD203B41FA5}">
+                      <a16:colId xmlns:a16="http://schemas.microsoft.com/office/drawing/2014/main" val="1442237631"/>
+                    </a:ext>
+                  </a:extLst>
+                </a:gridCol>
+                <a:gridCol w="1638561">
+                  <a:extLst>
+                    <a:ext uri="{9D8B030D-6E8A-4147-A177-3AD203B41FA5}">
+                      <a16:colId xmlns:a16="http://schemas.microsoft.com/office/drawing/2014/main" val="3584965079"/>
+                    </a:ext>
+                  </a:extLst>
+                </a:gridCol>
+              </a:tblGrid>
+              <a:tr h="685023">
+                <a:tc>
+                  <a:txBody>
+                    <a:bodyPr/>
+                    <a:lstStyle/>
+                    <a:p>
+                      <a:r>
+                        <a:rPr lang="en-US" dirty="0">
+                          <a:solidFill>
+                            <a:srgbClr val="FFFF00"/>
+                          </a:solidFill>
+                        </a:rPr>
+                        <a:t>name</a:t>
+                      </a:r>
+                    </a:p>
+                  </a:txBody>
+                  <a:tcPr/>
+                </a:tc>
+                <a:tc>
+                  <a:txBody>
+                    <a:bodyPr/>
+                    <a:lstStyle/>
+                    <a:p>
+                      <a:r>
+                        <a:rPr lang="en-US" dirty="0">
+                          <a:solidFill>
+                            <a:srgbClr val="FFFF00"/>
+                          </a:solidFill>
+                        </a:rPr>
+                        <a:t>food</a:t>
+                      </a:r>
+                    </a:p>
+                  </a:txBody>
+                  <a:tcPr/>
+                </a:tc>
+                <a:tc>
+                  <a:txBody>
+                    <a:bodyPr/>
+                    <a:lstStyle/>
+                    <a:p>
+                      <a:r>
+                        <a:rPr lang="en-US" dirty="0"/>
+                        <a:t>quantity</a:t>
+                      </a:r>
+                    </a:p>
+                  </a:txBody>
+                  <a:tcPr/>
+                </a:tc>
+                <a:tc>
+                  <a:txBody>
+                    <a:bodyPr/>
+                    <a:lstStyle/>
+                    <a:p>
+                      <a:r>
+                        <a:rPr lang="en-US" dirty="0"/>
+                        <a:t>room_number</a:t>
+                      </a:r>
+                    </a:p>
+                  </a:txBody>
+                  <a:tcPr/>
+                </a:tc>
+                <a:extLst>
+                  <a:ext uri="{0D108BD9-81ED-4DB2-BD59-A6C34878D82A}">
+                    <a16:rowId xmlns:a16="http://schemas.microsoft.com/office/drawing/2014/main" val="1601311021"/>
+                  </a:ext>
+                </a:extLst>
+              </a:tr>
+              <a:tr h="428090">
+                <a:tc>
+                  <a:txBody>
+                    <a:bodyPr/>
+                    <a:lstStyle/>
+                    <a:p>
+                      <a:r>
+                        <a:rPr lang="en-US" dirty="0"/>
+                        <a:t>Amit</a:t>
+                      </a:r>
+                    </a:p>
+                  </a:txBody>
+                  <a:tcPr/>
+                </a:tc>
+                <a:tc>
+                  <a:txBody>
+                    <a:bodyPr/>
+                    <a:lstStyle/>
+                    <a:p>
+                      <a:r>
+                        <a:rPr lang="en-US" dirty="0"/>
+                        <a:t>Pizza</a:t>
+                      </a:r>
+                    </a:p>
+                  </a:txBody>
+                  <a:tcPr/>
+                </a:tc>
+                <a:tc>
+                  <a:txBody>
+                    <a:bodyPr/>
+                    <a:lstStyle/>
+                    <a:p>
+                      <a:r>
+                        <a:rPr lang="en-US" dirty="0"/>
+                        <a:t>3</a:t>
+                      </a:r>
+                    </a:p>
+                  </a:txBody>
+                  <a:tcPr/>
+                </a:tc>
+                <a:tc>
+                  <a:txBody>
+                    <a:bodyPr/>
+                    <a:lstStyle/>
+                    <a:p>
+                      <a:r>
+                        <a:rPr lang="en-US" dirty="0"/>
+                        <a:t>1</a:t>
+                      </a:r>
+                    </a:p>
+                  </a:txBody>
+                  <a:tcPr/>
+                </a:tc>
+                <a:extLst>
+                  <a:ext uri="{0D108BD9-81ED-4DB2-BD59-A6C34878D82A}">
+                    <a16:rowId xmlns:a16="http://schemas.microsoft.com/office/drawing/2014/main" val="1865295418"/>
+                  </a:ext>
+                </a:extLst>
+              </a:tr>
+              <a:tr h="460168">
+                <a:tc>
+                  <a:txBody>
+                    <a:bodyPr/>
+                    <a:lstStyle/>
+                    <a:p>
+                      <a:pPr marL="0" marR="0" lvl="0" indent="0" algn="l" defTabSz="457200" rtl="0" eaLnBrk="1" fontAlgn="auto" latinLnBrk="0" hangingPunct="1">
+                        <a:lnSpc>
+                          <a:spcPct val="100000"/>
+                        </a:lnSpc>
+                        <a:spcBef>
+                          <a:spcPts val="0"/>
+                        </a:spcBef>
+                        <a:spcAft>
+                          <a:spcPts val="0"/>
+                        </a:spcAft>
+                        <a:buClrTx/>
+                        <a:buSzTx/>
+                        <a:buFontTx/>
+                        <a:buNone/>
+                        <a:tabLst/>
+                        <a:defRPr/>
+                      </a:pPr>
+                      <a:r>
+                        <a:rPr lang="en-US" dirty="0"/>
+                        <a:t>Amit</a:t>
+                      </a:r>
+                    </a:p>
+                  </a:txBody>
+                  <a:tcPr/>
+                </a:tc>
+                <a:tc>
+                  <a:txBody>
+                    <a:bodyPr/>
+                    <a:lstStyle/>
+                    <a:p>
+                      <a:r>
+                        <a:rPr lang="en-US" dirty="0"/>
+                        <a:t>cookies</a:t>
+                      </a:r>
+                    </a:p>
+                  </a:txBody>
+                  <a:tcPr/>
+                </a:tc>
+                <a:tc>
+                  <a:txBody>
+                    <a:bodyPr/>
+                    <a:lstStyle/>
+                    <a:p>
+                      <a:r>
+                        <a:rPr lang="en-US" dirty="0"/>
+                        <a:t>20</a:t>
+                      </a:r>
+                    </a:p>
+                  </a:txBody>
+                  <a:tcPr/>
+                </a:tc>
+                <a:tc>
+                  <a:txBody>
+                    <a:bodyPr/>
+                    <a:lstStyle/>
+                    <a:p>
+                      <a:r>
+                        <a:rPr lang="en-US" dirty="0"/>
+                        <a:t>1</a:t>
+                      </a:r>
+                    </a:p>
+                  </a:txBody>
+                  <a:tcPr/>
+                </a:tc>
+                <a:extLst>
+                  <a:ext uri="{0D108BD9-81ED-4DB2-BD59-A6C34878D82A}">
+                    <a16:rowId xmlns:a16="http://schemas.microsoft.com/office/drawing/2014/main" val="2921246740"/>
+                  </a:ext>
+                </a:extLst>
+              </a:tr>
+              <a:tr h="428090">
+                <a:tc>
+                  <a:txBody>
+                    <a:bodyPr/>
+                    <a:lstStyle/>
+                    <a:p>
+                      <a:pPr marL="0" marR="0" lvl="0" indent="0" algn="l" defTabSz="457200" rtl="0" eaLnBrk="1" fontAlgn="auto" latinLnBrk="0" hangingPunct="1">
+                        <a:lnSpc>
+                          <a:spcPct val="100000"/>
+                        </a:lnSpc>
+                        <a:spcBef>
+                          <a:spcPts val="0"/>
+                        </a:spcBef>
+                        <a:spcAft>
+                          <a:spcPts val="0"/>
+                        </a:spcAft>
+                        <a:buClrTx/>
+                        <a:buSzTx/>
+                        <a:buFontTx/>
+                        <a:buNone/>
+                        <a:tabLst/>
+                        <a:defRPr/>
+                      </a:pPr>
+                      <a:r>
+                        <a:rPr lang="en-US" dirty="0"/>
+                        <a:t>Amit</a:t>
+                      </a:r>
+                    </a:p>
+                  </a:txBody>
+                  <a:tcPr/>
+                </a:tc>
+                <a:tc>
+                  <a:txBody>
+                    <a:bodyPr/>
+                    <a:lstStyle/>
+                    <a:p>
+                      <a:r>
+                        <a:rPr lang="en-US" dirty="0"/>
+                        <a:t>cake</a:t>
+                      </a:r>
+                    </a:p>
+                  </a:txBody>
+                  <a:tcPr/>
+                </a:tc>
+                <a:tc>
+                  <a:txBody>
+                    <a:bodyPr/>
+                    <a:lstStyle/>
+                    <a:p>
+                      <a:r>
+                        <a:rPr lang="en-US" dirty="0"/>
+                        <a:t>2</a:t>
+                      </a:r>
+                    </a:p>
+                  </a:txBody>
+                  <a:tcPr/>
+                </a:tc>
+                <a:tc>
+                  <a:txBody>
+                    <a:bodyPr/>
+                    <a:lstStyle/>
+                    <a:p>
+                      <a:r>
+                        <a:rPr lang="en-US" dirty="0"/>
+                        <a:t>1</a:t>
+                      </a:r>
+                    </a:p>
+                  </a:txBody>
+                  <a:tcPr/>
+                </a:tc>
+                <a:extLst>
+                  <a:ext uri="{0D108BD9-81ED-4DB2-BD59-A6C34878D82A}">
+                    <a16:rowId xmlns:a16="http://schemas.microsoft.com/office/drawing/2014/main" val="1929765718"/>
+                  </a:ext>
+                </a:extLst>
+              </a:tr>
+              <a:tr h="489230">
+                <a:tc>
+                  <a:txBody>
+                    <a:bodyPr/>
+                    <a:lstStyle/>
+                    <a:p>
+                      <a:r>
+                        <a:rPr lang="en-US" dirty="0"/>
+                        <a:t>Eli</a:t>
+                      </a:r>
+                    </a:p>
+                  </a:txBody>
+                  <a:tcPr/>
+                </a:tc>
+                <a:tc>
+                  <a:txBody>
+                    <a:bodyPr/>
+                    <a:lstStyle/>
+                    <a:p>
+                      <a:r>
+                        <a:rPr lang="en-US" dirty="0"/>
+                        <a:t>schnitzels</a:t>
+                      </a:r>
+                    </a:p>
+                  </a:txBody>
+                  <a:tcPr/>
+                </a:tc>
+                <a:tc>
+                  <a:txBody>
+                    <a:bodyPr/>
+                    <a:lstStyle/>
+                    <a:p>
+                      <a:r>
+                        <a:rPr lang="en-US" dirty="0"/>
+                        <a:t>50</a:t>
+                      </a:r>
+                    </a:p>
+                  </a:txBody>
+                  <a:tcPr/>
+                </a:tc>
+                <a:tc>
+                  <a:txBody>
+                    <a:bodyPr/>
+                    <a:lstStyle/>
+                    <a:p>
+                      <a:r>
+                        <a:rPr lang="en-US" dirty="0"/>
+                        <a:t>2</a:t>
+                      </a:r>
+                    </a:p>
+                  </a:txBody>
+                  <a:tcPr/>
+                </a:tc>
+                <a:extLst>
+                  <a:ext uri="{0D108BD9-81ED-4DB2-BD59-A6C34878D82A}">
+                    <a16:rowId xmlns:a16="http://schemas.microsoft.com/office/drawing/2014/main" val="191512471"/>
+                  </a:ext>
+                </a:extLst>
+              </a:tr>
+              <a:tr h="639187">
+                <a:tc>
+                  <a:txBody>
+                    <a:bodyPr/>
+                    <a:lstStyle/>
+                    <a:p>
+                      <a:r>
+                        <a:rPr lang="en-US" dirty="0"/>
+                        <a:t>Nuriel</a:t>
+                      </a:r>
+                    </a:p>
+                  </a:txBody>
+                  <a:tcPr/>
+                </a:tc>
+                <a:tc>
+                  <a:txBody>
+                    <a:bodyPr/>
+                    <a:lstStyle/>
+                    <a:p>
+                      <a:r>
+                        <a:rPr lang="en-US" dirty="0"/>
+                        <a:t>schnitzels</a:t>
+                      </a:r>
+                    </a:p>
+                  </a:txBody>
+                  <a:tcPr/>
+                </a:tc>
+                <a:tc>
+                  <a:txBody>
+                    <a:bodyPr/>
+                    <a:lstStyle/>
+                    <a:p>
+                      <a:r>
+                        <a:rPr lang="en-US" dirty="0"/>
+                        <a:t>10</a:t>
+                      </a:r>
+                    </a:p>
+                  </a:txBody>
+                  <a:tcPr/>
+                </a:tc>
+                <a:tc>
+                  <a:txBody>
+                    <a:bodyPr/>
+                    <a:lstStyle/>
+                    <a:p>
+                      <a:r>
+                        <a:rPr lang="en-US" dirty="0"/>
+                        <a:t>2</a:t>
+                      </a:r>
+                    </a:p>
+                  </a:txBody>
+                  <a:tcPr/>
+                </a:tc>
+                <a:extLst>
+                  <a:ext uri="{0D108BD9-81ED-4DB2-BD59-A6C34878D82A}">
+                    <a16:rowId xmlns:a16="http://schemas.microsoft.com/office/drawing/2014/main" val="1895864300"/>
+                  </a:ext>
+                </a:extLst>
+              </a:tr>
+              <a:tr h="457568">
+                <a:tc>
+                  <a:txBody>
+                    <a:bodyPr/>
+                    <a:lstStyle/>
+                    <a:p>
+                      <a:r>
+                        <a:rPr lang="en-US" dirty="0"/>
+                        <a:t>Nuriel</a:t>
+                      </a:r>
+                    </a:p>
+                  </a:txBody>
+                  <a:tcPr/>
+                </a:tc>
+                <a:tc>
+                  <a:txBody>
+                    <a:bodyPr/>
+                    <a:lstStyle/>
+                    <a:p>
+                      <a:r>
+                        <a:rPr lang="en-US" dirty="0"/>
+                        <a:t>Doritos</a:t>
+                      </a:r>
+                    </a:p>
+                  </a:txBody>
+                  <a:tcPr/>
+                </a:tc>
+                <a:tc>
+                  <a:txBody>
+                    <a:bodyPr/>
+                    <a:lstStyle/>
+                    <a:p>
+                      <a:r>
+                        <a:rPr lang="en-US" dirty="0"/>
+                        <a:t>5</a:t>
+                      </a:r>
+                    </a:p>
+                  </a:txBody>
+                  <a:tcPr/>
+                </a:tc>
+                <a:tc>
+                  <a:txBody>
+                    <a:bodyPr/>
+                    <a:lstStyle/>
+                    <a:p>
+                      <a:r>
+                        <a:rPr lang="en-US" dirty="0"/>
+                        <a:t>2</a:t>
+                      </a:r>
+                    </a:p>
+                  </a:txBody>
+                  <a:tcPr/>
+                </a:tc>
+                <a:extLst>
+                  <a:ext uri="{0D108BD9-81ED-4DB2-BD59-A6C34878D82A}">
+                    <a16:rowId xmlns:a16="http://schemas.microsoft.com/office/drawing/2014/main" val="2615553777"/>
+                  </a:ext>
+                </a:extLst>
+              </a:tr>
+            </a:tbl>
+          </a:graphicData>
+        </a:graphic>
+      </p:graphicFrame>
+    </p:spTree>
+    <p:extLst>
+      <p:ext uri="{BB962C8B-B14F-4D97-AF65-F5344CB8AC3E}">
+        <p14:creationId xmlns:p14="http://schemas.microsoft.com/office/powerpoint/2010/main" val="2493684602"/>
+      </p:ext>
+    </p:extLst>
+  </p:cSld>
+  <p:clrMapOvr>
+    <a:masterClrMapping/>
+  </p:clrMapOvr>
+</p:sld>
+</file>
+
+<file path=ppt/slides/slide12.xml><?xml version="1.0" encoding="utf-8"?>
+<p:sld xmlns:a="http://schemas.openxmlformats.org/drawingml/2006/main" xmlns:r="http://schemas.openxmlformats.org/officeDocument/2006/relationships" xmlns:p="http://schemas.openxmlformats.org/presentationml/2006/main">
+  <p:cSld>
+    <p:spTree>
+      <p:nvGrpSpPr>
+        <p:cNvPr id="1" name=""/>
+        <p:cNvGrpSpPr/>
+        <p:nvPr/>
+      </p:nvGrpSpPr>
+      <p:grpSpPr>
+        <a:xfrm>
+          <a:off x="0" y="0"/>
+          <a:ext cx="0" cy="0"/>
+          <a:chOff x="0" y="0"/>
+          <a:chExt cx="0" cy="0"/>
+        </a:xfrm>
+      </p:grpSpPr>
+      <p:sp>
+        <p:nvSpPr>
+          <p:cNvPr id="2" name="Title 1">
+            <a:extLst>
+              <a:ext uri="{FF2B5EF4-FFF2-40B4-BE49-F238E27FC236}">
+                <a16:creationId xmlns:a16="http://schemas.microsoft.com/office/drawing/2014/main" id="{D2E11C31-7D37-2D40-F05B-279F5DCCDEE8}"/>
+              </a:ext>
+            </a:extLst>
+          </p:cNvPr>
+          <p:cNvSpPr>
+            <a:spLocks noGrp="1"/>
+          </p:cNvSpPr>
+          <p:nvPr>
+            <p:ph type="title"/>
+          </p:nvPr>
+        </p:nvSpPr>
+        <p:spPr>
+          <a:xfrm>
+            <a:off x="516456" y="575097"/>
+            <a:ext cx="11029616" cy="1188720"/>
+          </a:xfrm>
+        </p:spPr>
+        <p:txBody>
+          <a:bodyPr>
+            <a:normAutofit/>
+          </a:bodyPr>
+          <a:lstStyle/>
+          <a:p>
+            <a:r>
+              <a:rPr lang="en-US" sz="3600" dirty="0"/>
+              <a:t>ORACLE EXAMPLE</a:t>
+            </a:r>
+          </a:p>
+        </p:txBody>
+      </p:sp>
+      <p:pic>
+        <p:nvPicPr>
+          <p:cNvPr id="4" name="Picture 3">
+            <a:extLst>
+              <a:ext uri="{FF2B5EF4-FFF2-40B4-BE49-F238E27FC236}">
+                <a16:creationId xmlns:a16="http://schemas.microsoft.com/office/drawing/2014/main" id="{AF3CFDC6-C705-EC3B-9A9F-E026FF84AA52}"/>
+              </a:ext>
+            </a:extLst>
+          </p:cNvPr>
+          <p:cNvPicPr>
+            <a:picLocks noChangeAspect="1"/>
+          </p:cNvPicPr>
+          <p:nvPr/>
+        </p:nvPicPr>
+        <p:blipFill>
+          <a:blip r:embed="rId2"/>
+          <a:stretch>
+            <a:fillRect/>
+          </a:stretch>
+        </p:blipFill>
+        <p:spPr>
+          <a:xfrm>
+            <a:off x="675482" y="2044920"/>
+            <a:ext cx="3120988" cy="3631484"/>
+          </a:xfrm>
+          <a:prstGeom prst="rect">
+            <a:avLst/>
+          </a:prstGeom>
+        </p:spPr>
+      </p:pic>
+      <p:pic>
+        <p:nvPicPr>
+          <p:cNvPr id="6" name="Picture 5">
+            <a:extLst>
+              <a:ext uri="{FF2B5EF4-FFF2-40B4-BE49-F238E27FC236}">
+                <a16:creationId xmlns:a16="http://schemas.microsoft.com/office/drawing/2014/main" id="{75243866-7365-1746-47DF-CC1822C83C6D}"/>
+              </a:ext>
+            </a:extLst>
+          </p:cNvPr>
+          <p:cNvPicPr>
+            <a:picLocks noChangeAspect="1"/>
+          </p:cNvPicPr>
+          <p:nvPr/>
+        </p:nvPicPr>
+        <p:blipFill>
+          <a:blip r:embed="rId3"/>
+          <a:stretch>
+            <a:fillRect/>
+          </a:stretch>
+        </p:blipFill>
+        <p:spPr>
+          <a:xfrm>
+            <a:off x="675482" y="5682259"/>
+            <a:ext cx="3120988" cy="600644"/>
+          </a:xfrm>
+          <a:prstGeom prst="rect">
+            <a:avLst/>
+          </a:prstGeom>
+        </p:spPr>
+      </p:pic>
+      <p:graphicFrame>
+        <p:nvGraphicFramePr>
+          <p:cNvPr id="7" name="Content Placeholder 3">
+            <a:extLst>
+              <a:ext uri="{FF2B5EF4-FFF2-40B4-BE49-F238E27FC236}">
+                <a16:creationId xmlns:a16="http://schemas.microsoft.com/office/drawing/2014/main" id="{2CC96192-112B-6B91-5154-5249E3B504A3}"/>
+              </a:ext>
+            </a:extLst>
+          </p:cNvPr>
+          <p:cNvGraphicFramePr>
+            <a:graphicFrameLocks noGrp="1"/>
+          </p:cNvGraphicFramePr>
+          <p:nvPr>
+            <p:ph idx="1"/>
+            <p:extLst>
+              <p:ext uri="{D42A27DB-BD31-4B8C-83A1-F6EECF244321}">
+                <p14:modId xmlns:p14="http://schemas.microsoft.com/office/powerpoint/2010/main" val="2739490789"/>
+              </p:ext>
+            </p:extLst>
+          </p:nvPr>
+        </p:nvGraphicFramePr>
+        <p:xfrm>
+          <a:off x="5844074" y="1316966"/>
+          <a:ext cx="4524973" cy="2786457"/>
+        </p:xfrm>
+        <a:graphic>
+          <a:graphicData uri="http://schemas.openxmlformats.org/drawingml/2006/table">
+            <a:tbl>
+              <a:tblPr firstRow="1" bandRow="1">
+                <a:tableStyleId>{5C22544A-7EE6-4342-B048-85BDC9FD1C3A}</a:tableStyleId>
+              </a:tblPr>
+              <a:tblGrid>
+                <a:gridCol w="1703057">
+                  <a:extLst>
+                    <a:ext uri="{9D8B030D-6E8A-4147-A177-3AD203B41FA5}">
+                      <a16:colId xmlns:a16="http://schemas.microsoft.com/office/drawing/2014/main" val="1899796358"/>
+                    </a:ext>
+                  </a:extLst>
+                </a:gridCol>
+                <a:gridCol w="1652351">
+                  <a:extLst>
+                    <a:ext uri="{9D8B030D-6E8A-4147-A177-3AD203B41FA5}">
+                      <a16:colId xmlns:a16="http://schemas.microsoft.com/office/drawing/2014/main" val="2870855517"/>
+                    </a:ext>
+                  </a:extLst>
+                </a:gridCol>
+                <a:gridCol w="1169565">
+                  <a:extLst>
+                    <a:ext uri="{9D8B030D-6E8A-4147-A177-3AD203B41FA5}">
+                      <a16:colId xmlns:a16="http://schemas.microsoft.com/office/drawing/2014/main" val="995034559"/>
+                    </a:ext>
+                  </a:extLst>
+                </a:gridCol>
+              </a:tblGrid>
+              <a:tr h="489270">
+                <a:tc>
+                  <a:txBody>
+                    <a:bodyPr/>
+                    <a:lstStyle/>
+                    <a:p>
+                      <a:r>
+                        <a:rPr lang="en-US" dirty="0">
+                          <a:solidFill>
+                            <a:srgbClr val="FFFF00"/>
+                          </a:solidFill>
+                        </a:rPr>
+                        <a:t>name</a:t>
+                      </a:r>
+                    </a:p>
+                  </a:txBody>
+                  <a:tcPr/>
+                </a:tc>
+                <a:tc>
+                  <a:txBody>
+                    <a:bodyPr/>
+                    <a:lstStyle/>
+                    <a:p>
+                      <a:r>
+                        <a:rPr lang="en-US" dirty="0">
+                          <a:solidFill>
+                            <a:srgbClr val="FFFF00"/>
+                          </a:solidFill>
+                        </a:rPr>
+                        <a:t>food</a:t>
+                      </a:r>
+                    </a:p>
+                  </a:txBody>
+                  <a:tcPr/>
+                </a:tc>
+                <a:tc>
+                  <a:txBody>
+                    <a:bodyPr/>
+                    <a:lstStyle/>
+                    <a:p>
+                      <a:r>
+                        <a:rPr lang="en-US" dirty="0"/>
+                        <a:t>quantity</a:t>
+                      </a:r>
+                    </a:p>
+                  </a:txBody>
+                  <a:tcPr/>
+                </a:tc>
+                <a:extLst>
+                  <a:ext uri="{0D108BD9-81ED-4DB2-BD59-A6C34878D82A}">
+                    <a16:rowId xmlns:a16="http://schemas.microsoft.com/office/drawing/2014/main" val="2329181652"/>
+                  </a:ext>
+                </a:extLst>
+              </a:tr>
+              <a:tr h="368758">
+                <a:tc>
+                  <a:txBody>
+                    <a:bodyPr/>
+                    <a:lstStyle/>
+                    <a:p>
+                      <a:r>
+                        <a:rPr lang="en-US" dirty="0"/>
+                        <a:t>Amit</a:t>
+                      </a:r>
+                    </a:p>
+                  </a:txBody>
+                  <a:tcPr/>
+                </a:tc>
+                <a:tc>
+                  <a:txBody>
+                    <a:bodyPr/>
+                    <a:lstStyle/>
+                    <a:p>
+                      <a:r>
+                        <a:rPr lang="en-US" dirty="0"/>
+                        <a:t>Pizzas</a:t>
+                      </a:r>
+                    </a:p>
+                  </a:txBody>
+                  <a:tcPr/>
+                </a:tc>
+                <a:tc>
+                  <a:txBody>
+                    <a:bodyPr/>
+                    <a:lstStyle/>
+                    <a:p>
+                      <a:r>
+                        <a:rPr lang="en-US" dirty="0"/>
+                        <a:t>3</a:t>
+                      </a:r>
+                    </a:p>
+                  </a:txBody>
+                  <a:tcPr/>
+                </a:tc>
+                <a:extLst>
+                  <a:ext uri="{0D108BD9-81ED-4DB2-BD59-A6C34878D82A}">
+                    <a16:rowId xmlns:a16="http://schemas.microsoft.com/office/drawing/2014/main" val="3463929210"/>
+                  </a:ext>
+                </a:extLst>
+              </a:tr>
+              <a:tr h="328670">
+                <a:tc>
+                  <a:txBody>
+                    <a:bodyPr/>
+                    <a:lstStyle/>
+                    <a:p>
+                      <a:pPr marL="0" marR="0" lvl="0" indent="0" algn="l" defTabSz="457200" rtl="0" eaLnBrk="1" fontAlgn="auto" latinLnBrk="0" hangingPunct="1">
+                        <a:lnSpc>
+                          <a:spcPct val="100000"/>
+                        </a:lnSpc>
+                        <a:spcBef>
+                          <a:spcPts val="0"/>
+                        </a:spcBef>
+                        <a:spcAft>
+                          <a:spcPts val="0"/>
+                        </a:spcAft>
+                        <a:buClrTx/>
+                        <a:buSzTx/>
+                        <a:buFontTx/>
+                        <a:buNone/>
+                        <a:tabLst/>
+                        <a:defRPr/>
+                      </a:pPr>
+                      <a:r>
+                        <a:rPr lang="en-US" dirty="0"/>
+                        <a:t>Amit</a:t>
+                      </a:r>
+                    </a:p>
+                  </a:txBody>
+                  <a:tcPr/>
+                </a:tc>
+                <a:tc>
+                  <a:txBody>
+                    <a:bodyPr/>
+                    <a:lstStyle/>
+                    <a:p>
+                      <a:r>
+                        <a:rPr lang="en-US" dirty="0"/>
+                        <a:t>cookies</a:t>
+                      </a:r>
+                    </a:p>
+                  </a:txBody>
+                  <a:tcPr/>
+                </a:tc>
+                <a:tc>
+                  <a:txBody>
+                    <a:bodyPr/>
+                    <a:lstStyle/>
+                    <a:p>
+                      <a:r>
+                        <a:rPr lang="en-US" dirty="0"/>
+                        <a:t>20</a:t>
+                      </a:r>
+                    </a:p>
+                  </a:txBody>
+                  <a:tcPr/>
+                </a:tc>
+                <a:extLst>
+                  <a:ext uri="{0D108BD9-81ED-4DB2-BD59-A6C34878D82A}">
+                    <a16:rowId xmlns:a16="http://schemas.microsoft.com/office/drawing/2014/main" val="745115785"/>
+                  </a:ext>
+                </a:extLst>
+              </a:tr>
+              <a:tr h="305759">
+                <a:tc>
+                  <a:txBody>
+                    <a:bodyPr/>
+                    <a:lstStyle/>
+                    <a:p>
+                      <a:pPr marL="0" marR="0" lvl="0" indent="0" algn="l" defTabSz="457200" rtl="0" eaLnBrk="1" fontAlgn="auto" latinLnBrk="0" hangingPunct="1">
+                        <a:lnSpc>
+                          <a:spcPct val="100000"/>
+                        </a:lnSpc>
+                        <a:spcBef>
+                          <a:spcPts val="0"/>
+                        </a:spcBef>
+                        <a:spcAft>
+                          <a:spcPts val="0"/>
+                        </a:spcAft>
+                        <a:buClrTx/>
+                        <a:buSzTx/>
+                        <a:buFontTx/>
+                        <a:buNone/>
+                        <a:tabLst/>
+                        <a:defRPr/>
+                      </a:pPr>
+                      <a:r>
+                        <a:rPr lang="en-US" dirty="0"/>
+                        <a:t>Amit</a:t>
+                      </a:r>
+                    </a:p>
+                  </a:txBody>
+                  <a:tcPr/>
+                </a:tc>
+                <a:tc>
+                  <a:txBody>
+                    <a:bodyPr/>
+                    <a:lstStyle/>
+                    <a:p>
+                      <a:r>
+                        <a:rPr lang="en-US" dirty="0"/>
+                        <a:t>cakes</a:t>
+                      </a:r>
+                    </a:p>
+                  </a:txBody>
+                  <a:tcPr/>
+                </a:tc>
+                <a:tc>
+                  <a:txBody>
+                    <a:bodyPr/>
+                    <a:lstStyle/>
+                    <a:p>
+                      <a:r>
+                        <a:rPr lang="en-US" dirty="0"/>
+                        <a:t>2</a:t>
+                      </a:r>
+                    </a:p>
+                  </a:txBody>
+                  <a:tcPr/>
+                </a:tc>
+                <a:extLst>
+                  <a:ext uri="{0D108BD9-81ED-4DB2-BD59-A6C34878D82A}">
+                    <a16:rowId xmlns:a16="http://schemas.microsoft.com/office/drawing/2014/main" val="2131333335"/>
+                  </a:ext>
+                </a:extLst>
+              </a:tr>
+              <a:tr h="349427">
+                <a:tc>
+                  <a:txBody>
+                    <a:bodyPr/>
+                    <a:lstStyle/>
+                    <a:p>
+                      <a:r>
+                        <a:rPr lang="en-US" dirty="0"/>
+                        <a:t>Eli</a:t>
+                      </a:r>
+                    </a:p>
+                  </a:txBody>
+                  <a:tcPr/>
+                </a:tc>
+                <a:tc>
+                  <a:txBody>
+                    <a:bodyPr/>
+                    <a:lstStyle/>
+                    <a:p>
+                      <a:r>
+                        <a:rPr lang="en-US" dirty="0"/>
+                        <a:t>schnitzels</a:t>
+                      </a:r>
+                    </a:p>
+                  </a:txBody>
+                  <a:tcPr/>
+                </a:tc>
+                <a:tc>
+                  <a:txBody>
+                    <a:bodyPr/>
+                    <a:lstStyle/>
+                    <a:p>
+                      <a:r>
+                        <a:rPr lang="en-US" dirty="0"/>
+                        <a:t>50</a:t>
+                      </a:r>
+                    </a:p>
+                  </a:txBody>
+                  <a:tcPr/>
+                </a:tc>
+                <a:extLst>
+                  <a:ext uri="{0D108BD9-81ED-4DB2-BD59-A6C34878D82A}">
+                    <a16:rowId xmlns:a16="http://schemas.microsoft.com/office/drawing/2014/main" val="1307833599"/>
+                  </a:ext>
+                </a:extLst>
+              </a:tr>
+              <a:tr h="465389">
+                <a:tc>
+                  <a:txBody>
+                    <a:bodyPr/>
+                    <a:lstStyle/>
+                    <a:p>
+                      <a:r>
+                        <a:rPr lang="en-US" dirty="0"/>
+                        <a:t>Nuriel</a:t>
+                      </a:r>
+                    </a:p>
+                  </a:txBody>
+                  <a:tcPr/>
+                </a:tc>
+                <a:tc>
+                  <a:txBody>
+                    <a:bodyPr/>
+                    <a:lstStyle/>
+                    <a:p>
+                      <a:r>
+                        <a:rPr lang="en-US" dirty="0"/>
+                        <a:t>schnitzels</a:t>
+                      </a:r>
+                    </a:p>
+                  </a:txBody>
+                  <a:tcPr/>
+                </a:tc>
+                <a:tc>
+                  <a:txBody>
+                    <a:bodyPr/>
+                    <a:lstStyle/>
+                    <a:p>
+                      <a:r>
+                        <a:rPr lang="en-US" dirty="0"/>
+                        <a:t>10</a:t>
+                      </a:r>
+                    </a:p>
+                  </a:txBody>
+                  <a:tcPr/>
+                </a:tc>
+                <a:extLst>
+                  <a:ext uri="{0D108BD9-81ED-4DB2-BD59-A6C34878D82A}">
+                    <a16:rowId xmlns:a16="http://schemas.microsoft.com/office/drawing/2014/main" val="1749861965"/>
+                  </a:ext>
+                </a:extLst>
+              </a:tr>
+              <a:tr h="305179">
+                <a:tc>
+                  <a:txBody>
+                    <a:bodyPr/>
+                    <a:lstStyle/>
+                    <a:p>
+                      <a:r>
+                        <a:rPr lang="en-US" dirty="0"/>
+                        <a:t>Nuriel</a:t>
+                      </a:r>
+                    </a:p>
+                  </a:txBody>
+                  <a:tcPr/>
+                </a:tc>
+                <a:tc>
+                  <a:txBody>
+                    <a:bodyPr/>
+                    <a:lstStyle/>
+                    <a:p>
+                      <a:r>
+                        <a:rPr lang="en-US" dirty="0"/>
+                        <a:t>Doritos</a:t>
+                      </a:r>
+                    </a:p>
+                  </a:txBody>
+                  <a:tcPr/>
+                </a:tc>
+                <a:tc>
+                  <a:txBody>
+                    <a:bodyPr/>
+                    <a:lstStyle/>
+                    <a:p>
+                      <a:r>
+                        <a:rPr lang="en-US" dirty="0"/>
+                        <a:t>5</a:t>
+                      </a:r>
+                    </a:p>
+                  </a:txBody>
+                  <a:tcPr/>
+                </a:tc>
+                <a:extLst>
+                  <a:ext uri="{0D108BD9-81ED-4DB2-BD59-A6C34878D82A}">
+                    <a16:rowId xmlns:a16="http://schemas.microsoft.com/office/drawing/2014/main" val="4189430941"/>
+                  </a:ext>
+                </a:extLst>
+              </a:tr>
+            </a:tbl>
+          </a:graphicData>
+        </a:graphic>
+      </p:graphicFrame>
+      <p:graphicFrame>
+        <p:nvGraphicFramePr>
+          <p:cNvPr id="8" name="Table 7">
+            <a:extLst>
+              <a:ext uri="{FF2B5EF4-FFF2-40B4-BE49-F238E27FC236}">
+                <a16:creationId xmlns:a16="http://schemas.microsoft.com/office/drawing/2014/main" id="{B3A8DB1D-5BE6-C7BD-84DE-A153BCBE3E7E}"/>
+              </a:ext>
+            </a:extLst>
+          </p:cNvPr>
+          <p:cNvGraphicFramePr>
+            <a:graphicFrameLocks noGrp="1"/>
+          </p:cNvGraphicFramePr>
+          <p:nvPr>
+            <p:extLst>
+              <p:ext uri="{D42A27DB-BD31-4B8C-83A1-F6EECF244321}">
+                <p14:modId xmlns:p14="http://schemas.microsoft.com/office/powerpoint/2010/main" val="4028571013"/>
+              </p:ext>
+            </p:extLst>
+          </p:nvPr>
+        </p:nvGraphicFramePr>
+        <p:xfrm>
+          <a:off x="6420167" y="4499221"/>
+          <a:ext cx="3372788" cy="1483360"/>
+        </p:xfrm>
+        <a:graphic>
+          <a:graphicData uri="http://schemas.openxmlformats.org/drawingml/2006/table">
+            <a:tbl>
+              <a:tblPr firstRow="1" bandRow="1">
+                <a:tableStyleId>{5C22544A-7EE6-4342-B048-85BDC9FD1C3A}</a:tableStyleId>
+              </a:tblPr>
+              <a:tblGrid>
+                <a:gridCol w="1686394">
+                  <a:extLst>
+                    <a:ext uri="{9D8B030D-6E8A-4147-A177-3AD203B41FA5}">
+                      <a16:colId xmlns:a16="http://schemas.microsoft.com/office/drawing/2014/main" val="1417872834"/>
+                    </a:ext>
+                  </a:extLst>
+                </a:gridCol>
+                <a:gridCol w="1686394">
+                  <a:extLst>
+                    <a:ext uri="{9D8B030D-6E8A-4147-A177-3AD203B41FA5}">
+                      <a16:colId xmlns:a16="http://schemas.microsoft.com/office/drawing/2014/main" val="4202243073"/>
+                    </a:ext>
+                  </a:extLst>
+                </a:gridCol>
+              </a:tblGrid>
+              <a:tr h="370840">
+                <a:tc>
+                  <a:txBody>
+                    <a:bodyPr/>
+                    <a:lstStyle/>
+                    <a:p>
+                      <a:r>
+                        <a:rPr lang="en-US" dirty="0">
+                          <a:solidFill>
+                            <a:srgbClr val="FFFF00"/>
+                          </a:solidFill>
+                        </a:rPr>
+                        <a:t>name</a:t>
+                      </a:r>
+                    </a:p>
+                  </a:txBody>
+                  <a:tcPr/>
+                </a:tc>
+                <a:tc>
+                  <a:txBody>
+                    <a:bodyPr/>
+                    <a:lstStyle/>
+                    <a:p>
+                      <a:r>
+                        <a:rPr lang="en-US" dirty="0"/>
+                        <a:t>room_number</a:t>
+                      </a:r>
+                    </a:p>
+                  </a:txBody>
+                  <a:tcPr/>
+                </a:tc>
+                <a:extLst>
+                  <a:ext uri="{0D108BD9-81ED-4DB2-BD59-A6C34878D82A}">
+                    <a16:rowId xmlns:a16="http://schemas.microsoft.com/office/drawing/2014/main" val="3973157808"/>
+                  </a:ext>
+                </a:extLst>
+              </a:tr>
+              <a:tr h="370840">
+                <a:tc>
+                  <a:txBody>
+                    <a:bodyPr/>
+                    <a:lstStyle/>
+                    <a:p>
+                      <a:pPr marL="0" marR="0" lvl="0" indent="0" algn="l" defTabSz="457200" rtl="0" eaLnBrk="1" fontAlgn="auto" latinLnBrk="0" hangingPunct="1">
+                        <a:lnSpc>
+                          <a:spcPct val="100000"/>
+                        </a:lnSpc>
+                        <a:spcBef>
+                          <a:spcPts val="0"/>
+                        </a:spcBef>
+                        <a:spcAft>
+                          <a:spcPts val="0"/>
+                        </a:spcAft>
+                        <a:buClrTx/>
+                        <a:buSzTx/>
+                        <a:buFontTx/>
+                        <a:buNone/>
+                        <a:tabLst/>
+                        <a:defRPr/>
+                      </a:pPr>
+                      <a:r>
+                        <a:rPr lang="en-US" dirty="0"/>
+                        <a:t>Amit</a:t>
+                      </a:r>
+                    </a:p>
+                  </a:txBody>
+                  <a:tcPr/>
+                </a:tc>
+                <a:tc>
+                  <a:txBody>
+                    <a:bodyPr/>
+                    <a:lstStyle/>
+                    <a:p>
+                      <a:r>
+                        <a:rPr lang="en-US" dirty="0"/>
+                        <a:t>1</a:t>
+                      </a:r>
+                    </a:p>
+                  </a:txBody>
+                  <a:tcPr/>
+                </a:tc>
+                <a:extLst>
+                  <a:ext uri="{0D108BD9-81ED-4DB2-BD59-A6C34878D82A}">
+                    <a16:rowId xmlns:a16="http://schemas.microsoft.com/office/drawing/2014/main" val="1684857072"/>
+                  </a:ext>
+                </a:extLst>
+              </a:tr>
+              <a:tr h="370840">
+                <a:tc>
+                  <a:txBody>
+                    <a:bodyPr/>
+                    <a:lstStyle/>
+                    <a:p>
+                      <a:pPr marL="0" marR="0" lvl="0" indent="0" algn="l" defTabSz="457200" rtl="0" eaLnBrk="1" fontAlgn="auto" latinLnBrk="0" hangingPunct="1">
+                        <a:lnSpc>
+                          <a:spcPct val="100000"/>
+                        </a:lnSpc>
+                        <a:spcBef>
+                          <a:spcPts val="0"/>
+                        </a:spcBef>
+                        <a:spcAft>
+                          <a:spcPts val="0"/>
+                        </a:spcAft>
+                        <a:buClrTx/>
+                        <a:buSzTx/>
+                        <a:buFontTx/>
+                        <a:buNone/>
+                        <a:tabLst/>
+                        <a:defRPr/>
+                      </a:pPr>
+                      <a:r>
+                        <a:rPr lang="en-US" dirty="0"/>
+                        <a:t>Eli</a:t>
+                      </a:r>
+                    </a:p>
+                  </a:txBody>
+                  <a:tcPr/>
+                </a:tc>
+                <a:tc>
+                  <a:txBody>
+                    <a:bodyPr/>
+                    <a:lstStyle/>
+                    <a:p>
+                      <a:r>
+                        <a:rPr lang="en-US" dirty="0"/>
+                        <a:t>2</a:t>
+                      </a:r>
+                    </a:p>
+                  </a:txBody>
+                  <a:tcPr/>
+                </a:tc>
+                <a:extLst>
+                  <a:ext uri="{0D108BD9-81ED-4DB2-BD59-A6C34878D82A}">
+                    <a16:rowId xmlns:a16="http://schemas.microsoft.com/office/drawing/2014/main" val="738943544"/>
+                  </a:ext>
+                </a:extLst>
+              </a:tr>
+              <a:tr h="370840">
+                <a:tc>
+                  <a:txBody>
+                    <a:bodyPr/>
+                    <a:lstStyle/>
+                    <a:p>
+                      <a:pPr marL="0" marR="0" lvl="0" indent="0" algn="l" defTabSz="457200" rtl="0" eaLnBrk="1" fontAlgn="auto" latinLnBrk="0" hangingPunct="1">
+                        <a:lnSpc>
+                          <a:spcPct val="100000"/>
+                        </a:lnSpc>
+                        <a:spcBef>
+                          <a:spcPts val="0"/>
+                        </a:spcBef>
+                        <a:spcAft>
+                          <a:spcPts val="0"/>
+                        </a:spcAft>
+                        <a:buClrTx/>
+                        <a:buSzTx/>
+                        <a:buFontTx/>
+                        <a:buNone/>
+                        <a:tabLst/>
+                        <a:defRPr/>
+                      </a:pPr>
+                      <a:r>
+                        <a:rPr lang="en-US" dirty="0"/>
+                        <a:t>Nuriel</a:t>
+                      </a:r>
+                    </a:p>
+                  </a:txBody>
+                  <a:tcPr/>
+                </a:tc>
+                <a:tc>
+                  <a:txBody>
+                    <a:bodyPr/>
+                    <a:lstStyle/>
+                    <a:p>
+                      <a:r>
+                        <a:rPr lang="en-US" dirty="0"/>
+                        <a:t>2</a:t>
+                      </a:r>
+                    </a:p>
+                  </a:txBody>
+                  <a:tcPr/>
+                </a:tc>
+                <a:extLst>
+                  <a:ext uri="{0D108BD9-81ED-4DB2-BD59-A6C34878D82A}">
+                    <a16:rowId xmlns:a16="http://schemas.microsoft.com/office/drawing/2014/main" val="1205102845"/>
+                  </a:ext>
+                </a:extLst>
+              </a:tr>
+            </a:tbl>
+          </a:graphicData>
+        </a:graphic>
+      </p:graphicFrame>
+    </p:spTree>
+    <p:extLst>
+      <p:ext uri="{BB962C8B-B14F-4D97-AF65-F5344CB8AC3E}">
+        <p14:creationId xmlns:p14="http://schemas.microsoft.com/office/powerpoint/2010/main" val="2412636046"/>
+      </p:ext>
+    </p:extLst>
+  </p:cSld>
+  <p:clrMapOvr>
+    <a:masterClrMapping/>
+  </p:clrMapOvr>
+</p:sld>
+</file>
+
+<file path=ppt/slides/slide13.xml><?xml version="1.0" encoding="utf-8"?>
+<p:sld xmlns:a="http://schemas.openxmlformats.org/drawingml/2006/main" xmlns:r="http://schemas.openxmlformats.org/officeDocument/2006/relationships" xmlns:p="http://schemas.openxmlformats.org/presentationml/2006/main">
+  <p:cSld>
+    <p:spTree>
+      <p:nvGrpSpPr>
+        <p:cNvPr id="1" name=""/>
+        <p:cNvGrpSpPr/>
+        <p:nvPr/>
+      </p:nvGrpSpPr>
+      <p:grpSpPr>
+        <a:xfrm>
+          <a:off x="0" y="0"/>
+          <a:ext cx="0" cy="0"/>
+          <a:chOff x="0" y="0"/>
+          <a:chExt cx="0" cy="0"/>
+        </a:xfrm>
+      </p:grpSpPr>
+      <p:sp>
+        <p:nvSpPr>
+          <p:cNvPr id="2" name="Title 1">
+            <a:extLst>
+              <a:ext uri="{FF2B5EF4-FFF2-40B4-BE49-F238E27FC236}">
+                <a16:creationId xmlns:a16="http://schemas.microsoft.com/office/drawing/2014/main" id="{1617CC71-FBC0-58A5-C75E-68B5483078B8}"/>
+              </a:ext>
+            </a:extLst>
+          </p:cNvPr>
+          <p:cNvSpPr>
+            <a:spLocks noGrp="1"/>
+          </p:cNvSpPr>
+          <p:nvPr>
+            <p:ph type="title"/>
+          </p:nvPr>
+        </p:nvSpPr>
+        <p:spPr>
+          <a:xfrm>
+            <a:off x="2019467" y="2596515"/>
+            <a:ext cx="11029616" cy="1188720"/>
+          </a:xfrm>
+        </p:spPr>
+        <p:txBody>
+          <a:bodyPr>
+            <a:normAutofit/>
+          </a:bodyPr>
+          <a:lstStyle/>
+          <a:p>
+            <a:r>
+              <a:rPr lang="en-US" sz="4800" dirty="0"/>
+              <a:t>Thank you for listening!</a:t>
+            </a:r>
+          </a:p>
+        </p:txBody>
+      </p:sp>
+    </p:spTree>
+    <p:extLst>
+      <p:ext uri="{BB962C8B-B14F-4D97-AF65-F5344CB8AC3E}">
+        <p14:creationId xmlns:p14="http://schemas.microsoft.com/office/powerpoint/2010/main" val="64945586"/>
+      </p:ext>
+    </p:extLst>
+  </p:cSld>
+  <p:clrMapOvr>
+    <a:masterClrMapping/>
+  </p:clrMapOvr>
+</p:sld>
+</file>
+
+<file path=ppt/slides/slide2.xml><?xml version="1.0" encoding="utf-8"?>
+<p:sld xmlns:a="http://schemas.openxmlformats.org/drawingml/2006/main" xmlns:r="http://schemas.openxmlformats.org/officeDocument/2006/relationships" xmlns:p="http://schemas.openxmlformats.org/presentationml/2006/main">
+  <p:cSld>
+    <p:spTree>
+      <p:nvGrpSpPr>
+        <p:cNvPr id="1" name=""/>
+        <p:cNvGrpSpPr/>
+        <p:nvPr/>
+      </p:nvGrpSpPr>
+      <p:grpSpPr>
+        <a:xfrm>
+          <a:off x="0" y="0"/>
+          <a:ext cx="0" cy="0"/>
+          <a:chOff x="0" y="0"/>
+          <a:chExt cx="0" cy="0"/>
+        </a:xfrm>
+      </p:grpSpPr>
+      <p:sp>
+        <p:nvSpPr>
+          <p:cNvPr id="2" name="Title 1">
+            <a:extLst>
+              <a:ext uri="{FF2B5EF4-FFF2-40B4-BE49-F238E27FC236}">
+                <a16:creationId xmlns:a16="http://schemas.microsoft.com/office/drawing/2014/main" id="{677E5AF0-B6AB-8779-238A-D1EBCCF3B043}"/>
+              </a:ext>
+            </a:extLst>
+          </p:cNvPr>
+          <p:cNvSpPr>
+            <a:spLocks noGrp="1"/>
+          </p:cNvSpPr>
+          <p:nvPr>
+            <p:ph type="title"/>
+          </p:nvPr>
+        </p:nvSpPr>
+        <p:spPr/>
+        <p:txBody>
+          <a:bodyPr>
+            <a:normAutofit/>
+          </a:bodyPr>
+          <a:lstStyle/>
+          <a:p>
+            <a:r>
+              <a:rPr lang="en-US" sz="3600" dirty="0"/>
+              <a:t>What is database normalization?</a:t>
+            </a:r>
+          </a:p>
+        </p:txBody>
+      </p:sp>
+      <p:sp>
+        <p:nvSpPr>
+          <p:cNvPr id="3" name="Content Placeholder 2">
+            <a:extLst>
+              <a:ext uri="{FF2B5EF4-FFF2-40B4-BE49-F238E27FC236}">
+                <a16:creationId xmlns:a16="http://schemas.microsoft.com/office/drawing/2014/main" id="{CCE8AE26-9346-AEB8-0849-B021F597D0E3}"/>
+              </a:ext>
+            </a:extLst>
+          </p:cNvPr>
+          <p:cNvSpPr>
+            <a:spLocks noGrp="1"/>
+          </p:cNvSpPr>
+          <p:nvPr>
+            <p:ph idx="1"/>
+          </p:nvPr>
+        </p:nvSpPr>
+        <p:spPr>
+          <a:xfrm>
+            <a:off x="581192" y="4342204"/>
+            <a:ext cx="11029615" cy="3350809"/>
+          </a:xfrm>
+        </p:spPr>
+        <p:txBody>
+          <a:bodyPr>
+            <a:normAutofit/>
+          </a:bodyPr>
+          <a:lstStyle/>
+          <a:p>
+            <a:pPr marL="0" indent="0">
+              <a:buNone/>
+            </a:pPr>
+            <a:r>
+              <a:rPr lang="en-US" sz="3200" dirty="0">
+                <a:solidFill>
+                  <a:schemeClr val="tx1"/>
+                </a:solidFill>
+                <a:latin typeface="Söhne"/>
+              </a:rPr>
+              <a:t>Normalization is a process by which </a:t>
+            </a:r>
+            <a:endParaRPr lang="he-IL" sz="3200" dirty="0">
+              <a:solidFill>
+                <a:schemeClr val="tx1"/>
+              </a:solidFill>
+              <a:latin typeface="Söhne"/>
+            </a:endParaRPr>
+          </a:p>
+          <a:p>
+            <a:pPr marL="0" indent="0">
+              <a:buNone/>
+            </a:pPr>
+            <a:r>
+              <a:rPr lang="en-US" sz="3200" dirty="0">
+                <a:solidFill>
+                  <a:schemeClr val="tx1"/>
+                </a:solidFill>
+                <a:latin typeface="Söhne"/>
+              </a:rPr>
+              <a:t>data structures in a relational database </a:t>
+            </a:r>
+          </a:p>
+          <a:p>
+            <a:pPr marL="0" indent="0">
+              <a:buNone/>
+            </a:pPr>
+            <a:r>
+              <a:rPr lang="en-US" sz="3200" dirty="0">
+                <a:solidFill>
+                  <a:schemeClr val="tx1"/>
+                </a:solidFill>
+                <a:latin typeface="Söhne"/>
+              </a:rPr>
+              <a:t>are as efficient as possible.</a:t>
+            </a:r>
+          </a:p>
+          <a:p>
+            <a:pPr marL="0" indent="0">
+              <a:buNone/>
+            </a:pPr>
+            <a:endParaRPr lang="en-US" sz="3200" dirty="0">
+              <a:solidFill>
+                <a:schemeClr val="tx1"/>
+              </a:solidFill>
+              <a:latin typeface="Söhne"/>
+            </a:endParaRPr>
+          </a:p>
+          <a:p>
+            <a:pPr marL="0" indent="0">
+              <a:buNone/>
+            </a:pPr>
+            <a:endParaRPr lang="en-US" sz="3200" dirty="0">
+              <a:solidFill>
+                <a:schemeClr val="tx1"/>
+              </a:solidFill>
+              <a:latin typeface="Söhne"/>
+            </a:endParaRPr>
+          </a:p>
+          <a:p>
+            <a:pPr marL="0" indent="0">
+              <a:buNone/>
+            </a:pPr>
+            <a:endParaRPr lang="en-US" sz="3200" dirty="0">
+              <a:solidFill>
+                <a:schemeClr val="tx1"/>
+              </a:solidFill>
+              <a:latin typeface="Söhne"/>
+            </a:endParaRPr>
+          </a:p>
+          <a:p>
+            <a:pPr lvl="1"/>
+            <a:endParaRPr lang="en-US" sz="2900" dirty="0">
+              <a:solidFill>
+                <a:schemeClr val="tx1"/>
+              </a:solidFill>
+              <a:latin typeface="Söhne"/>
+            </a:endParaRPr>
+          </a:p>
+          <a:p>
+            <a:pPr lvl="1"/>
+            <a:endParaRPr lang="en-US" sz="2900" dirty="0">
+              <a:solidFill>
+                <a:schemeClr val="tx1"/>
+              </a:solidFill>
+              <a:latin typeface="Söhne"/>
+            </a:endParaRPr>
+          </a:p>
+          <a:p>
+            <a:pPr marL="324000" lvl="1" indent="0">
+              <a:buNone/>
+            </a:pPr>
+            <a:endParaRPr lang="en-US" sz="2500" dirty="0"/>
+          </a:p>
+          <a:p>
+            <a:pPr marL="0" indent="0">
+              <a:buNone/>
+            </a:pPr>
+            <a:endParaRPr lang="en-US" sz="2800" dirty="0"/>
+          </a:p>
+        </p:txBody>
+      </p:sp>
+    </p:spTree>
+    <p:extLst>
+      <p:ext uri="{BB962C8B-B14F-4D97-AF65-F5344CB8AC3E}">
+        <p14:creationId xmlns:p14="http://schemas.microsoft.com/office/powerpoint/2010/main" val="3412919490"/>
+      </p:ext>
+    </p:extLst>
+  </p:cSld>
+  <p:clrMapOvr>
+    <a:masterClrMapping/>
+  </p:clrMapOvr>
+</p:sld>
+</file>
+
+<file path=ppt/slides/slide3.xml><?xml version="1.0" encoding="utf-8"?>
+<p:sld xmlns:a="http://schemas.openxmlformats.org/drawingml/2006/main" xmlns:r="http://schemas.openxmlformats.org/officeDocument/2006/relationships" xmlns:p="http://schemas.openxmlformats.org/presentationml/2006/main">
+  <p:cSld>
+    <p:spTree>
+      <p:nvGrpSpPr>
+        <p:cNvPr id="1" name=""/>
+        <p:cNvGrpSpPr/>
+        <p:nvPr/>
+      </p:nvGrpSpPr>
+      <p:grpSpPr>
+        <a:xfrm>
+          <a:off x="0" y="0"/>
+          <a:ext cx="0" cy="0"/>
+          <a:chOff x="0" y="0"/>
+          <a:chExt cx="0" cy="0"/>
+        </a:xfrm>
+      </p:grpSpPr>
+      <p:sp>
+        <p:nvSpPr>
+          <p:cNvPr id="2" name="Title 1">
+            <a:extLst>
+              <a:ext uri="{FF2B5EF4-FFF2-40B4-BE49-F238E27FC236}">
+                <a16:creationId xmlns:a16="http://schemas.microsoft.com/office/drawing/2014/main" id="{26BCD111-2C63-8FCD-47B1-3759F26F7A0F}"/>
+              </a:ext>
+            </a:extLst>
+          </p:cNvPr>
+          <p:cNvSpPr>
+            <a:spLocks noGrp="1"/>
+          </p:cNvSpPr>
+          <p:nvPr>
+            <p:ph type="title"/>
+          </p:nvPr>
+        </p:nvSpPr>
+        <p:spPr/>
+        <p:txBody>
+          <a:bodyPr>
+            <a:normAutofit/>
+          </a:bodyPr>
+          <a:lstStyle/>
+          <a:p>
+            <a:r>
+              <a:rPr lang="en-US" sz="3600" dirty="0"/>
+              <a:t>Levels of normalization</a:t>
+            </a:r>
+          </a:p>
+        </p:txBody>
+      </p:sp>
+      <p:sp>
+        <p:nvSpPr>
+          <p:cNvPr id="3" name="Content Placeholder 2">
+            <a:extLst>
+              <a:ext uri="{FF2B5EF4-FFF2-40B4-BE49-F238E27FC236}">
+                <a16:creationId xmlns:a16="http://schemas.microsoft.com/office/drawing/2014/main" id="{6F66D234-E42E-ED7D-86A4-441093949359}"/>
+              </a:ext>
+            </a:extLst>
+          </p:cNvPr>
+          <p:cNvSpPr>
+            <a:spLocks noGrp="1"/>
+          </p:cNvSpPr>
+          <p:nvPr>
+            <p:ph idx="1"/>
+          </p:nvPr>
+        </p:nvSpPr>
+        <p:spPr/>
+        <p:txBody>
+          <a:bodyPr>
+            <a:noAutofit/>
+          </a:bodyPr>
+          <a:lstStyle/>
+          <a:p>
+            <a:r>
+              <a:rPr lang="en-US" sz="2800" dirty="0"/>
+              <a:t>First Normal Form (1NF)</a:t>
+            </a:r>
+          </a:p>
+          <a:p>
+            <a:r>
+              <a:rPr lang="en-US" sz="2800" dirty="0"/>
+              <a:t>Second Normal Form (2NF)</a:t>
+            </a:r>
+          </a:p>
+          <a:p>
+            <a:r>
+              <a:rPr lang="en-US" sz="2800" dirty="0"/>
+              <a:t>Third Normal Form (3NF)</a:t>
+            </a:r>
+          </a:p>
+          <a:p>
+            <a:r>
+              <a:rPr lang="en-US" sz="2800" dirty="0"/>
+              <a:t>Boyce-Codd Normal Form (BCNF)</a:t>
+            </a:r>
+          </a:p>
+          <a:p>
+            <a:r>
+              <a:rPr lang="en-US" sz="2800" dirty="0"/>
+              <a:t>Fourth Normal Form (4NF)</a:t>
+            </a:r>
+          </a:p>
+          <a:p>
+            <a:r>
+              <a:rPr lang="en-US" sz="2800" dirty="0"/>
+              <a:t>Fifth Normal Form (5NF)</a:t>
+            </a:r>
+          </a:p>
+        </p:txBody>
+      </p:sp>
+    </p:spTree>
+    <p:extLst>
+      <p:ext uri="{BB962C8B-B14F-4D97-AF65-F5344CB8AC3E}">
+        <p14:creationId xmlns:p14="http://schemas.microsoft.com/office/powerpoint/2010/main" val="269826999"/>
+      </p:ext>
+    </p:extLst>
+  </p:cSld>
+  <p:clrMapOvr>
+    <a:masterClrMapping/>
+  </p:clrMapOvr>
+</p:sld>
+</file>
+
+<file path=ppt/slides/slide4.xml><?xml version="1.0" encoding="utf-8"?>
+<p:sld xmlns:a="http://schemas.openxmlformats.org/drawingml/2006/main" xmlns:r="http://schemas.openxmlformats.org/officeDocument/2006/relationships" xmlns:p="http://schemas.openxmlformats.org/presentationml/2006/main">
+  <p:cSld>
+    <p:spTree>
+      <p:nvGrpSpPr>
+        <p:cNvPr id="1" name=""/>
+        <p:cNvGrpSpPr/>
+        <p:nvPr/>
+      </p:nvGrpSpPr>
+      <p:grpSpPr>
+        <a:xfrm>
+          <a:off x="0" y="0"/>
+          <a:ext cx="0" cy="0"/>
+          <a:chOff x="0" y="0"/>
+          <a:chExt cx="0" cy="0"/>
+        </a:xfrm>
+      </p:grpSpPr>
+      <p:sp>
+        <p:nvSpPr>
+          <p:cNvPr id="2" name="Title 1">
+            <a:extLst>
+              <a:ext uri="{FF2B5EF4-FFF2-40B4-BE49-F238E27FC236}">
+                <a16:creationId xmlns:a16="http://schemas.microsoft.com/office/drawing/2014/main" id="{E6394761-7A46-3751-3680-8CF55245F9E0}"/>
+              </a:ext>
+            </a:extLst>
+          </p:cNvPr>
+          <p:cNvSpPr>
+            <a:spLocks noGrp="1"/>
+          </p:cNvSpPr>
+          <p:nvPr>
+            <p:ph type="title"/>
+          </p:nvPr>
+        </p:nvSpPr>
+        <p:spPr/>
+        <p:txBody>
+          <a:bodyPr>
+            <a:normAutofit/>
+          </a:bodyPr>
+          <a:lstStyle/>
+          <a:p>
+            <a:r>
+              <a:rPr lang="en-US" sz="3600" dirty="0"/>
+              <a:t>Why do we need database normalization</a:t>
+            </a:r>
+          </a:p>
+        </p:txBody>
+      </p:sp>
+      <p:sp>
+        <p:nvSpPr>
+          <p:cNvPr id="3" name="Content Placeholder 2">
+            <a:extLst>
+              <a:ext uri="{FF2B5EF4-FFF2-40B4-BE49-F238E27FC236}">
+                <a16:creationId xmlns:a16="http://schemas.microsoft.com/office/drawing/2014/main" id="{259FC36D-21DB-3065-3C97-469C66AAEA48}"/>
+              </a:ext>
+            </a:extLst>
+          </p:cNvPr>
+          <p:cNvSpPr>
+            <a:spLocks noGrp="1"/>
+          </p:cNvSpPr>
+          <p:nvPr>
+            <p:ph idx="1"/>
+          </p:nvPr>
+        </p:nvSpPr>
+        <p:spPr/>
+        <p:txBody>
+          <a:bodyPr>
+            <a:normAutofit/>
+          </a:bodyPr>
+          <a:lstStyle/>
+          <a:p>
+            <a:pPr lvl="1"/>
+            <a:endParaRPr lang="en-US" sz="3200" dirty="0">
+              <a:solidFill>
+                <a:schemeClr val="tx1"/>
+              </a:solidFill>
+              <a:latin typeface="Söhne"/>
+            </a:endParaRPr>
+          </a:p>
+          <a:p>
+            <a:pPr lvl="1"/>
+            <a:endParaRPr lang="en-US" sz="3200" dirty="0">
+              <a:solidFill>
+                <a:schemeClr val="tx1"/>
+              </a:solidFill>
+              <a:latin typeface="Söhne"/>
+            </a:endParaRPr>
+          </a:p>
+          <a:p>
+            <a:pPr lvl="1"/>
+            <a:r>
+              <a:rPr lang="en-US" sz="3200" dirty="0">
+                <a:solidFill>
+                  <a:schemeClr val="tx1"/>
+                </a:solidFill>
+                <a:latin typeface="Söhne"/>
+              </a:rPr>
+              <a:t>Eliminating redundancy of data (save storage).</a:t>
+            </a:r>
+            <a:endParaRPr lang="he-IL" sz="3200" dirty="0">
+              <a:solidFill>
+                <a:schemeClr val="tx1"/>
+              </a:solidFill>
+              <a:latin typeface="Söhne"/>
+            </a:endParaRPr>
+          </a:p>
+          <a:p>
+            <a:pPr lvl="1"/>
+            <a:r>
+              <a:rPr lang="en-US" sz="3200" dirty="0">
+                <a:solidFill>
+                  <a:schemeClr val="tx1"/>
+                </a:solidFill>
+                <a:latin typeface="Söhne"/>
+              </a:rPr>
+              <a:t>Make the database SQL friendly.</a:t>
+            </a:r>
+          </a:p>
+          <a:p>
+            <a:pPr lvl="1"/>
+            <a:r>
+              <a:rPr lang="en-US" sz="3200" dirty="0">
+                <a:solidFill>
+                  <a:schemeClr val="tx1"/>
+                </a:solidFill>
+                <a:latin typeface="Söhne"/>
+              </a:rPr>
+              <a:t>Make the database human friendly.</a:t>
+            </a:r>
+          </a:p>
+          <a:p>
+            <a:pPr lvl="1"/>
+            <a:endParaRPr lang="he-IL" sz="3200" dirty="0">
+              <a:solidFill>
+                <a:schemeClr val="tx1"/>
+              </a:solidFill>
+              <a:latin typeface="Söhne"/>
+            </a:endParaRPr>
+          </a:p>
+          <a:p>
+            <a:pPr lvl="1"/>
+            <a:endParaRPr lang="en-US" sz="3200" dirty="0">
+              <a:solidFill>
+                <a:schemeClr val="tx1"/>
+              </a:solidFill>
+              <a:latin typeface="Söhne"/>
+            </a:endParaRPr>
+          </a:p>
+          <a:p>
+            <a:pPr marL="0" indent="0">
+              <a:buNone/>
+            </a:pPr>
+            <a:endParaRPr lang="en-US" dirty="0"/>
+          </a:p>
+        </p:txBody>
+      </p:sp>
+    </p:spTree>
+    <p:extLst>
+      <p:ext uri="{BB962C8B-B14F-4D97-AF65-F5344CB8AC3E}">
+        <p14:creationId xmlns:p14="http://schemas.microsoft.com/office/powerpoint/2010/main" val="228755143"/>
+      </p:ext>
+    </p:extLst>
+  </p:cSld>
+  <p:clrMapOvr>
+    <a:masterClrMapping/>
+  </p:clrMapOvr>
+</p:sld>
+</file>
+
+<file path=ppt/slides/slide5.xml><?xml version="1.0" encoding="utf-8"?>
+<p:sld xmlns:a="http://schemas.openxmlformats.org/drawingml/2006/main" xmlns:r="http://schemas.openxmlformats.org/officeDocument/2006/relationships" xmlns:p="http://schemas.openxmlformats.org/presentationml/2006/main">
+  <p:cSld>
+    <p:spTree>
+      <p:nvGrpSpPr>
+        <p:cNvPr id="1" name=""/>
+        <p:cNvGrpSpPr/>
+        <p:nvPr/>
+      </p:nvGrpSpPr>
+      <p:grpSpPr>
+        <a:xfrm>
+          <a:off x="0" y="0"/>
+          <a:ext cx="0" cy="0"/>
+          <a:chOff x="0" y="0"/>
+          <a:chExt cx="0" cy="0"/>
+        </a:xfrm>
+      </p:grpSpPr>
+      <p:sp>
+        <p:nvSpPr>
+          <p:cNvPr id="2" name="Title 1">
+            <a:extLst>
+              <a:ext uri="{FF2B5EF4-FFF2-40B4-BE49-F238E27FC236}">
+                <a16:creationId xmlns:a16="http://schemas.microsoft.com/office/drawing/2014/main" id="{032F083B-7725-14A4-CE35-B49E0399927A}"/>
+              </a:ext>
+            </a:extLst>
+          </p:cNvPr>
+          <p:cNvSpPr>
+            <a:spLocks noGrp="1"/>
+          </p:cNvSpPr>
+          <p:nvPr>
+            <p:ph type="title"/>
+          </p:nvPr>
+        </p:nvSpPr>
+        <p:spPr/>
+        <p:txBody>
+          <a:bodyPr>
+            <a:normAutofit/>
+          </a:bodyPr>
+          <a:lstStyle/>
+          <a:p>
+            <a:r>
+              <a:rPr lang="en-US" sz="3600" dirty="0"/>
+              <a:t>First normal form (1nf)</a:t>
+            </a:r>
+          </a:p>
+        </p:txBody>
+      </p:sp>
+      <p:sp>
+        <p:nvSpPr>
+          <p:cNvPr id="3" name="Content Placeholder 2">
+            <a:extLst>
+              <a:ext uri="{FF2B5EF4-FFF2-40B4-BE49-F238E27FC236}">
+                <a16:creationId xmlns:a16="http://schemas.microsoft.com/office/drawing/2014/main" id="{35FB38F5-6130-927C-C90C-BC9E06F465F4}"/>
+              </a:ext>
+            </a:extLst>
+          </p:cNvPr>
+          <p:cNvSpPr>
+            <a:spLocks noGrp="1"/>
+          </p:cNvSpPr>
+          <p:nvPr>
+            <p:ph idx="1"/>
+          </p:nvPr>
+        </p:nvSpPr>
+        <p:spPr>
+          <a:xfrm>
+            <a:off x="1030897" y="2363349"/>
+            <a:ext cx="11029615" cy="3634486"/>
+          </a:xfrm>
+        </p:spPr>
+        <p:txBody>
+          <a:bodyPr/>
+          <a:lstStyle/>
+          <a:p>
+            <a:pPr algn="l">
+              <a:buFont typeface="Arial" panose="020B0604020202020204" pitchFamily="34" charset="0"/>
+              <a:buChar char="•"/>
+            </a:pPr>
+            <a:r>
+              <a:rPr lang="en-US" sz="3200" dirty="0">
+                <a:solidFill>
+                  <a:schemeClr val="tx1"/>
+                </a:solidFill>
+                <a:latin typeface="Söhne"/>
+              </a:rPr>
+              <a:t>U</a:t>
+            </a:r>
+            <a:r>
+              <a:rPr lang="en-US" sz="3200" b="0" i="0" dirty="0">
+                <a:solidFill>
+                  <a:schemeClr val="tx1"/>
+                </a:solidFill>
+                <a:effectLst/>
+                <a:latin typeface="Söhne"/>
+              </a:rPr>
+              <a:t>niquely identify rows with a primary key.</a:t>
+            </a:r>
+          </a:p>
+          <a:p>
+            <a:pPr>
+              <a:buFont typeface="Arial" panose="020B0604020202020204" pitchFamily="34" charset="0"/>
+              <a:buChar char="•"/>
+            </a:pPr>
+            <a:r>
+              <a:rPr lang="en-US" sz="3200" dirty="0">
+                <a:solidFill>
+                  <a:schemeClr val="tx1"/>
+                </a:solidFill>
+                <a:latin typeface="Söhne"/>
+              </a:rPr>
+              <a:t>The order does not matter.</a:t>
+            </a:r>
+            <a:endParaRPr lang="he-IL" sz="3200" dirty="0">
+              <a:solidFill>
+                <a:schemeClr val="tx1"/>
+              </a:solidFill>
+              <a:latin typeface="Söhne"/>
+            </a:endParaRPr>
+          </a:p>
+          <a:p>
+            <a:pPr>
+              <a:buFont typeface="Arial" panose="020B0604020202020204" pitchFamily="34" charset="0"/>
+              <a:buChar char="•"/>
+            </a:pPr>
+            <a:r>
+              <a:rPr lang="en-US" sz="3200" b="0" i="0" dirty="0">
+                <a:solidFill>
+                  <a:schemeClr val="tx1"/>
+                </a:solidFill>
+                <a:effectLst/>
+                <a:latin typeface="Söhne"/>
+              </a:rPr>
+              <a:t>Values in each column must be indivisible.</a:t>
+            </a:r>
+          </a:p>
+          <a:p>
+            <a:pPr marL="0" indent="0">
+              <a:buNone/>
+            </a:pPr>
+            <a:endParaRPr lang="en-US" dirty="0"/>
+          </a:p>
+        </p:txBody>
+      </p:sp>
+    </p:spTree>
+    <p:extLst>
+      <p:ext uri="{BB962C8B-B14F-4D97-AF65-F5344CB8AC3E}">
+        <p14:creationId xmlns:p14="http://schemas.microsoft.com/office/powerpoint/2010/main" val="2397092219"/>
+      </p:ext>
+    </p:extLst>
+  </p:cSld>
+  <p:clrMapOvr>
+    <a:masterClrMapping/>
+  </p:clrMapOvr>
+</p:sld>
+</file>
+
+<file path=ppt/slides/slide6.xml><?xml version="1.0" encoding="utf-8"?>
+<p:sld xmlns:a="http://schemas.openxmlformats.org/drawingml/2006/main" xmlns:r="http://schemas.openxmlformats.org/officeDocument/2006/relationships" xmlns:p="http://schemas.openxmlformats.org/presentationml/2006/main">
+  <p:cSld>
+    <p:spTree>
+      <p:nvGrpSpPr>
+        <p:cNvPr id="1" name=""/>
+        <p:cNvGrpSpPr/>
+        <p:nvPr/>
+      </p:nvGrpSpPr>
+      <p:grpSpPr>
+        <a:xfrm>
+          <a:off x="0" y="0"/>
+          <a:ext cx="0" cy="0"/>
+          <a:chOff x="0" y="0"/>
+          <a:chExt cx="0" cy="0"/>
+        </a:xfrm>
+      </p:grpSpPr>
+      <p:sp>
+        <p:nvSpPr>
+          <p:cNvPr id="2" name="Title 1">
+            <a:extLst>
+              <a:ext uri="{FF2B5EF4-FFF2-40B4-BE49-F238E27FC236}">
+                <a16:creationId xmlns:a16="http://schemas.microsoft.com/office/drawing/2014/main" id="{974754DB-2B06-8A30-ACB1-5D4B8BF23EFF}"/>
+              </a:ext>
+            </a:extLst>
+          </p:cNvPr>
+          <p:cNvSpPr>
+            <a:spLocks noGrp="1"/>
+          </p:cNvSpPr>
+          <p:nvPr>
+            <p:ph type="title"/>
+          </p:nvPr>
+        </p:nvSpPr>
+        <p:spPr/>
+        <p:txBody>
+          <a:bodyPr/>
+          <a:lstStyle/>
+          <a:p>
+            <a:r>
+              <a:rPr lang="en-US" dirty="0"/>
+              <a:t>217 food table</a:t>
+            </a:r>
+          </a:p>
+        </p:txBody>
+      </p:sp>
+      <p:graphicFrame>
+        <p:nvGraphicFramePr>
+          <p:cNvPr id="4" name="Content Placeholder 3">
+            <a:extLst>
+              <a:ext uri="{FF2B5EF4-FFF2-40B4-BE49-F238E27FC236}">
+                <a16:creationId xmlns:a16="http://schemas.microsoft.com/office/drawing/2014/main" id="{D180CA28-57C7-D275-C24A-76693E73ED69}"/>
+              </a:ext>
+            </a:extLst>
+          </p:cNvPr>
+          <p:cNvGraphicFramePr>
+            <a:graphicFrameLocks noGrp="1"/>
+          </p:cNvGraphicFramePr>
+          <p:nvPr>
+            <p:ph idx="1"/>
+            <p:extLst>
+              <p:ext uri="{D42A27DB-BD31-4B8C-83A1-F6EECF244321}">
+                <p14:modId xmlns:p14="http://schemas.microsoft.com/office/powerpoint/2010/main" val="1832976597"/>
+              </p:ext>
+            </p:extLst>
+          </p:nvPr>
+        </p:nvGraphicFramePr>
+        <p:xfrm>
+          <a:off x="1531506" y="2352675"/>
+          <a:ext cx="8031593" cy="2312496"/>
+        </p:xfrm>
+        <a:graphic>
+          <a:graphicData uri="http://schemas.openxmlformats.org/drawingml/2006/table">
+            <a:tbl>
+              <a:tblPr firstRow="1" bandRow="1">
+                <a:tableStyleId>{5C22544A-7EE6-4342-B048-85BDC9FD1C3A}</a:tableStyleId>
+              </a:tblPr>
+              <a:tblGrid>
+                <a:gridCol w="4006914">
+                  <a:extLst>
+                    <a:ext uri="{9D8B030D-6E8A-4147-A177-3AD203B41FA5}">
+                      <a16:colId xmlns:a16="http://schemas.microsoft.com/office/drawing/2014/main" val="3499784174"/>
+                    </a:ext>
+                  </a:extLst>
+                </a:gridCol>
+                <a:gridCol w="4024679">
+                  <a:extLst>
+                    <a:ext uri="{9D8B030D-6E8A-4147-A177-3AD203B41FA5}">
+                      <a16:colId xmlns:a16="http://schemas.microsoft.com/office/drawing/2014/main" val="4208762380"/>
+                    </a:ext>
+                  </a:extLst>
+                </a:gridCol>
+              </a:tblGrid>
+              <a:tr h="618213">
+                <a:tc>
+                  <a:txBody>
+                    <a:bodyPr/>
+                    <a:lstStyle/>
+                    <a:p>
+                      <a:r>
+                        <a:rPr lang="en-US" sz="2000" dirty="0">
+                          <a:solidFill>
+                            <a:srgbClr val="FFFF00"/>
+                          </a:solidFill>
+                        </a:rPr>
+                        <a:t>name</a:t>
+                      </a:r>
+                    </a:p>
+                  </a:txBody>
+                  <a:tcPr/>
+                </a:tc>
+                <a:tc>
+                  <a:txBody>
+                    <a:bodyPr/>
+                    <a:lstStyle/>
+                    <a:p>
+                      <a:r>
+                        <a:rPr lang="en-US" sz="2000" dirty="0"/>
+                        <a:t>food_and_quantity</a:t>
+                      </a:r>
+                    </a:p>
+                  </a:txBody>
+                  <a:tcPr/>
+                </a:tc>
+                <a:extLst>
+                  <a:ext uri="{0D108BD9-81ED-4DB2-BD59-A6C34878D82A}">
+                    <a16:rowId xmlns:a16="http://schemas.microsoft.com/office/drawing/2014/main" val="3477049431"/>
+                  </a:ext>
+                </a:extLst>
+              </a:tr>
+              <a:tr h="573900">
+                <a:tc>
+                  <a:txBody>
+                    <a:bodyPr/>
+                    <a:lstStyle/>
+                    <a:p>
+                      <a:r>
+                        <a:rPr lang="en-US" sz="2000" dirty="0"/>
+                        <a:t>Amit</a:t>
+                      </a:r>
+                    </a:p>
+                  </a:txBody>
+                  <a:tcPr/>
+                </a:tc>
+                <a:tc>
+                  <a:txBody>
+                    <a:bodyPr/>
+                    <a:lstStyle/>
+                    <a:p>
+                      <a:r>
+                        <a:rPr lang="en-US" sz="2000" dirty="0"/>
+                        <a:t>3 Pizzas, 20 cookies, 5 cakes</a:t>
+                      </a:r>
+                    </a:p>
+                  </a:txBody>
+                  <a:tcPr/>
+                </a:tc>
+                <a:extLst>
+                  <a:ext uri="{0D108BD9-81ED-4DB2-BD59-A6C34878D82A}">
+                    <a16:rowId xmlns:a16="http://schemas.microsoft.com/office/drawing/2014/main" val="2387999232"/>
+                  </a:ext>
+                </a:extLst>
+              </a:tr>
+              <a:tr h="589062">
+                <a:tc>
+                  <a:txBody>
+                    <a:bodyPr/>
+                    <a:lstStyle/>
+                    <a:p>
+                      <a:r>
+                        <a:rPr lang="en-US" sz="2000" dirty="0"/>
+                        <a:t>Eli</a:t>
+                      </a:r>
+                    </a:p>
+                  </a:txBody>
+                  <a:tcPr/>
+                </a:tc>
+                <a:tc>
+                  <a:txBody>
+                    <a:bodyPr/>
+                    <a:lstStyle/>
+                    <a:p>
+                      <a:r>
+                        <a:rPr lang="en-US" sz="2000" dirty="0"/>
+                        <a:t>50 schnitzels</a:t>
+                      </a:r>
+                    </a:p>
+                  </a:txBody>
+                  <a:tcPr/>
+                </a:tc>
+                <a:extLst>
+                  <a:ext uri="{0D108BD9-81ED-4DB2-BD59-A6C34878D82A}">
+                    <a16:rowId xmlns:a16="http://schemas.microsoft.com/office/drawing/2014/main" val="994476310"/>
+                  </a:ext>
+                </a:extLst>
+              </a:tr>
+              <a:tr h="531321">
+                <a:tc>
+                  <a:txBody>
+                    <a:bodyPr/>
+                    <a:lstStyle/>
+                    <a:p>
+                      <a:r>
+                        <a:rPr lang="en-US" sz="2000" dirty="0"/>
+                        <a:t>Nuriel</a:t>
+                      </a:r>
+                    </a:p>
+                  </a:txBody>
+                  <a:tcPr/>
+                </a:tc>
+                <a:tc>
+                  <a:txBody>
+                    <a:bodyPr/>
+                    <a:lstStyle/>
+                    <a:p>
+                      <a:r>
+                        <a:rPr lang="en-US" sz="2000" dirty="0"/>
+                        <a:t>10 schnitzels, 5 Doritos</a:t>
+                      </a:r>
+                    </a:p>
+                  </a:txBody>
+                  <a:tcPr/>
+                </a:tc>
+                <a:extLst>
+                  <a:ext uri="{0D108BD9-81ED-4DB2-BD59-A6C34878D82A}">
+                    <a16:rowId xmlns:a16="http://schemas.microsoft.com/office/drawing/2014/main" val="3326236706"/>
+                  </a:ext>
+                </a:extLst>
+              </a:tr>
+            </a:tbl>
+          </a:graphicData>
+        </a:graphic>
+      </p:graphicFrame>
+      <p:sp>
+        <p:nvSpPr>
+          <p:cNvPr id="5" name="TextBox 4">
+            <a:extLst>
+              <a:ext uri="{FF2B5EF4-FFF2-40B4-BE49-F238E27FC236}">
+                <a16:creationId xmlns:a16="http://schemas.microsoft.com/office/drawing/2014/main" id="{BAB9A7A2-99CE-6BFA-46A5-3B34A99D2B00}"/>
+              </a:ext>
+            </a:extLst>
+          </p:cNvPr>
+          <p:cNvSpPr txBox="1"/>
+          <p:nvPr/>
+        </p:nvSpPr>
+        <p:spPr>
+          <a:xfrm>
+            <a:off x="2381250" y="5234285"/>
+            <a:ext cx="6096000" cy="1200329"/>
+          </a:xfrm>
+          <a:prstGeom prst="rect">
+            <a:avLst/>
+          </a:prstGeom>
+          <a:noFill/>
+        </p:spPr>
+        <p:txBody>
+          <a:bodyPr wrap="square">
+            <a:spAutoFit/>
+          </a:bodyPr>
+          <a:lstStyle/>
+          <a:p>
+            <a:pPr algn="l"/>
+            <a:r>
+              <a:rPr lang="en-US" sz="2400" b="0" i="0" dirty="0">
+                <a:solidFill>
+                  <a:srgbClr val="00B050"/>
+                </a:solidFill>
+                <a:effectLst/>
+                <a:latin typeface="Söhne"/>
+              </a:rPr>
+              <a:t>uniquely identify rows with a primary key.</a:t>
+            </a:r>
+            <a:endParaRPr lang="he-IL" sz="2400" b="0" i="0" dirty="0">
+              <a:solidFill>
+                <a:srgbClr val="00B050"/>
+              </a:solidFill>
+              <a:effectLst/>
+              <a:latin typeface="Söhne"/>
+            </a:endParaRPr>
+          </a:p>
+          <a:p>
+            <a:r>
+              <a:rPr lang="en-US" sz="2400" dirty="0">
+                <a:solidFill>
+                  <a:srgbClr val="00B050"/>
+                </a:solidFill>
+                <a:latin typeface="Söhne"/>
+              </a:rPr>
+              <a:t>The order does not matter. </a:t>
+            </a:r>
+            <a:endParaRPr lang="en-US" sz="2400" b="0" i="0" dirty="0">
+              <a:solidFill>
+                <a:srgbClr val="00B050"/>
+              </a:solidFill>
+              <a:effectLst/>
+              <a:latin typeface="Söhne"/>
+            </a:endParaRPr>
+          </a:p>
+          <a:p>
+            <a:pPr algn="l"/>
+            <a:r>
+              <a:rPr lang="en-US" sz="2400" b="0" i="0" dirty="0">
+                <a:solidFill>
+                  <a:srgbClr val="C00000"/>
+                </a:solidFill>
+                <a:effectLst/>
+                <a:latin typeface="Söhne"/>
+              </a:rPr>
+              <a:t>Values in each column must be indivisible.</a:t>
+            </a:r>
+          </a:p>
+        </p:txBody>
+      </p:sp>
+    </p:spTree>
+    <p:extLst>
+      <p:ext uri="{BB962C8B-B14F-4D97-AF65-F5344CB8AC3E}">
+        <p14:creationId xmlns:p14="http://schemas.microsoft.com/office/powerpoint/2010/main" val="642841765"/>
+      </p:ext>
+    </p:extLst>
+  </p:cSld>
+  <p:clrMapOvr>
+    <a:masterClrMapping/>
+  </p:clrMapOvr>
+</p:sld>
+</file>
+
+<file path=ppt/slides/slide7.xml><?xml version="1.0" encoding="utf-8"?>
+<p:sld xmlns:a="http://schemas.openxmlformats.org/drawingml/2006/main" xmlns:r="http://schemas.openxmlformats.org/officeDocument/2006/relationships" xmlns:p="http://schemas.openxmlformats.org/presentationml/2006/main">
+  <p:cSld>
+    <p:spTree>
+      <p:nvGrpSpPr>
+        <p:cNvPr id="1" name=""/>
+        <p:cNvGrpSpPr/>
+        <p:nvPr/>
+      </p:nvGrpSpPr>
+      <p:grpSpPr>
+        <a:xfrm>
+          <a:off x="0" y="0"/>
+          <a:ext cx="0" cy="0"/>
+          <a:chOff x="0" y="0"/>
+          <a:chExt cx="0" cy="0"/>
+        </a:xfrm>
+      </p:grpSpPr>
+      <p:sp>
+        <p:nvSpPr>
+          <p:cNvPr id="2" name="Title 1">
+            <a:extLst>
+              <a:ext uri="{FF2B5EF4-FFF2-40B4-BE49-F238E27FC236}">
+                <a16:creationId xmlns:a16="http://schemas.microsoft.com/office/drawing/2014/main" id="{2451AFB2-9829-951F-CB93-C13F2C09B532}"/>
+              </a:ext>
+            </a:extLst>
+          </p:cNvPr>
+          <p:cNvSpPr>
+            <a:spLocks noGrp="1"/>
+          </p:cNvSpPr>
+          <p:nvPr>
+            <p:ph type="title"/>
+          </p:nvPr>
+        </p:nvSpPr>
+        <p:spPr/>
+        <p:txBody>
+          <a:bodyPr>
+            <a:normAutofit/>
+          </a:bodyPr>
+          <a:lstStyle/>
+          <a:p>
+            <a:r>
+              <a:rPr lang="en-US" sz="3600" dirty="0"/>
+              <a:t>Corrected Table</a:t>
+            </a:r>
+          </a:p>
+        </p:txBody>
+      </p:sp>
+      <p:graphicFrame>
+        <p:nvGraphicFramePr>
+          <p:cNvPr id="4" name="Content Placeholder 3">
+            <a:extLst>
+              <a:ext uri="{FF2B5EF4-FFF2-40B4-BE49-F238E27FC236}">
+                <a16:creationId xmlns:a16="http://schemas.microsoft.com/office/drawing/2014/main" id="{8B65DE85-743F-892E-C3B2-B230B95CF824}"/>
+              </a:ext>
+            </a:extLst>
+          </p:cNvPr>
+          <p:cNvGraphicFramePr>
+            <a:graphicFrameLocks noGrp="1"/>
+          </p:cNvGraphicFramePr>
+          <p:nvPr>
+            <p:ph idx="1"/>
+            <p:extLst>
+              <p:ext uri="{D42A27DB-BD31-4B8C-83A1-F6EECF244321}">
+                <p14:modId xmlns:p14="http://schemas.microsoft.com/office/powerpoint/2010/main" val="1579086880"/>
+              </p:ext>
+            </p:extLst>
+          </p:nvPr>
+        </p:nvGraphicFramePr>
+        <p:xfrm>
+          <a:off x="2116269" y="2493182"/>
+          <a:ext cx="7353300" cy="3137869"/>
+        </p:xfrm>
+        <a:graphic>
+          <a:graphicData uri="http://schemas.openxmlformats.org/drawingml/2006/table">
+            <a:tbl>
+              <a:tblPr firstRow="1" bandRow="1">
+                <a:tableStyleId>{5C22544A-7EE6-4342-B048-85BDC9FD1C3A}</a:tableStyleId>
+              </a:tblPr>
+              <a:tblGrid>
+                <a:gridCol w="1722306">
+                  <a:extLst>
+                    <a:ext uri="{9D8B030D-6E8A-4147-A177-3AD203B41FA5}">
+                      <a16:colId xmlns:a16="http://schemas.microsoft.com/office/drawing/2014/main" val="1899796358"/>
+                    </a:ext>
+                  </a:extLst>
+                </a:gridCol>
+                <a:gridCol w="3179894">
+                  <a:extLst>
+                    <a:ext uri="{9D8B030D-6E8A-4147-A177-3AD203B41FA5}">
+                      <a16:colId xmlns:a16="http://schemas.microsoft.com/office/drawing/2014/main" val="2870855517"/>
+                    </a:ext>
+                  </a:extLst>
+                </a:gridCol>
+                <a:gridCol w="2451100">
+                  <a:extLst>
+                    <a:ext uri="{9D8B030D-6E8A-4147-A177-3AD203B41FA5}">
+                      <a16:colId xmlns:a16="http://schemas.microsoft.com/office/drawing/2014/main" val="995034559"/>
+                    </a:ext>
+                  </a:extLst>
+                </a:gridCol>
+              </a:tblGrid>
+              <a:tr h="586608">
+                <a:tc>
+                  <a:txBody>
+                    <a:bodyPr/>
+                    <a:lstStyle/>
+                    <a:p>
+                      <a:r>
+                        <a:rPr lang="en-US" sz="2000" dirty="0">
+                          <a:solidFill>
+                            <a:srgbClr val="FFFF00"/>
+                          </a:solidFill>
+                        </a:rPr>
+                        <a:t>name</a:t>
+                      </a:r>
+                    </a:p>
+                  </a:txBody>
+                  <a:tcPr/>
+                </a:tc>
+                <a:tc>
+                  <a:txBody>
+                    <a:bodyPr/>
+                    <a:lstStyle/>
+                    <a:p>
+                      <a:r>
+                        <a:rPr lang="en-US" sz="2000" dirty="0">
+                          <a:solidFill>
+                            <a:srgbClr val="FFFF00"/>
+                          </a:solidFill>
+                        </a:rPr>
+                        <a:t>food</a:t>
+                      </a:r>
+                    </a:p>
+                  </a:txBody>
+                  <a:tcPr/>
+                </a:tc>
+                <a:tc>
+                  <a:txBody>
+                    <a:bodyPr/>
+                    <a:lstStyle/>
+                    <a:p>
+                      <a:r>
+                        <a:rPr lang="en-US" sz="2000" dirty="0"/>
+                        <a:t>quantity</a:t>
+                      </a:r>
+                    </a:p>
+                  </a:txBody>
+                  <a:tcPr/>
+                </a:tc>
+                <a:extLst>
+                  <a:ext uri="{0D108BD9-81ED-4DB2-BD59-A6C34878D82A}">
+                    <a16:rowId xmlns:a16="http://schemas.microsoft.com/office/drawing/2014/main" val="2329181652"/>
+                  </a:ext>
+                </a:extLst>
+              </a:tr>
+              <a:tr h="366588">
+                <a:tc>
+                  <a:txBody>
+                    <a:bodyPr/>
+                    <a:lstStyle/>
+                    <a:p>
+                      <a:r>
+                        <a:rPr lang="en-US" sz="2000" dirty="0"/>
+                        <a:t>Amit</a:t>
+                      </a:r>
+                    </a:p>
+                  </a:txBody>
+                  <a:tcPr/>
+                </a:tc>
+                <a:tc>
+                  <a:txBody>
+                    <a:bodyPr/>
+                    <a:lstStyle/>
+                    <a:p>
+                      <a:r>
+                        <a:rPr lang="en-US" sz="2000" dirty="0"/>
+                        <a:t>Pizza</a:t>
+                      </a:r>
+                    </a:p>
+                  </a:txBody>
+                  <a:tcPr/>
+                </a:tc>
+                <a:tc>
+                  <a:txBody>
+                    <a:bodyPr/>
+                    <a:lstStyle/>
+                    <a:p>
+                      <a:r>
+                        <a:rPr lang="en-US" sz="2000" dirty="0"/>
+                        <a:t>3</a:t>
+                      </a:r>
+                    </a:p>
+                  </a:txBody>
+                  <a:tcPr/>
+                </a:tc>
+                <a:extLst>
+                  <a:ext uri="{0D108BD9-81ED-4DB2-BD59-A6C34878D82A}">
+                    <a16:rowId xmlns:a16="http://schemas.microsoft.com/office/drawing/2014/main" val="3463929210"/>
+                  </a:ext>
+                </a:extLst>
+              </a:tr>
+              <a:tr h="394057">
+                <a:tc>
+                  <a:txBody>
+                    <a:bodyPr/>
+                    <a:lstStyle/>
+                    <a:p>
+                      <a:pPr marL="0" marR="0" lvl="0" indent="0" algn="l" defTabSz="457200" rtl="0" eaLnBrk="1" fontAlgn="auto" latinLnBrk="0" hangingPunct="1">
+                        <a:lnSpc>
+                          <a:spcPct val="100000"/>
+                        </a:lnSpc>
+                        <a:spcBef>
+                          <a:spcPts val="0"/>
+                        </a:spcBef>
+                        <a:spcAft>
+                          <a:spcPts val="0"/>
+                        </a:spcAft>
+                        <a:buClrTx/>
+                        <a:buSzTx/>
+                        <a:buFontTx/>
+                        <a:buNone/>
+                        <a:tabLst/>
+                        <a:defRPr/>
+                      </a:pPr>
+                      <a:r>
+                        <a:rPr lang="en-US" sz="2000" dirty="0"/>
+                        <a:t>Amit</a:t>
+                      </a:r>
+                    </a:p>
+                  </a:txBody>
+                  <a:tcPr/>
+                </a:tc>
+                <a:tc>
+                  <a:txBody>
+                    <a:bodyPr/>
+                    <a:lstStyle/>
+                    <a:p>
+                      <a:r>
+                        <a:rPr lang="en-US" sz="2000" dirty="0"/>
+                        <a:t>cookies</a:t>
+                      </a:r>
+                    </a:p>
+                  </a:txBody>
+                  <a:tcPr/>
+                </a:tc>
+                <a:tc>
+                  <a:txBody>
+                    <a:bodyPr/>
+                    <a:lstStyle/>
+                    <a:p>
+                      <a:r>
+                        <a:rPr lang="en-US" sz="2000" dirty="0"/>
+                        <a:t>20</a:t>
+                      </a:r>
+                    </a:p>
+                  </a:txBody>
+                  <a:tcPr/>
+                </a:tc>
+                <a:extLst>
+                  <a:ext uri="{0D108BD9-81ED-4DB2-BD59-A6C34878D82A}">
+                    <a16:rowId xmlns:a16="http://schemas.microsoft.com/office/drawing/2014/main" val="745115785"/>
+                  </a:ext>
+                </a:extLst>
+              </a:tr>
+              <a:tr h="366588">
+                <a:tc>
+                  <a:txBody>
+                    <a:bodyPr/>
+                    <a:lstStyle/>
+                    <a:p>
+                      <a:pPr marL="0" marR="0" lvl="0" indent="0" algn="l" defTabSz="457200" rtl="0" eaLnBrk="1" fontAlgn="auto" latinLnBrk="0" hangingPunct="1">
+                        <a:lnSpc>
+                          <a:spcPct val="100000"/>
+                        </a:lnSpc>
+                        <a:spcBef>
+                          <a:spcPts val="0"/>
+                        </a:spcBef>
+                        <a:spcAft>
+                          <a:spcPts val="0"/>
+                        </a:spcAft>
+                        <a:buClrTx/>
+                        <a:buSzTx/>
+                        <a:buFontTx/>
+                        <a:buNone/>
+                        <a:tabLst/>
+                        <a:defRPr/>
+                      </a:pPr>
+                      <a:r>
+                        <a:rPr lang="en-US" sz="2000" dirty="0"/>
+                        <a:t>Amit</a:t>
+                      </a:r>
+                    </a:p>
+                  </a:txBody>
+                  <a:tcPr/>
+                </a:tc>
+                <a:tc>
+                  <a:txBody>
+                    <a:bodyPr/>
+                    <a:lstStyle/>
+                    <a:p>
+                      <a:r>
+                        <a:rPr lang="en-US" sz="2000" dirty="0"/>
+                        <a:t>cake</a:t>
+                      </a:r>
+                    </a:p>
+                  </a:txBody>
+                  <a:tcPr/>
+                </a:tc>
+                <a:tc>
+                  <a:txBody>
+                    <a:bodyPr/>
+                    <a:lstStyle/>
+                    <a:p>
+                      <a:r>
+                        <a:rPr lang="en-US" sz="2000" dirty="0"/>
+                        <a:t>2</a:t>
+                      </a:r>
+                    </a:p>
+                  </a:txBody>
+                  <a:tcPr/>
+                </a:tc>
+                <a:extLst>
+                  <a:ext uri="{0D108BD9-81ED-4DB2-BD59-A6C34878D82A}">
+                    <a16:rowId xmlns:a16="http://schemas.microsoft.com/office/drawing/2014/main" val="2131333335"/>
+                  </a:ext>
+                </a:extLst>
+              </a:tr>
+              <a:tr h="418944">
+                <a:tc>
+                  <a:txBody>
+                    <a:bodyPr/>
+                    <a:lstStyle/>
+                    <a:p>
+                      <a:r>
+                        <a:rPr lang="en-US" sz="2000" dirty="0"/>
+                        <a:t>Eli</a:t>
+                      </a:r>
+                    </a:p>
+                  </a:txBody>
+                  <a:tcPr/>
+                </a:tc>
+                <a:tc>
+                  <a:txBody>
+                    <a:bodyPr/>
+                    <a:lstStyle/>
+                    <a:p>
+                      <a:r>
+                        <a:rPr lang="en-US" sz="2000" dirty="0"/>
+                        <a:t>schnitzels</a:t>
+                      </a:r>
+                    </a:p>
+                  </a:txBody>
+                  <a:tcPr/>
+                </a:tc>
+                <a:tc>
+                  <a:txBody>
+                    <a:bodyPr/>
+                    <a:lstStyle/>
+                    <a:p>
+                      <a:r>
+                        <a:rPr lang="en-US" sz="2000" dirty="0"/>
+                        <a:t>50</a:t>
+                      </a:r>
+                    </a:p>
+                  </a:txBody>
+                  <a:tcPr/>
+                </a:tc>
+                <a:extLst>
+                  <a:ext uri="{0D108BD9-81ED-4DB2-BD59-A6C34878D82A}">
+                    <a16:rowId xmlns:a16="http://schemas.microsoft.com/office/drawing/2014/main" val="1307833599"/>
+                  </a:ext>
+                </a:extLst>
+              </a:tr>
+              <a:tr h="547357">
+                <a:tc>
+                  <a:txBody>
+                    <a:bodyPr/>
+                    <a:lstStyle/>
+                    <a:p>
+                      <a:r>
+                        <a:rPr lang="en-US" sz="2000" dirty="0"/>
+                        <a:t>Nuriel</a:t>
+                      </a:r>
+                    </a:p>
+                  </a:txBody>
+                  <a:tcPr/>
+                </a:tc>
+                <a:tc>
+                  <a:txBody>
+                    <a:bodyPr/>
+                    <a:lstStyle/>
+                    <a:p>
+                      <a:r>
+                        <a:rPr lang="en-US" sz="2000" dirty="0"/>
+                        <a:t>schnitzels</a:t>
+                      </a:r>
+                    </a:p>
+                  </a:txBody>
+                  <a:tcPr/>
+                </a:tc>
+                <a:tc>
+                  <a:txBody>
+                    <a:bodyPr/>
+                    <a:lstStyle/>
+                    <a:p>
+                      <a:r>
+                        <a:rPr lang="en-US" sz="2000" dirty="0"/>
+                        <a:t>10</a:t>
+                      </a:r>
+                    </a:p>
+                  </a:txBody>
+                  <a:tcPr/>
+                </a:tc>
+                <a:extLst>
+                  <a:ext uri="{0D108BD9-81ED-4DB2-BD59-A6C34878D82A}">
+                    <a16:rowId xmlns:a16="http://schemas.microsoft.com/office/drawing/2014/main" val="1749861965"/>
+                  </a:ext>
+                </a:extLst>
+              </a:tr>
+              <a:tr h="365893">
+                <a:tc>
+                  <a:txBody>
+                    <a:bodyPr/>
+                    <a:lstStyle/>
+                    <a:p>
+                      <a:r>
+                        <a:rPr lang="en-US" sz="2000" dirty="0"/>
+                        <a:t>Nuriel</a:t>
+                      </a:r>
+                    </a:p>
+                  </a:txBody>
+                  <a:tcPr/>
+                </a:tc>
+                <a:tc>
+                  <a:txBody>
+                    <a:bodyPr/>
+                    <a:lstStyle/>
+                    <a:p>
+                      <a:r>
+                        <a:rPr lang="en-US" sz="2000" dirty="0"/>
+                        <a:t>Doritos</a:t>
+                      </a:r>
+                    </a:p>
+                  </a:txBody>
+                  <a:tcPr/>
+                </a:tc>
+                <a:tc>
+                  <a:txBody>
+                    <a:bodyPr/>
+                    <a:lstStyle/>
+                    <a:p>
+                      <a:r>
+                        <a:rPr lang="en-US" sz="2000" dirty="0"/>
+                        <a:t>5</a:t>
+                      </a:r>
+                    </a:p>
+                  </a:txBody>
+                  <a:tcPr/>
+                </a:tc>
+                <a:extLst>
+                  <a:ext uri="{0D108BD9-81ED-4DB2-BD59-A6C34878D82A}">
+                    <a16:rowId xmlns:a16="http://schemas.microsoft.com/office/drawing/2014/main" val="4189430941"/>
+                  </a:ext>
+                </a:extLst>
+              </a:tr>
+            </a:tbl>
+          </a:graphicData>
+        </a:graphic>
+      </p:graphicFrame>
+    </p:spTree>
+    <p:extLst>
+      <p:ext uri="{BB962C8B-B14F-4D97-AF65-F5344CB8AC3E}">
+        <p14:creationId xmlns:p14="http://schemas.microsoft.com/office/powerpoint/2010/main" val="627221190"/>
+      </p:ext>
+    </p:extLst>
+  </p:cSld>
+  <p:clrMapOvr>
+    <a:masterClrMapping/>
+  </p:clrMapOvr>
+</p:sld>
+</file>
+
+<file path=ppt/slides/slide8.xml><?xml version="1.0" encoding="utf-8"?>
+<p:sld xmlns:a="http://schemas.openxmlformats.org/drawingml/2006/main" xmlns:r="http://schemas.openxmlformats.org/officeDocument/2006/relationships" xmlns:p="http://schemas.openxmlformats.org/presentationml/2006/main">
+  <p:cSld>
+    <p:spTree>
+      <p:nvGrpSpPr>
+        <p:cNvPr id="1" name=""/>
+        <p:cNvGrpSpPr/>
+        <p:nvPr/>
+      </p:nvGrpSpPr>
+      <p:grpSpPr>
+        <a:xfrm>
+          <a:off x="0" y="0"/>
+          <a:ext cx="0" cy="0"/>
+          <a:chOff x="0" y="0"/>
+          <a:chExt cx="0" cy="0"/>
+        </a:xfrm>
+      </p:grpSpPr>
+      <p:sp>
+        <p:nvSpPr>
+          <p:cNvPr id="2" name="Title 1">
+            <a:extLst>
+              <a:ext uri="{FF2B5EF4-FFF2-40B4-BE49-F238E27FC236}">
+                <a16:creationId xmlns:a16="http://schemas.microsoft.com/office/drawing/2014/main" id="{65121245-042B-99A1-D7D3-6131A7FE131A}"/>
+              </a:ext>
+            </a:extLst>
+          </p:cNvPr>
+          <p:cNvSpPr>
+            <a:spLocks noGrp="1"/>
+          </p:cNvSpPr>
+          <p:nvPr>
+            <p:ph type="title"/>
+          </p:nvPr>
+        </p:nvSpPr>
+        <p:spPr/>
+        <p:txBody>
+          <a:bodyPr>
+            <a:normAutofit/>
+          </a:bodyPr>
+          <a:lstStyle/>
+          <a:p>
+            <a:r>
+              <a:rPr lang="en-US" sz="3600" dirty="0"/>
+              <a:t>Second normal form (2nf)</a:t>
+            </a:r>
+          </a:p>
+        </p:txBody>
+      </p:sp>
+      <p:sp>
+        <p:nvSpPr>
+          <p:cNvPr id="3" name="Content Placeholder 2">
+            <a:extLst>
+              <a:ext uri="{FF2B5EF4-FFF2-40B4-BE49-F238E27FC236}">
+                <a16:creationId xmlns:a16="http://schemas.microsoft.com/office/drawing/2014/main" id="{1FB65F55-19C7-F411-8ED4-1521299A0C1D}"/>
+              </a:ext>
+            </a:extLst>
+          </p:cNvPr>
+          <p:cNvSpPr>
+            <a:spLocks noGrp="1"/>
+          </p:cNvSpPr>
+          <p:nvPr>
+            <p:ph idx="1"/>
+          </p:nvPr>
+        </p:nvSpPr>
+        <p:spPr>
+          <a:xfrm>
+            <a:off x="581193" y="2048556"/>
+            <a:ext cx="11029615" cy="3634486"/>
+          </a:xfrm>
+        </p:spPr>
+        <p:txBody>
+          <a:bodyPr>
+            <a:normAutofit/>
+          </a:bodyPr>
+          <a:lstStyle/>
+          <a:p>
+            <a:pPr algn="l">
+              <a:buFont typeface="Arial" panose="020B0604020202020204" pitchFamily="34" charset="0"/>
+              <a:buChar char="•"/>
+            </a:pPr>
+            <a:r>
+              <a:rPr lang="en-US" sz="3200" dirty="0">
+                <a:solidFill>
+                  <a:schemeClr val="tx1"/>
+                </a:solidFill>
+                <a:latin typeface="Söhne"/>
+              </a:rPr>
+              <a:t>Meet the conditions of 1NF.</a:t>
+            </a:r>
+          </a:p>
+          <a:p>
+            <a:pPr algn="l">
+              <a:buFont typeface="Arial" panose="020B0604020202020204" pitchFamily="34" charset="0"/>
+              <a:buChar char="•"/>
+            </a:pPr>
+            <a:r>
+              <a:rPr lang="en-US" sz="3200" b="0" i="0" dirty="0">
+                <a:solidFill>
+                  <a:schemeClr val="tx1"/>
+                </a:solidFill>
+                <a:effectLst/>
+                <a:latin typeface="Söhne"/>
+              </a:rPr>
+              <a:t>Each non-key attribute must depend </a:t>
+            </a:r>
+          </a:p>
+          <a:p>
+            <a:pPr marL="0" indent="0" algn="l">
+              <a:buNone/>
+            </a:pPr>
+            <a:r>
+              <a:rPr lang="en-US" sz="3200" b="0" i="0" dirty="0">
+                <a:solidFill>
+                  <a:schemeClr val="tx1"/>
+                </a:solidFill>
+                <a:effectLst/>
+                <a:latin typeface="Söhne"/>
+              </a:rPr>
+              <a:t>   on the entire primary key.</a:t>
+            </a:r>
+          </a:p>
+        </p:txBody>
+      </p:sp>
+    </p:spTree>
+    <p:extLst>
+      <p:ext uri="{BB962C8B-B14F-4D97-AF65-F5344CB8AC3E}">
+        <p14:creationId xmlns:p14="http://schemas.microsoft.com/office/powerpoint/2010/main" val="4260873383"/>
+      </p:ext>
+    </p:extLst>
+  </p:cSld>
+  <p:clrMapOvr>
+    <a:masterClrMapping/>
+  </p:clrMapOvr>
+</p:sld>
+</file>
+
+<file path=ppt/slides/slide9.xml><?xml version="1.0" encoding="utf-8"?>
+<p:sld xmlns:a="http://schemas.openxmlformats.org/drawingml/2006/main" xmlns:r="http://schemas.openxmlformats.org/officeDocument/2006/relationships" xmlns:p="http://schemas.openxmlformats.org/presentationml/2006/main">
+  <p:cSld>
+    <p:spTree>
+      <p:nvGrpSpPr>
+        <p:cNvPr id="1" name=""/>
+        <p:cNvGrpSpPr/>
+        <p:nvPr/>
+      </p:nvGrpSpPr>
+      <p:grpSpPr>
+        <a:xfrm>
+          <a:off x="0" y="0"/>
+          <a:ext cx="0" cy="0"/>
+          <a:chOff x="0" y="0"/>
+          <a:chExt cx="0" cy="0"/>
+        </a:xfrm>
+      </p:grpSpPr>
+      <p:graphicFrame>
+        <p:nvGraphicFramePr>
+          <p:cNvPr id="4" name="Content Placeholder 3">
+            <a:extLst>
+              <a:ext uri="{FF2B5EF4-FFF2-40B4-BE49-F238E27FC236}">
+                <a16:creationId xmlns:a16="http://schemas.microsoft.com/office/drawing/2014/main" id="{E48C6BB0-7154-77A2-D9CC-E4F46CBB04E1}"/>
+              </a:ext>
+            </a:extLst>
+          </p:cNvPr>
+          <p:cNvGraphicFramePr>
+            <a:graphicFrameLocks noGrp="1"/>
+          </p:cNvGraphicFramePr>
+          <p:nvPr>
+            <p:ph idx="1"/>
+            <p:extLst>
+              <p:ext uri="{D42A27DB-BD31-4B8C-83A1-F6EECF244321}">
+                <p14:modId xmlns:p14="http://schemas.microsoft.com/office/powerpoint/2010/main" val="3620306801"/>
+              </p:ext>
+            </p:extLst>
+          </p:nvPr>
+        </p:nvGraphicFramePr>
+        <p:xfrm>
+          <a:off x="1854406" y="1402023"/>
+          <a:ext cx="7317559" cy="3587356"/>
+        </p:xfrm>
+        <a:graphic>
+          <a:graphicData uri="http://schemas.openxmlformats.org/drawingml/2006/table">
+            <a:tbl>
+              <a:tblPr firstRow="1" bandRow="1">
+                <a:tableStyleId>{5C22544A-7EE6-4342-B048-85BDC9FD1C3A}</a:tableStyleId>
+              </a:tblPr>
+              <a:tblGrid>
+                <a:gridCol w="1422194">
+                  <a:extLst>
+                    <a:ext uri="{9D8B030D-6E8A-4147-A177-3AD203B41FA5}">
+                      <a16:colId xmlns:a16="http://schemas.microsoft.com/office/drawing/2014/main" val="258617867"/>
+                    </a:ext>
+                  </a:extLst>
+                </a:gridCol>
+                <a:gridCol w="1823739">
+                  <a:extLst>
+                    <a:ext uri="{9D8B030D-6E8A-4147-A177-3AD203B41FA5}">
+                      <a16:colId xmlns:a16="http://schemas.microsoft.com/office/drawing/2014/main" val="3745361905"/>
+                    </a:ext>
+                  </a:extLst>
+                </a:gridCol>
+                <a:gridCol w="2035813">
+                  <a:extLst>
+                    <a:ext uri="{9D8B030D-6E8A-4147-A177-3AD203B41FA5}">
+                      <a16:colId xmlns:a16="http://schemas.microsoft.com/office/drawing/2014/main" val="1442237631"/>
+                    </a:ext>
+                  </a:extLst>
+                </a:gridCol>
+                <a:gridCol w="2035813">
+                  <a:extLst>
+                    <a:ext uri="{9D8B030D-6E8A-4147-A177-3AD203B41FA5}">
+                      <a16:colId xmlns:a16="http://schemas.microsoft.com/office/drawing/2014/main" val="3584965079"/>
+                    </a:ext>
+                  </a:extLst>
+                </a:gridCol>
+              </a:tblGrid>
+              <a:tr h="685023">
+                <a:tc>
+                  <a:txBody>
+                    <a:bodyPr/>
+                    <a:lstStyle/>
+                    <a:p>
+                      <a:r>
+                        <a:rPr lang="en-US" dirty="0">
+                          <a:solidFill>
+                            <a:srgbClr val="FFFF00"/>
+                          </a:solidFill>
+                        </a:rPr>
+                        <a:t>name</a:t>
+                      </a:r>
+                    </a:p>
+                  </a:txBody>
+                  <a:tcPr/>
+                </a:tc>
+                <a:tc>
+                  <a:txBody>
+                    <a:bodyPr/>
+                    <a:lstStyle/>
+                    <a:p>
+                      <a:r>
+                        <a:rPr lang="en-US" dirty="0">
+                          <a:solidFill>
+                            <a:srgbClr val="FFFF00"/>
+                          </a:solidFill>
+                        </a:rPr>
+                        <a:t>food</a:t>
+                      </a:r>
+                    </a:p>
+                  </a:txBody>
+                  <a:tcPr/>
+                </a:tc>
+                <a:tc>
+                  <a:txBody>
+                    <a:bodyPr/>
+                    <a:lstStyle/>
+                    <a:p>
+                      <a:r>
+                        <a:rPr lang="en-US" dirty="0"/>
+                        <a:t>quantity</a:t>
+                      </a:r>
+                    </a:p>
+                  </a:txBody>
+                  <a:tcPr/>
+                </a:tc>
+                <a:tc>
+                  <a:txBody>
+                    <a:bodyPr/>
+                    <a:lstStyle/>
+                    <a:p>
+                      <a:r>
+                        <a:rPr lang="en-US" dirty="0"/>
+                        <a:t>room_number</a:t>
+                      </a:r>
+                    </a:p>
+                  </a:txBody>
+                  <a:tcPr/>
+                </a:tc>
+                <a:extLst>
+                  <a:ext uri="{0D108BD9-81ED-4DB2-BD59-A6C34878D82A}">
+                    <a16:rowId xmlns:a16="http://schemas.microsoft.com/office/drawing/2014/main" val="1601311021"/>
+                  </a:ext>
+                </a:extLst>
+              </a:tr>
+              <a:tr h="428090">
+                <a:tc>
+                  <a:txBody>
+                    <a:bodyPr/>
+                    <a:lstStyle/>
+                    <a:p>
+                      <a:r>
+                        <a:rPr lang="en-US" dirty="0"/>
+                        <a:t>Amit</a:t>
+                      </a:r>
+                    </a:p>
+                  </a:txBody>
+                  <a:tcPr/>
+                </a:tc>
+                <a:tc>
+                  <a:txBody>
+                    <a:bodyPr/>
+                    <a:lstStyle/>
+                    <a:p>
+                      <a:r>
+                        <a:rPr lang="en-US" dirty="0"/>
+                        <a:t>Pizza</a:t>
+                      </a:r>
+                    </a:p>
+                  </a:txBody>
+                  <a:tcPr/>
+                </a:tc>
+                <a:tc>
+                  <a:txBody>
+                    <a:bodyPr/>
+                    <a:lstStyle/>
+                    <a:p>
+                      <a:r>
+                        <a:rPr lang="en-US" dirty="0"/>
+                        <a:t>3</a:t>
+                      </a:r>
+                    </a:p>
+                  </a:txBody>
+                  <a:tcPr/>
+                </a:tc>
+                <a:tc>
+                  <a:txBody>
+                    <a:bodyPr/>
+                    <a:lstStyle/>
+                    <a:p>
+                      <a:r>
+                        <a:rPr lang="en-US" dirty="0"/>
+                        <a:t>1</a:t>
+                      </a:r>
+                    </a:p>
+                  </a:txBody>
+                  <a:tcPr/>
+                </a:tc>
+                <a:extLst>
+                  <a:ext uri="{0D108BD9-81ED-4DB2-BD59-A6C34878D82A}">
+                    <a16:rowId xmlns:a16="http://schemas.microsoft.com/office/drawing/2014/main" val="1865295418"/>
+                  </a:ext>
+                </a:extLst>
+              </a:tr>
+              <a:tr h="460168">
+                <a:tc>
+                  <a:txBody>
+                    <a:bodyPr/>
+                    <a:lstStyle/>
+                    <a:p>
+                      <a:pPr marL="0" marR="0" lvl="0" indent="0" algn="l" defTabSz="457200" rtl="0" eaLnBrk="1" fontAlgn="auto" latinLnBrk="0" hangingPunct="1">
+                        <a:lnSpc>
+                          <a:spcPct val="100000"/>
+                        </a:lnSpc>
+                        <a:spcBef>
+                          <a:spcPts val="0"/>
+                        </a:spcBef>
+                        <a:spcAft>
+                          <a:spcPts val="0"/>
+                        </a:spcAft>
+                        <a:buClrTx/>
+                        <a:buSzTx/>
+                        <a:buFontTx/>
+                        <a:buNone/>
+                        <a:tabLst/>
+                        <a:defRPr/>
+                      </a:pPr>
+                      <a:r>
+                        <a:rPr lang="en-US" dirty="0"/>
+                        <a:t>Amit</a:t>
+                      </a:r>
+                    </a:p>
+                  </a:txBody>
+                  <a:tcPr/>
+                </a:tc>
+                <a:tc>
+                  <a:txBody>
+                    <a:bodyPr/>
+                    <a:lstStyle/>
+                    <a:p>
+                      <a:r>
+                        <a:rPr lang="en-US" dirty="0"/>
+                        <a:t>cookies</a:t>
+                      </a:r>
+                    </a:p>
+                  </a:txBody>
+                  <a:tcPr/>
+                </a:tc>
+                <a:tc>
+                  <a:txBody>
+                    <a:bodyPr/>
+                    <a:lstStyle/>
+                    <a:p>
+                      <a:r>
+                        <a:rPr lang="en-US" dirty="0"/>
+                        <a:t>20</a:t>
+                      </a:r>
+                    </a:p>
+                  </a:txBody>
+                  <a:tcPr/>
+                </a:tc>
+                <a:tc>
+                  <a:txBody>
+                    <a:bodyPr/>
+                    <a:lstStyle/>
+                    <a:p>
+                      <a:r>
+                        <a:rPr lang="en-US" dirty="0"/>
+                        <a:t>1</a:t>
+                      </a:r>
+                    </a:p>
+                  </a:txBody>
+                  <a:tcPr/>
+                </a:tc>
+                <a:extLst>
+                  <a:ext uri="{0D108BD9-81ED-4DB2-BD59-A6C34878D82A}">
+                    <a16:rowId xmlns:a16="http://schemas.microsoft.com/office/drawing/2014/main" val="2921246740"/>
+                  </a:ext>
+                </a:extLst>
+              </a:tr>
+              <a:tr h="428090">
+                <a:tc>
+                  <a:txBody>
+                    <a:bodyPr/>
+                    <a:lstStyle/>
+                    <a:p>
+                      <a:pPr marL="0" marR="0" lvl="0" indent="0" algn="l" defTabSz="457200" rtl="0" eaLnBrk="1" fontAlgn="auto" latinLnBrk="0" hangingPunct="1">
+                        <a:lnSpc>
+                          <a:spcPct val="100000"/>
+                        </a:lnSpc>
+                        <a:spcBef>
+                          <a:spcPts val="0"/>
+                        </a:spcBef>
+                        <a:spcAft>
+                          <a:spcPts val="0"/>
+                        </a:spcAft>
+                        <a:buClrTx/>
+                        <a:buSzTx/>
+                        <a:buFontTx/>
+                        <a:buNone/>
+                        <a:tabLst/>
+                        <a:defRPr/>
+                      </a:pPr>
+                      <a:r>
+                        <a:rPr lang="en-US" dirty="0"/>
+                        <a:t>Amit</a:t>
+                      </a:r>
+                    </a:p>
+                  </a:txBody>
+                  <a:tcPr/>
+                </a:tc>
+                <a:tc>
+                  <a:txBody>
+                    <a:bodyPr/>
+                    <a:lstStyle/>
+                    <a:p>
+                      <a:r>
+                        <a:rPr lang="en-US" dirty="0"/>
+                        <a:t>cake</a:t>
+                      </a:r>
+                    </a:p>
+                  </a:txBody>
+                  <a:tcPr/>
+                </a:tc>
+                <a:tc>
+                  <a:txBody>
+                    <a:bodyPr/>
+                    <a:lstStyle/>
+                    <a:p>
+                      <a:r>
+                        <a:rPr lang="en-US" dirty="0"/>
+                        <a:t>2</a:t>
+                      </a:r>
+                    </a:p>
+                  </a:txBody>
+                  <a:tcPr/>
+                </a:tc>
+                <a:tc>
+                  <a:txBody>
+                    <a:bodyPr/>
+                    <a:lstStyle/>
+                    <a:p>
+                      <a:r>
+                        <a:rPr lang="en-US" dirty="0"/>
+                        <a:t>1</a:t>
+                      </a:r>
+                    </a:p>
+                  </a:txBody>
+                  <a:tcPr/>
+                </a:tc>
+                <a:extLst>
+                  <a:ext uri="{0D108BD9-81ED-4DB2-BD59-A6C34878D82A}">
+                    <a16:rowId xmlns:a16="http://schemas.microsoft.com/office/drawing/2014/main" val="1929765718"/>
+                  </a:ext>
+                </a:extLst>
+              </a:tr>
+              <a:tr h="489230">
+                <a:tc>
+                  <a:txBody>
+                    <a:bodyPr/>
+                    <a:lstStyle/>
+                    <a:p>
+                      <a:r>
+                        <a:rPr lang="en-US" dirty="0"/>
+                        <a:t>Eli</a:t>
+                      </a:r>
+                    </a:p>
+                  </a:txBody>
+                  <a:tcPr/>
+                </a:tc>
+                <a:tc>
+                  <a:txBody>
+                    <a:bodyPr/>
+                    <a:lstStyle/>
+                    <a:p>
+                      <a:r>
+                        <a:rPr lang="en-US" dirty="0"/>
+                        <a:t>schnitzels</a:t>
+                      </a:r>
+                    </a:p>
+                  </a:txBody>
+                  <a:tcPr/>
+                </a:tc>
+                <a:tc>
+                  <a:txBody>
+                    <a:bodyPr/>
+                    <a:lstStyle/>
+                    <a:p>
+                      <a:r>
+                        <a:rPr lang="en-US" dirty="0"/>
+                        <a:t>50</a:t>
+                      </a:r>
+                    </a:p>
+                  </a:txBody>
+                  <a:tcPr/>
+                </a:tc>
+                <a:tc>
+                  <a:txBody>
+                    <a:bodyPr/>
+                    <a:lstStyle/>
+                    <a:p>
+                      <a:r>
+                        <a:rPr lang="en-US" dirty="0"/>
+                        <a:t>2</a:t>
+                      </a:r>
+                    </a:p>
+                  </a:txBody>
+                  <a:tcPr/>
+                </a:tc>
+                <a:extLst>
+                  <a:ext uri="{0D108BD9-81ED-4DB2-BD59-A6C34878D82A}">
+                    <a16:rowId xmlns:a16="http://schemas.microsoft.com/office/drawing/2014/main" val="191512471"/>
+                  </a:ext>
+                </a:extLst>
+              </a:tr>
+              <a:tr h="639187">
+                <a:tc>
+                  <a:txBody>
+                    <a:bodyPr/>
+                    <a:lstStyle/>
+                    <a:p>
+                      <a:r>
+                        <a:rPr lang="en-US" dirty="0"/>
+                        <a:t>Nuriel</a:t>
+                      </a:r>
+                    </a:p>
+                  </a:txBody>
+                  <a:tcPr/>
+                </a:tc>
+                <a:tc>
+                  <a:txBody>
+                    <a:bodyPr/>
+                    <a:lstStyle/>
+                    <a:p>
+                      <a:r>
+                        <a:rPr lang="en-US" dirty="0"/>
+                        <a:t>schnitzels</a:t>
+                      </a:r>
+                    </a:p>
+                  </a:txBody>
+                  <a:tcPr/>
+                </a:tc>
+                <a:tc>
+                  <a:txBody>
+                    <a:bodyPr/>
+                    <a:lstStyle/>
+                    <a:p>
+                      <a:r>
+                        <a:rPr lang="en-US" dirty="0"/>
+                        <a:t>10</a:t>
+                      </a:r>
+                    </a:p>
+                  </a:txBody>
+                  <a:tcPr/>
+                </a:tc>
+                <a:tc>
+                  <a:txBody>
+                    <a:bodyPr/>
+                    <a:lstStyle/>
+                    <a:p>
+                      <a:r>
+                        <a:rPr lang="en-US" dirty="0"/>
+                        <a:t>2</a:t>
+                      </a:r>
+                    </a:p>
+                  </a:txBody>
+                  <a:tcPr/>
+                </a:tc>
+                <a:extLst>
+                  <a:ext uri="{0D108BD9-81ED-4DB2-BD59-A6C34878D82A}">
+                    <a16:rowId xmlns:a16="http://schemas.microsoft.com/office/drawing/2014/main" val="1895864300"/>
+                  </a:ext>
+                </a:extLst>
+              </a:tr>
+              <a:tr h="457568">
+                <a:tc>
+                  <a:txBody>
+                    <a:bodyPr/>
+                    <a:lstStyle/>
+                    <a:p>
+                      <a:r>
+                        <a:rPr lang="en-US" dirty="0"/>
+                        <a:t>Nuriel</a:t>
+                      </a:r>
+                    </a:p>
+                  </a:txBody>
+                  <a:tcPr/>
+                </a:tc>
+                <a:tc>
+                  <a:txBody>
+                    <a:bodyPr/>
+                    <a:lstStyle/>
+                    <a:p>
+                      <a:r>
+                        <a:rPr lang="en-US" dirty="0"/>
+                        <a:t>Doritos</a:t>
+                      </a:r>
+                    </a:p>
+                  </a:txBody>
+                  <a:tcPr/>
+                </a:tc>
+                <a:tc>
+                  <a:txBody>
+                    <a:bodyPr/>
+                    <a:lstStyle/>
+                    <a:p>
+                      <a:r>
+                        <a:rPr lang="en-US" dirty="0"/>
+                        <a:t>5</a:t>
+                      </a:r>
+                    </a:p>
+                  </a:txBody>
+                  <a:tcPr/>
+                </a:tc>
+                <a:tc>
+                  <a:txBody>
+                    <a:bodyPr/>
+                    <a:lstStyle/>
+                    <a:p>
+                      <a:r>
+                        <a:rPr lang="en-US" dirty="0"/>
+                        <a:t>2</a:t>
+                      </a:r>
+                    </a:p>
+                  </a:txBody>
+                  <a:tcPr/>
+                </a:tc>
+                <a:extLst>
+                  <a:ext uri="{0D108BD9-81ED-4DB2-BD59-A6C34878D82A}">
+                    <a16:rowId xmlns:a16="http://schemas.microsoft.com/office/drawing/2014/main" val="2615553777"/>
+                  </a:ext>
+                </a:extLst>
+              </a:tr>
+            </a:tbl>
+          </a:graphicData>
+        </a:graphic>
+      </p:graphicFrame>
+      <p:sp>
+        <p:nvSpPr>
+          <p:cNvPr id="3" name="TextBox 2">
+            <a:extLst>
+              <a:ext uri="{FF2B5EF4-FFF2-40B4-BE49-F238E27FC236}">
+                <a16:creationId xmlns:a16="http://schemas.microsoft.com/office/drawing/2014/main" id="{CCC458B7-CB1A-3FCC-AD89-067B86EA840A}"/>
+              </a:ext>
+            </a:extLst>
+          </p:cNvPr>
+          <p:cNvSpPr txBox="1"/>
+          <p:nvPr/>
+        </p:nvSpPr>
+        <p:spPr>
+          <a:xfrm>
+            <a:off x="2009775" y="5379777"/>
+            <a:ext cx="6572250" cy="1015663"/>
+          </a:xfrm>
+          <a:prstGeom prst="rect">
+            <a:avLst/>
+          </a:prstGeom>
+          <a:noFill/>
+        </p:spPr>
+        <p:txBody>
+          <a:bodyPr wrap="square">
+            <a:spAutoFit/>
+          </a:bodyPr>
+          <a:lstStyle/>
+          <a:p>
+            <a:pPr algn="l"/>
+            <a:r>
+              <a:rPr lang="en-US" sz="2000" dirty="0">
+                <a:solidFill>
+                  <a:srgbClr val="00B050"/>
+                </a:solidFill>
+                <a:latin typeface="Söhne"/>
+              </a:rPr>
+              <a:t>Meet the conditions of 1NF.</a:t>
+            </a:r>
+          </a:p>
+          <a:p>
+            <a:pPr algn="l"/>
+            <a:r>
+              <a:rPr lang="en-US" sz="2000" b="0" i="0" dirty="0">
+                <a:solidFill>
+                  <a:srgbClr val="FF0000"/>
+                </a:solidFill>
+                <a:effectLst/>
+                <a:latin typeface="Söhne"/>
+              </a:rPr>
+              <a:t>Each non-key attribute must depend </a:t>
+            </a:r>
+          </a:p>
+          <a:p>
+            <a:pPr marL="0" indent="0" algn="l">
+              <a:buNone/>
+            </a:pPr>
+            <a:r>
+              <a:rPr lang="en-US" sz="2000" b="0" i="0" dirty="0">
+                <a:solidFill>
+                  <a:srgbClr val="FF0000"/>
+                </a:solidFill>
+                <a:effectLst/>
+                <a:latin typeface="Söhne"/>
+              </a:rPr>
+              <a:t>   on the entire primary key</a:t>
+            </a:r>
+            <a:r>
+              <a:rPr lang="en-US" sz="1800" b="0" i="0" dirty="0">
+                <a:solidFill>
+                  <a:srgbClr val="FF0000"/>
+                </a:solidFill>
+                <a:effectLst/>
+                <a:latin typeface="Söhne"/>
+              </a:rPr>
+              <a:t>.</a:t>
+            </a:r>
+          </a:p>
+        </p:txBody>
+      </p:sp>
+    </p:spTree>
+    <p:extLst>
+      <p:ext uri="{BB962C8B-B14F-4D97-AF65-F5344CB8AC3E}">
+        <p14:creationId xmlns:p14="http://schemas.microsoft.com/office/powerpoint/2010/main" val="47011166"/>
       </p:ext>
     </p:extLst>
   </p:cSld>
@@ -7361,22 +10156,317 @@
 </a:theme>
 </file>
 
+<file path=ppt/theme/theme2.xml><?xml version="1.0" encoding="utf-8"?>
+<a:theme xmlns:a="http://schemas.openxmlformats.org/drawingml/2006/main" name="Office Theme">
+  <a:themeElements>
+    <a:clrScheme name="Office">
+      <a:dk1>
+        <a:sysClr val="windowText" lastClr="000000"/>
+      </a:dk1>
+      <a:lt1>
+        <a:sysClr val="window" lastClr="FFFFFF"/>
+      </a:lt1>
+      <a:dk2>
+        <a:srgbClr val="44546A"/>
+      </a:dk2>
+      <a:lt2>
+        <a:srgbClr val="E7E6E6"/>
+      </a:lt2>
+      <a:accent1>
+        <a:srgbClr val="4472C4"/>
+      </a:accent1>
+      <a:accent2>
+        <a:srgbClr val="ED7D31"/>
+      </a:accent2>
+      <a:accent3>
+        <a:srgbClr val="A5A5A5"/>
+      </a:accent3>
+      <a:accent4>
+        <a:srgbClr val="FFC000"/>
+      </a:accent4>
+      <a:accent5>
+        <a:srgbClr val="5B9BD5"/>
+      </a:accent5>
+      <a:accent6>
+        <a:srgbClr val="70AD47"/>
+      </a:accent6>
+      <a:hlink>
+        <a:srgbClr val="0563C1"/>
+      </a:hlink>
+      <a:folHlink>
+        <a:srgbClr val="954F72"/>
+      </a:folHlink>
+    </a:clrScheme>
+    <a:fontScheme name="Office">
+      <a:majorFont>
+        <a:latin typeface="Calibri Light" panose="020F0302020204030204"/>
+        <a:ea typeface=""/>
+        <a:cs typeface=""/>
+        <a:font script="Jpan" typeface="游ゴシック Light"/>
+        <a:font script="Hang" typeface="맑은 고딕"/>
+        <a:font script="Hans" typeface="等线 Light"/>
+        <a:font script="Hant" typeface="新細明體"/>
+        <a:font script="Arab" typeface="Times New Roman"/>
+        <a:font script="Hebr" typeface="Times New Roman"/>
+        <a:font script="Thai" typeface="Angsana New"/>
+        <a:font script="Ethi" typeface="Nyala"/>
+        <a:font script="Beng" typeface="Vrinda"/>
+        <a:font script="Gujr" typeface="Shruti"/>
+        <a:font script="Khmr" typeface="MoolBoran"/>
+        <a:font script="Knda" typeface="Tunga"/>
+        <a:font script="Guru" typeface="Raavi"/>
+        <a:font script="Cans" typeface="Euphemia"/>
+        <a:font script="Cher" typeface="Plantagenet Cherokee"/>
+        <a:font script="Yiii" typeface="Microsoft Yi Baiti"/>
+        <a:font script="Tibt" typeface="Microsoft Himalaya"/>
+        <a:font script="Thaa" typeface="MV Boli"/>
+        <a:font script="Deva" typeface="Mangal"/>
+        <a:font script="Telu" typeface="Gautami"/>
+        <a:font script="Taml" typeface="Latha"/>
+        <a:font script="Syrc" typeface="Estrangelo Edessa"/>
+        <a:font script="Orya" typeface="Kalinga"/>
+        <a:font script="Mlym" typeface="Kartika"/>
+        <a:font script="Laoo" typeface="DokChampa"/>
+        <a:font script="Sinh" typeface="Iskoola Pota"/>
+        <a:font script="Mong" typeface="Mongolian Baiti"/>
+        <a:font script="Viet" typeface="Times New Roman"/>
+        <a:font script="Uigh" typeface="Microsoft Uighur"/>
+        <a:font script="Geor" typeface="Sylfaen"/>
+        <a:font script="Armn" typeface="Arial"/>
+        <a:font script="Bugi" typeface="Leelawadee UI"/>
+        <a:font script="Bopo" typeface="Microsoft JhengHei"/>
+        <a:font script="Java" typeface="Javanese Text"/>
+        <a:font script="Lisu" typeface="Segoe UI"/>
+        <a:font script="Mymr" typeface="Myanmar Text"/>
+        <a:font script="Nkoo" typeface="Ebrima"/>
+        <a:font script="Olck" typeface="Nirmala UI"/>
+        <a:font script="Osma" typeface="Ebrima"/>
+        <a:font script="Phag" typeface="Phagspa"/>
+        <a:font script="Syrn" typeface="Estrangelo Edessa"/>
+        <a:font script="Syrj" typeface="Estrangelo Edessa"/>
+        <a:font script="Syre" typeface="Estrangelo Edessa"/>
+        <a:font script="Sora" typeface="Nirmala UI"/>
+        <a:font script="Tale" typeface="Microsoft Tai Le"/>
+        <a:font script="Talu" typeface="Microsoft New Tai Lue"/>
+        <a:font script="Tfng" typeface="Ebrima"/>
+      </a:majorFont>
+      <a:minorFont>
+        <a:latin typeface="Calibri" panose="020F0502020204030204"/>
+        <a:ea typeface=""/>
+        <a:cs typeface=""/>
+        <a:font script="Jpan" typeface="游ゴシック"/>
+        <a:font script="Hang" typeface="맑은 고딕"/>
+        <a:font script="Hans" typeface="等线"/>
+        <a:font script="Hant" typeface="新細明體"/>
+        <a:font script="Arab" typeface="Arial"/>
+        <a:font script="Hebr" typeface="Arial"/>
+        <a:font script="Thai" typeface="Cordia New"/>
+        <a:font script="Ethi" typeface="Nyala"/>
+        <a:font script="Beng" typeface="Vrinda"/>
+        <a:font script="Gujr" typeface="Shruti"/>
+        <a:font script="Khmr" typeface="DaunPenh"/>
+        <a:font script="Knda" typeface="Tunga"/>
+        <a:font script="Guru" typeface="Raavi"/>
+        <a:font script="Cans" typeface="Euphemia"/>
+        <a:font script="Cher" typeface="Plantagenet Cherokee"/>
+        <a:font script="Yiii" typeface="Microsoft Yi Baiti"/>
+        <a:font script="Tibt" typeface="Microsoft Himalaya"/>
+        <a:font script="Thaa" typeface="MV Boli"/>
+        <a:font script="Deva" typeface="Mangal"/>
+        <a:font script="Telu" typeface="Gautami"/>
+        <a:font script="Taml" typeface="Latha"/>
+        <a:font script="Syrc" typeface="Estrangelo Edessa"/>
+        <a:font script="Orya" typeface="Kalinga"/>
+        <a:font script="Mlym" typeface="Kartika"/>
+        <a:font script="Laoo" typeface="DokChampa"/>
+        <a:font script="Sinh" typeface="Iskoola Pota"/>
+        <a:font script="Mong" typeface="Mongolian Baiti"/>
+        <a:font script="Viet" typeface="Arial"/>
+        <a:font script="Uigh" typeface="Microsoft Uighur"/>
+        <a:font script="Geor" typeface="Sylfaen"/>
+        <a:font script="Armn" typeface="Arial"/>
+        <a:font script="Bugi" typeface="Leelawadee UI"/>
+        <a:font script="Bopo" typeface="Microsoft JhengHei"/>
+        <a:font script="Java" typeface="Javanese Text"/>
+        <a:font script="Lisu" typeface="Segoe UI"/>
+        <a:font script="Mymr" typeface="Myanmar Text"/>
+        <a:font script="Nkoo" typeface="Ebrima"/>
+        <a:font script="Olck" typeface="Nirmala UI"/>
+        <a:font script="Osma" typeface="Ebrima"/>
+        <a:font script="Phag" typeface="Phagspa"/>
+        <a:font script="Syrn" typeface="Estrangelo Edessa"/>
+        <a:font script="Syrj" typeface="Estrangelo Edessa"/>
+        <a:font script="Syre" typeface="Estrangelo Edessa"/>
+        <a:font script="Sora" typeface="Nirmala UI"/>
+        <a:font script="Tale" typeface="Microsoft Tai Le"/>
+        <a:font script="Talu" typeface="Microsoft New Tai Lue"/>
+        <a:font script="Tfng" typeface="Ebrima"/>
+      </a:minorFont>
+    </a:fontScheme>
+    <a:fmtScheme name="Office">
+      <a:fillStyleLst>
+        <a:solidFill>
+          <a:schemeClr val="phClr"/>
+        </a:solidFill>
+        <a:gradFill rotWithShape="1">
+          <a:gsLst>
+            <a:gs pos="0">
+              <a:schemeClr val="phClr">
+                <a:lumMod val="110000"/>
+                <a:satMod val="105000"/>
+                <a:tint val="67000"/>
+              </a:schemeClr>
+            </a:gs>
+            <a:gs pos="50000">
+              <a:schemeClr val="phClr">
+                <a:lumMod val="105000"/>
+                <a:satMod val="103000"/>
+                <a:tint val="73000"/>
+              </a:schemeClr>
+            </a:gs>
+            <a:gs pos="100000">
+              <a:schemeClr val="phClr">
+                <a:lumMod val="105000"/>
+                <a:satMod val="109000"/>
+                <a:tint val="81000"/>
+              </a:schemeClr>
+            </a:gs>
+          </a:gsLst>
+          <a:lin ang="5400000" scaled="0"/>
+        </a:gradFill>
+        <a:gradFill rotWithShape="1">
+          <a:gsLst>
+            <a:gs pos="0">
+              <a:schemeClr val="phClr">
+                <a:satMod val="103000"/>
+                <a:lumMod val="102000"/>
+                <a:tint val="94000"/>
+              </a:schemeClr>
+            </a:gs>
+            <a:gs pos="50000">
+              <a:schemeClr val="phClr">
+                <a:satMod val="110000"/>
+                <a:lumMod val="100000"/>
+                <a:shade val="100000"/>
+              </a:schemeClr>
+            </a:gs>
+            <a:gs pos="100000">
+              <a:schemeClr val="phClr">
+                <a:lumMod val="99000"/>
+                <a:satMod val="120000"/>
+                <a:shade val="78000"/>
+              </a:schemeClr>
+            </a:gs>
+          </a:gsLst>
+          <a:lin ang="5400000" scaled="0"/>
+        </a:gradFill>
+      </a:fillStyleLst>
+      <a:lnStyleLst>
+        <a:ln w="6350" cap="flat" cmpd="sng" algn="ctr">
+          <a:solidFill>
+            <a:schemeClr val="phClr"/>
+          </a:solidFill>
+          <a:prstDash val="solid"/>
+          <a:miter lim="800000"/>
+        </a:ln>
+        <a:ln w="12700" cap="flat" cmpd="sng" algn="ctr">
+          <a:solidFill>
+            <a:schemeClr val="phClr"/>
+          </a:solidFill>
+          <a:prstDash val="solid"/>
+          <a:miter lim="800000"/>
+        </a:ln>
+        <a:ln w="19050" cap="flat" cmpd="sng" algn="ctr">
+          <a:solidFill>
+            <a:schemeClr val="phClr"/>
+          </a:solidFill>
+          <a:prstDash val="solid"/>
+          <a:miter lim="800000"/>
+        </a:ln>
+      </a:lnStyleLst>
+      <a:effectStyleLst>
+        <a:effectStyle>
+          <a:effectLst/>
+        </a:effectStyle>
+        <a:effectStyle>
+          <a:effectLst/>
+        </a:effectStyle>
+        <a:effectStyle>
+          <a:effectLst>
+            <a:outerShdw blurRad="57150" dist="19050" dir="5400000" algn="ctr" rotWithShape="0">
+              <a:srgbClr val="000000">
+                <a:alpha val="63000"/>
+              </a:srgbClr>
+            </a:outerShdw>
+          </a:effectLst>
+        </a:effectStyle>
+      </a:effectStyleLst>
+      <a:bgFillStyleLst>
+        <a:solidFill>
+          <a:schemeClr val="phClr"/>
+        </a:solidFill>
+        <a:solidFill>
+          <a:schemeClr val="phClr">
+            <a:tint val="95000"/>
+            <a:satMod val="170000"/>
+          </a:schemeClr>
+        </a:solidFill>
+        <a:gradFill rotWithShape="1">
+          <a:gsLst>
+            <a:gs pos="0">
+              <a:schemeClr val="phClr">
+                <a:tint val="93000"/>
+                <a:satMod val="150000"/>
+                <a:shade val="98000"/>
+                <a:lumMod val="102000"/>
+              </a:schemeClr>
+            </a:gs>
+            <a:gs pos="50000">
+              <a:schemeClr val="phClr">
+                <a:tint val="98000"/>
+                <a:satMod val="130000"/>
+                <a:shade val="90000"/>
+                <a:lumMod val="103000"/>
+              </a:schemeClr>
+            </a:gs>
+            <a:gs pos="100000">
+              <a:schemeClr val="phClr">
+                <a:shade val="63000"/>
+                <a:satMod val="120000"/>
+              </a:schemeClr>
+            </a:gs>
+          </a:gsLst>
+          <a:lin ang="5400000" scaled="0"/>
+        </a:gradFill>
+      </a:bgFillStyleLst>
+    </a:fmtScheme>
+  </a:themeElements>
+  <a:objectDefaults/>
+  <a:extraClrSchemeLst/>
+  <a:extLst>
+    <a:ext uri="{05A4C25C-085E-4340-85A3-A5531E510DB2}">
+      <thm15:themeFamily xmlns:thm15="http://schemas.microsoft.com/office/thememl/2012/main" name="Office Theme" id="{62F939B6-93AF-4DB8-9C6B-D6C7DFDC589F}" vid="{4A3C46E8-61CC-4603-A589-7422A47A8E4A}"/>
+    </a:ext>
+  </a:extLst>
+</a:theme>
+</file>
+
 <file path=customXml/item1.xml><?xml version="1.0" encoding="utf-8"?>
+<?mso-contentType ?>
+<FormTemplates xmlns="http://schemas.microsoft.com/sharepoint/v3/contenttype/forms">
+  <Display>DocumentLibraryForm</Display>
+  <Edit>DocumentLibraryForm</Edit>
+  <New>DocumentLibraryForm</New>
+</FormTemplates>
+</file>
+
+<file path=customXml/item2.xml><?xml version="1.0" encoding="utf-8"?>
 <p:properties xmlns:p="http://schemas.microsoft.com/office/2006/metadata/properties" xmlns:xsi="http://www.w3.org/2001/XMLSchema-instance" xmlns:pc="http://schemas.microsoft.com/office/infopath/2007/PartnerControls">
   <documentManagement>
     <Status xmlns="71af3243-3dd4-4a8d-8c0d-dd76da1f02a5">Not started</Status>
     <MediaServiceKeyPoints xmlns="71af3243-3dd4-4a8d-8c0d-dd76da1f02a5" xsi:nil="true"/>
   </documentManagement>
 </p:properties>
-</file>
-
-<file path=customXml/item2.xml><?xml version="1.0" encoding="utf-8"?>
-<?mso-contentType ?>
-<FormTemplates xmlns="http://schemas.microsoft.com/sharepoint/v3/contenttype/forms">
-  <Display>DocumentLibraryForm</Display>
-  <Edit>DocumentLibraryForm</Edit>
-  <New>DocumentLibraryForm</New>
-</FormTemplates>
 </file>
 
 <file path=customXml/item3.xml><?xml version="1.0" encoding="utf-8"?>
@@ -7601,19 +10691,19 @@
 </file>
 
 <file path=customXml/itemProps1.xml><?xml version="1.0" encoding="utf-8"?>
+<ds:datastoreItem xmlns:ds="http://schemas.openxmlformats.org/officeDocument/2006/customXml" ds:itemID="{927BD4C1-B6B1-4715-ABF9-E660A51A4EA0}">
+  <ds:schemaRefs>
+    <ds:schemaRef ds:uri="http://schemas.microsoft.com/sharepoint/v3/contenttype/forms"/>
+  </ds:schemaRefs>
+</ds:datastoreItem>
+</file>
+
+<file path=customXml/itemProps2.xml><?xml version="1.0" encoding="utf-8"?>
 <ds:datastoreItem xmlns:ds="http://schemas.openxmlformats.org/officeDocument/2006/customXml" ds:itemID="{8D289AE2-D2AE-49D1-AFAC-3A79F6794255}">
   <ds:schemaRefs>
     <ds:schemaRef ds:uri="http://schemas.microsoft.com/office/2006/metadata/properties"/>
     <ds:schemaRef ds:uri="http://schemas.microsoft.com/office/infopath/2007/PartnerControls"/>
     <ds:schemaRef ds:uri="71af3243-3dd4-4a8d-8c0d-dd76da1f02a5"/>
-  </ds:schemaRefs>
-</ds:datastoreItem>
-</file>
-
-<file path=customXml/itemProps2.xml><?xml version="1.0" encoding="utf-8"?>
-<ds:datastoreItem xmlns:ds="http://schemas.openxmlformats.org/officeDocument/2006/customXml" ds:itemID="{927BD4C1-B6B1-4715-ABF9-E660A51A4EA0}">
-  <ds:schemaRefs>
-    <ds:schemaRef ds:uri="http://schemas.microsoft.com/sharepoint/v3/contenttype/forms"/>
   </ds:schemaRefs>
 </ds:datastoreItem>
 </file>
